--- a/final/presentation.pptx
+++ b/final/presentation.pptx
@@ -5,17 +5,38 @@
     <p:sldMasterId id="2147483720" r:id="rId1"/>
   </p:sldMasterIdLst>
   <p:notesMasterIdLst>
-    <p:notesMasterId r:id="rId7"/>
+    <p:notesMasterId r:id="rId13"/>
   </p:notesMasterIdLst>
   <p:sldIdLst>
     <p:sldId id="256" r:id="rId2"/>
     <p:sldId id="258" r:id="rId3"/>
-    <p:sldId id="259" r:id="rId4"/>
+    <p:sldId id="261" r:id="rId4"/>
     <p:sldId id="257" r:id="rId5"/>
-    <p:sldId id="260" r:id="rId6"/>
+    <p:sldId id="263" r:id="rId6"/>
+    <p:sldId id="264" r:id="rId7"/>
+    <p:sldId id="265" r:id="rId8"/>
+    <p:sldId id="259" r:id="rId9"/>
+    <p:sldId id="262" r:id="rId10"/>
+    <p:sldId id="260" r:id="rId11"/>
+    <p:sldId id="266" r:id="rId12"/>
   </p:sldIdLst>
   <p:sldSz cx="12192000" cy="6858000"/>
   <p:notesSz cx="6858000" cy="9144000"/>
+  <p:custShowLst>
+    <p:custShow name="Custom Show 1" id="0">
+      <p:sldLst>
+        <p:sld r:id="rId2"/>
+        <p:sld r:id="rId3"/>
+        <p:sld r:id="rId4"/>
+        <p:sld r:id="rId5"/>
+        <p:sld r:id="rId6"/>
+        <p:sld r:id="rId7"/>
+        <p:sld r:id="rId9"/>
+        <p:sld r:id="rId10"/>
+        <p:sld r:id="rId11"/>
+      </p:sldLst>
+    </p:custShow>
+  </p:custShowLst>
   <p:defaultTextStyle>
     <a:defPPr>
       <a:defRPr lang="en-US"/>
@@ -201,7 +222,7 @@
           <a:p>
             <a:fld id="{092F831F-234F-A64F-B43C-0A24AC974903}" type="datetimeFigureOut">
               <a:rPr lang="en-US" smtClean="0"/>
-              <a:t>2/12/18</a:t>
+              <a:t>2/14/18</a:t>
             </a:fld>
             <a:endParaRPr lang="en-US"/>
           </a:p>
@@ -600,7 +621,7 @@
           <a:p>
             <a:fld id="{FA14666F-C8D9-0D49-AE63-83FD9A2DA80E}" type="datetimeFigureOut">
               <a:rPr lang="en-US" smtClean="0"/>
-              <a:t>2/12/18</a:t>
+              <a:t>2/14/18</a:t>
             </a:fld>
             <a:endParaRPr lang="en-US"/>
           </a:p>
@@ -765,7 +786,7 @@
           <a:p>
             <a:fld id="{FA14666F-C8D9-0D49-AE63-83FD9A2DA80E}" type="datetimeFigureOut">
               <a:rPr lang="en-US" smtClean="0"/>
-              <a:t>2/12/18</a:t>
+              <a:t>2/14/18</a:t>
             </a:fld>
             <a:endParaRPr lang="en-US"/>
           </a:p>
@@ -940,7 +961,7 @@
           <a:p>
             <a:fld id="{FA14666F-C8D9-0D49-AE63-83FD9A2DA80E}" type="datetimeFigureOut">
               <a:rPr lang="en-US" smtClean="0"/>
-              <a:t>2/12/18</a:t>
+              <a:t>2/14/18</a:t>
             </a:fld>
             <a:endParaRPr lang="en-US"/>
           </a:p>
@@ -1105,7 +1126,7 @@
           <a:p>
             <a:fld id="{FA14666F-C8D9-0D49-AE63-83FD9A2DA80E}" type="datetimeFigureOut">
               <a:rPr lang="en-US" smtClean="0"/>
-              <a:t>2/12/18</a:t>
+              <a:t>2/14/18</a:t>
             </a:fld>
             <a:endParaRPr lang="en-US"/>
           </a:p>
@@ -1346,7 +1367,7 @@
           <a:p>
             <a:fld id="{FA14666F-C8D9-0D49-AE63-83FD9A2DA80E}" type="datetimeFigureOut">
               <a:rPr lang="en-US" smtClean="0"/>
-              <a:t>2/12/18</a:t>
+              <a:t>2/14/18</a:t>
             </a:fld>
             <a:endParaRPr lang="en-US"/>
           </a:p>
@@ -1573,7 +1594,7 @@
           <a:p>
             <a:fld id="{FA14666F-C8D9-0D49-AE63-83FD9A2DA80E}" type="datetimeFigureOut">
               <a:rPr lang="en-US" smtClean="0"/>
-              <a:t>2/12/18</a:t>
+              <a:t>2/14/18</a:t>
             </a:fld>
             <a:endParaRPr lang="en-US"/>
           </a:p>
@@ -1935,7 +1956,7 @@
           <a:p>
             <a:fld id="{FA14666F-C8D9-0D49-AE63-83FD9A2DA80E}" type="datetimeFigureOut">
               <a:rPr lang="en-US" smtClean="0"/>
-              <a:t>2/12/18</a:t>
+              <a:t>2/14/18</a:t>
             </a:fld>
             <a:endParaRPr lang="en-US"/>
           </a:p>
@@ -2048,7 +2069,7 @@
           <a:p>
             <a:fld id="{FA14666F-C8D9-0D49-AE63-83FD9A2DA80E}" type="datetimeFigureOut">
               <a:rPr lang="en-US" smtClean="0"/>
-              <a:t>2/12/18</a:t>
+              <a:t>2/14/18</a:t>
             </a:fld>
             <a:endParaRPr lang="en-US"/>
           </a:p>
@@ -2138,7 +2159,7 @@
           <a:p>
             <a:fld id="{FA14666F-C8D9-0D49-AE63-83FD9A2DA80E}" type="datetimeFigureOut">
               <a:rPr lang="en-US" smtClean="0"/>
-              <a:t>2/12/18</a:t>
+              <a:t>2/14/18</a:t>
             </a:fld>
             <a:endParaRPr lang="en-US"/>
           </a:p>
@@ -2410,7 +2431,7 @@
           <a:p>
             <a:fld id="{FA14666F-C8D9-0D49-AE63-83FD9A2DA80E}" type="datetimeFigureOut">
               <a:rPr lang="en-US" smtClean="0"/>
-              <a:t>2/12/18</a:t>
+              <a:t>2/14/18</a:t>
             </a:fld>
             <a:endParaRPr lang="en-US"/>
           </a:p>
@@ -2658,7 +2679,7 @@
           <a:p>
             <a:fld id="{FA14666F-C8D9-0D49-AE63-83FD9A2DA80E}" type="datetimeFigureOut">
               <a:rPr lang="en-US" smtClean="0"/>
-              <a:t>2/12/18</a:t>
+              <a:t>2/14/18</a:t>
             </a:fld>
             <a:endParaRPr lang="en-US"/>
           </a:p>
@@ -2880,7 +2901,7 @@
           <a:p>
             <a:fld id="{FA14666F-C8D9-0D49-AE63-83FD9A2DA80E}" type="datetimeFigureOut">
               <a:rPr lang="en-US" smtClean="0"/>
-              <a:t>2/12/18</a:t>
+              <a:t>2/14/18</a:t>
             </a:fld>
             <a:endParaRPr lang="en-US"/>
           </a:p>
@@ -3433,6 +3454,415 @@
 </p:sld>
 </file>
 
+<file path=ppt/slides/slide10.xml><?xml version="1.0" encoding="utf-8"?>
+<p:sld xmlns:a="http://schemas.openxmlformats.org/drawingml/2006/main" xmlns:r="http://schemas.openxmlformats.org/officeDocument/2006/relationships" xmlns:p="http://schemas.openxmlformats.org/presentationml/2006/main">
+  <p:cSld>
+    <p:spTree>
+      <p:nvGrpSpPr>
+        <p:cNvPr id="1" name=""/>
+        <p:cNvGrpSpPr/>
+        <p:nvPr/>
+      </p:nvGrpSpPr>
+      <p:grpSpPr>
+        <a:xfrm>
+          <a:off x="0" y="0"/>
+          <a:ext cx="0" cy="0"/>
+          <a:chOff x="0" y="0"/>
+          <a:chExt cx="0" cy="0"/>
+        </a:xfrm>
+      </p:grpSpPr>
+      <p:sp>
+        <p:nvSpPr>
+          <p:cNvPr id="2" name="Title 1"/>
+          <p:cNvSpPr>
+            <a:spLocks noGrp="1"/>
+          </p:cNvSpPr>
+          <p:nvPr>
+            <p:ph type="title"/>
+          </p:nvPr>
+        </p:nvSpPr>
+        <p:spPr>
+          <a:xfrm>
+            <a:off x="1662546" y="2445182"/>
+            <a:ext cx="8610599" cy="1325563"/>
+          </a:xfrm>
+        </p:spPr>
+        <p:txBody>
+          <a:bodyPr/>
+          <a:lstStyle/>
+          <a:p>
+            <a:pPr algn="ctr"/>
+            <a:r>
+              <a:rPr lang="en-US" u="sng" dirty="0" smtClean="0">
+                <a:solidFill>
+                  <a:schemeClr val="bg1"/>
+                </a:solidFill>
+                <a:latin typeface="Arial" charset="0"/>
+                <a:ea typeface="Arial" charset="0"/>
+                <a:cs typeface="Arial" charset="0"/>
+                <a:hlinkClick r:id="rId2" action="ppaction://program"/>
+              </a:rPr>
+              <a:t>Prototype demo</a:t>
+            </a:r>
+            <a:endParaRPr lang="en-US" u="sng" dirty="0">
+              <a:solidFill>
+                <a:schemeClr val="bg1"/>
+              </a:solidFill>
+              <a:latin typeface="Arial" charset="0"/>
+              <a:ea typeface="Arial" charset="0"/>
+              <a:cs typeface="Arial" charset="0"/>
+            </a:endParaRPr>
+          </a:p>
+        </p:txBody>
+      </p:sp>
+      <p:sp>
+        <p:nvSpPr>
+          <p:cNvPr id="7" name="AutoShape 2" descr="https://camo.githubusercontent.com/d18f4a7a64244f703efcb322bf298dcb4ca38856/68747470733a2f2f7765627061636b2e6a732e6f72672f6173736574732f69636f6e2d7371756172652d6269672e737667"/>
+          <p:cNvSpPr>
+            <a:spLocks noChangeAspect="1" noChangeArrowheads="1"/>
+          </p:cNvSpPr>
+          <p:nvPr/>
+        </p:nvSpPr>
+        <p:spPr bwMode="auto">
+          <a:xfrm>
+            <a:off x="1662546" y="1865745"/>
+            <a:ext cx="1905000" cy="1905000"/>
+          </a:xfrm>
+          <a:prstGeom prst="rect">
+            <a:avLst/>
+          </a:prstGeom>
+          <a:noFill/>
+          <a:extLst>
+            <a:ext uri="{909E8E84-426E-40DD-AFC4-6F175D3DCCD1}">
+              <a14:hiddenFill xmlns:a14="http://schemas.microsoft.com/office/drawing/2010/main">
+                <a:solidFill>
+                  <a:srgbClr val="FFFFFF"/>
+                </a:solidFill>
+              </a14:hiddenFill>
+            </a:ext>
+          </a:extLst>
+        </p:spPr>
+        <p:txBody>
+          <a:bodyPr vert="horz" wrap="square" lIns="91440" tIns="45720" rIns="91440" bIns="45720" numCol="1" anchor="t" anchorCtr="0" compatLnSpc="1">
+            <a:prstTxWarp prst="textNoShape">
+              <a:avLst/>
+            </a:prstTxWarp>
+          </a:bodyPr>
+          <a:lstStyle/>
+          <a:p>
+            <a:endParaRPr lang="en-US"/>
+          </a:p>
+        </p:txBody>
+      </p:sp>
+    </p:spTree>
+    <p:extLst>
+      <p:ext uri="{BB962C8B-B14F-4D97-AF65-F5344CB8AC3E}">
+        <p14:creationId xmlns:p14="http://schemas.microsoft.com/office/powerpoint/2010/main" val="154064178"/>
+      </p:ext>
+    </p:extLst>
+  </p:cSld>
+  <p:clrMapOvr>
+    <a:masterClrMapping/>
+  </p:clrMapOvr>
+  <p:transition spd="slow">
+    <p:push dir="u"/>
+  </p:transition>
+  <p:timing>
+    <p:tnLst>
+      <p:par>
+        <p:cTn id="1" dur="indefinite" restart="never" nodeType="tmRoot">
+          <p:childTnLst>
+            <p:seq concurrent="1" nextAc="seek">
+              <p:cTn id="2" dur="indefinite" nodeType="mainSeq">
+                <p:childTnLst>
+                  <p:par>
+                    <p:cTn id="3" fill="hold">
+                      <p:stCondLst>
+                        <p:cond delay="indefinite"/>
+                        <p:cond evt="onBegin" delay="0">
+                          <p:tn val="2"/>
+                        </p:cond>
+                      </p:stCondLst>
+                      <p:childTnLst>
+                        <p:par>
+                          <p:cTn id="4" fill="hold">
+                            <p:stCondLst>
+                              <p:cond delay="0"/>
+                            </p:stCondLst>
+                            <p:childTnLst>
+                              <p:par>
+                                <p:cTn id="5" presetID="10" presetClass="entr" presetSubtype="0" fill="hold" grpId="0" nodeType="withEffect">
+                                  <p:stCondLst>
+                                    <p:cond delay="0"/>
+                                  </p:stCondLst>
+                                  <p:childTnLst>
+                                    <p:set>
+                                      <p:cBhvr>
+                                        <p:cTn id="6" dur="1" fill="hold">
+                                          <p:stCondLst>
+                                            <p:cond delay="0"/>
+                                          </p:stCondLst>
+                                        </p:cTn>
+                                        <p:tgtEl>
+                                          <p:spTgt spid="2"/>
+                                        </p:tgtEl>
+                                        <p:attrNameLst>
+                                          <p:attrName>style.visibility</p:attrName>
+                                        </p:attrNameLst>
+                                      </p:cBhvr>
+                                      <p:to>
+                                        <p:strVal val="visible"/>
+                                      </p:to>
+                                    </p:set>
+                                    <p:animEffect transition="in" filter="fade">
+                                      <p:cBhvr>
+                                        <p:cTn id="7" dur="1000"/>
+                                        <p:tgtEl>
+                                          <p:spTgt spid="2"/>
+                                        </p:tgtEl>
+                                      </p:cBhvr>
+                                    </p:animEffect>
+                                  </p:childTnLst>
+                                </p:cTn>
+                              </p:par>
+                            </p:childTnLst>
+                          </p:cTn>
+                        </p:par>
+                      </p:childTnLst>
+                    </p:cTn>
+                  </p:par>
+                </p:childTnLst>
+              </p:cTn>
+              <p:prevCondLst>
+                <p:cond evt="onPrev" delay="0">
+                  <p:tgtEl>
+                    <p:sldTgt/>
+                  </p:tgtEl>
+                </p:cond>
+              </p:prevCondLst>
+              <p:nextCondLst>
+                <p:cond evt="onNext" delay="0">
+                  <p:tgtEl>
+                    <p:sldTgt/>
+                  </p:tgtEl>
+                </p:cond>
+              </p:nextCondLst>
+            </p:seq>
+          </p:childTnLst>
+        </p:cTn>
+      </p:par>
+    </p:tnLst>
+    <p:bldLst>
+      <p:bldP spid="2" grpId="0"/>
+    </p:bldLst>
+  </p:timing>
+</p:sld>
+</file>
+
+<file path=ppt/slides/slide11.xml><?xml version="1.0" encoding="utf-8"?>
+<p:sld xmlns:a="http://schemas.openxmlformats.org/drawingml/2006/main" xmlns:r="http://schemas.openxmlformats.org/officeDocument/2006/relationships" xmlns:p="http://schemas.openxmlformats.org/presentationml/2006/main">
+  <p:cSld>
+    <p:spTree>
+      <p:nvGrpSpPr>
+        <p:cNvPr id="1" name=""/>
+        <p:cNvGrpSpPr/>
+        <p:nvPr/>
+      </p:nvGrpSpPr>
+      <p:grpSpPr>
+        <a:xfrm>
+          <a:off x="0" y="0"/>
+          <a:ext cx="0" cy="0"/>
+          <a:chOff x="0" y="0"/>
+          <a:chExt cx="0" cy="0"/>
+        </a:xfrm>
+      </p:grpSpPr>
+      <p:sp>
+        <p:nvSpPr>
+          <p:cNvPr id="2" name="Title 1"/>
+          <p:cNvSpPr>
+            <a:spLocks noGrp="1"/>
+          </p:cNvSpPr>
+          <p:nvPr>
+            <p:ph type="title"/>
+          </p:nvPr>
+        </p:nvSpPr>
+        <p:spPr>
+          <a:xfrm>
+            <a:off x="1662546" y="2445182"/>
+            <a:ext cx="8610599" cy="1325563"/>
+          </a:xfrm>
+        </p:spPr>
+        <p:txBody>
+          <a:bodyPr/>
+          <a:lstStyle/>
+          <a:p>
+            <a:pPr algn="ctr"/>
+            <a:r>
+              <a:rPr lang="en-US" dirty="0" smtClean="0">
+                <a:solidFill>
+                  <a:schemeClr val="bg1"/>
+                </a:solidFill>
+                <a:latin typeface="Arial" charset="0"/>
+                <a:ea typeface="Arial" charset="0"/>
+                <a:cs typeface="Arial" charset="0"/>
+              </a:rPr>
+              <a:t>Any questions?</a:t>
+            </a:r>
+            <a:endParaRPr lang="en-US" dirty="0">
+              <a:solidFill>
+                <a:schemeClr val="bg1"/>
+              </a:solidFill>
+              <a:latin typeface="Arial" charset="0"/>
+              <a:ea typeface="Arial" charset="0"/>
+              <a:cs typeface="Arial" charset="0"/>
+            </a:endParaRPr>
+          </a:p>
+        </p:txBody>
+      </p:sp>
+      <p:sp>
+        <p:nvSpPr>
+          <p:cNvPr id="7" name="AutoShape 2" descr="https://camo.githubusercontent.com/d18f4a7a64244f703efcb322bf298dcb4ca38856/68747470733a2f2f7765627061636b2e6a732e6f72672f6173736574732f69636f6e2d7371756172652d6269672e737667"/>
+          <p:cNvSpPr>
+            <a:spLocks noChangeAspect="1" noChangeArrowheads="1"/>
+          </p:cNvSpPr>
+          <p:nvPr/>
+        </p:nvSpPr>
+        <p:spPr bwMode="auto">
+          <a:xfrm>
+            <a:off x="1662546" y="1865745"/>
+            <a:ext cx="1905000" cy="1905000"/>
+          </a:xfrm>
+          <a:prstGeom prst="rect">
+            <a:avLst/>
+          </a:prstGeom>
+          <a:noFill/>
+          <a:extLst>
+            <a:ext uri="{909E8E84-426E-40DD-AFC4-6F175D3DCCD1}">
+              <a14:hiddenFill xmlns:a14="http://schemas.microsoft.com/office/drawing/2010/main">
+                <a:solidFill>
+                  <a:srgbClr val="FFFFFF"/>
+                </a:solidFill>
+              </a14:hiddenFill>
+            </a:ext>
+          </a:extLst>
+        </p:spPr>
+        <p:txBody>
+          <a:bodyPr vert="horz" wrap="square" lIns="91440" tIns="45720" rIns="91440" bIns="45720" numCol="1" anchor="t" anchorCtr="0" compatLnSpc="1">
+            <a:prstTxWarp prst="textNoShape">
+              <a:avLst/>
+            </a:prstTxWarp>
+          </a:bodyPr>
+          <a:lstStyle/>
+          <a:p>
+            <a:endParaRPr lang="en-US"/>
+          </a:p>
+        </p:txBody>
+      </p:sp>
+    </p:spTree>
+    <p:extLst>
+      <p:ext uri="{BB962C8B-B14F-4D97-AF65-F5344CB8AC3E}">
+        <p14:creationId xmlns:p14="http://schemas.microsoft.com/office/powerpoint/2010/main" val="1045161689"/>
+      </p:ext>
+    </p:extLst>
+  </p:cSld>
+  <p:clrMapOvr>
+    <a:masterClrMapping/>
+  </p:clrMapOvr>
+  <p:transition spd="slow">
+    <p:push dir="u"/>
+  </p:transition>
+  <p:timing>
+    <p:tnLst>
+      <p:par>
+        <p:cTn id="1" dur="indefinite" restart="never" nodeType="tmRoot">
+          <p:childTnLst>
+            <p:seq concurrent="1" nextAc="seek">
+              <p:cTn id="2" dur="indefinite" nodeType="mainSeq">
+                <p:childTnLst>
+                  <p:par>
+                    <p:cTn id="3" fill="hold">
+                      <p:stCondLst>
+                        <p:cond delay="indefinite"/>
+                        <p:cond evt="onBegin" delay="0">
+                          <p:tn val="2"/>
+                        </p:cond>
+                      </p:stCondLst>
+                      <p:childTnLst>
+                        <p:par>
+                          <p:cTn id="4" fill="hold">
+                            <p:stCondLst>
+                              <p:cond delay="0"/>
+                            </p:stCondLst>
+                            <p:childTnLst>
+                              <p:par>
+                                <p:cTn id="5" presetID="10" presetClass="entr" presetSubtype="0" fill="hold" grpId="0" nodeType="withEffect">
+                                  <p:stCondLst>
+                                    <p:cond delay="0"/>
+                                  </p:stCondLst>
+                                  <p:childTnLst>
+                                    <p:set>
+                                      <p:cBhvr>
+                                        <p:cTn id="6" dur="1" fill="hold">
+                                          <p:stCondLst>
+                                            <p:cond delay="0"/>
+                                          </p:stCondLst>
+                                        </p:cTn>
+                                        <p:tgtEl>
+                                          <p:spTgt spid="2"/>
+                                        </p:tgtEl>
+                                        <p:attrNameLst>
+                                          <p:attrName>style.visibility</p:attrName>
+                                        </p:attrNameLst>
+                                      </p:cBhvr>
+                                      <p:to>
+                                        <p:strVal val="visible"/>
+                                      </p:to>
+                                    </p:set>
+                                    <p:animEffect transition="in" filter="fade">
+                                      <p:cBhvr>
+                                        <p:cTn id="7" dur="1000"/>
+                                        <p:tgtEl>
+                                          <p:spTgt spid="2"/>
+                                        </p:tgtEl>
+                                      </p:cBhvr>
+                                    </p:animEffect>
+                                  </p:childTnLst>
+                                </p:cTn>
+                              </p:par>
+                            </p:childTnLst>
+                          </p:cTn>
+                        </p:par>
+                      </p:childTnLst>
+                    </p:cTn>
+                  </p:par>
+                </p:childTnLst>
+              </p:cTn>
+              <p:prevCondLst>
+                <p:cond evt="onPrev" delay="0">
+                  <p:tgtEl>
+                    <p:sldTgt/>
+                  </p:tgtEl>
+                </p:cond>
+              </p:prevCondLst>
+              <p:nextCondLst>
+                <p:cond evt="onNext" delay="0">
+                  <p:tgtEl>
+                    <p:sldTgt/>
+                  </p:tgtEl>
+                </p:cond>
+              </p:nextCondLst>
+            </p:seq>
+          </p:childTnLst>
+        </p:cTn>
+      </p:par>
+    </p:tnLst>
+    <p:bldLst>
+      <p:bldP spid="2" grpId="0"/>
+    </p:bldLst>
+  </p:timing>
+</p:sld>
+</file>
+
 <file path=ppt/slides/slide2.xml><?xml version="1.0" encoding="utf-8"?>
 <p:sld xmlns:a="http://schemas.openxmlformats.org/drawingml/2006/main" xmlns:r="http://schemas.openxmlformats.org/officeDocument/2006/relationships" xmlns:p="http://schemas.openxmlformats.org/presentationml/2006/main">
   <p:cSld>
@@ -3459,7 +3889,7 @@
         <p:spPr>
           <a:xfrm>
             <a:off x="496400" y="1865745"/>
-            <a:ext cx="11179044" cy="4563931"/>
+            <a:ext cx="11179044" cy="4587009"/>
           </a:xfrm>
           <a:prstGeom prst="rect">
             <a:avLst/>
@@ -3633,7 +4063,9 @@
           </a:xfrm>
         </p:spPr>
         <p:txBody>
-          <a:bodyPr/>
+          <a:bodyPr>
+            <a:normAutofit fontScale="70000" lnSpcReduction="20000"/>
+          </a:bodyPr>
           <a:lstStyle/>
           <a:p>
             <a:r>
@@ -3652,8 +4084,129 @@
                 <a:ea typeface="Arial" charset="0"/>
                 <a:cs typeface="Arial" charset="0"/>
               </a:rPr>
-              <a:t>Connect4 will give the user an option to play against a computer AI. </a:t>
-            </a:r>
+              <a:t>Connect4 will give the user an option to play against a human opponent or a computer AI. </a:t>
+            </a:r>
+            <a:endParaRPr lang="en-US" dirty="0" smtClean="0">
+              <a:latin typeface="Arial" charset="0"/>
+              <a:ea typeface="Arial" charset="0"/>
+              <a:cs typeface="Arial" charset="0"/>
+            </a:endParaRPr>
+          </a:p>
+          <a:p>
+            <a:r>
+              <a:rPr lang="en-US" dirty="0" smtClean="0">
+                <a:latin typeface="Arial" charset="0"/>
+                <a:ea typeface="Arial" charset="0"/>
+                <a:cs typeface="Arial" charset="0"/>
+              </a:rPr>
+              <a:t>Aims</a:t>
+            </a:r>
+          </a:p>
+          <a:p>
+            <a:pPr lvl="1"/>
+            <a:r>
+              <a:rPr lang="en-US" dirty="0" smtClean="0">
+                <a:latin typeface="Arial" charset="0"/>
+                <a:ea typeface="Arial" charset="0"/>
+                <a:cs typeface="Arial" charset="0"/>
+              </a:rPr>
+              <a:t>Use web technologies to create a Connect Four game with a complex GUI, high quality 2D graphics and animation. </a:t>
+            </a:r>
+          </a:p>
+          <a:p>
+            <a:pPr lvl="1"/>
+            <a:r>
+              <a:rPr lang="en-US" dirty="0" smtClean="0">
+                <a:latin typeface="Arial" charset="0"/>
+                <a:ea typeface="Arial" charset="0"/>
+                <a:cs typeface="Arial" charset="0"/>
+              </a:rPr>
+              <a:t>Create basic AI which the user will be able to choose to play against, and be able to adjust the difficulty of. </a:t>
+            </a:r>
+          </a:p>
+          <a:p>
+            <a:pPr lvl="1"/>
+            <a:r>
+              <a:rPr lang="en-US" dirty="0" smtClean="0">
+                <a:latin typeface="Arial" charset="0"/>
+                <a:ea typeface="Arial" charset="0"/>
+                <a:cs typeface="Arial" charset="0"/>
+              </a:rPr>
+              <a:t>Game will also have a two player mode and options to adjust the size of the board.</a:t>
+            </a:r>
+            <a:endParaRPr lang="en-US" dirty="0">
+              <a:latin typeface="Arial" charset="0"/>
+              <a:ea typeface="Arial" charset="0"/>
+              <a:cs typeface="Arial" charset="0"/>
+            </a:endParaRPr>
+          </a:p>
+          <a:p>
+            <a:r>
+              <a:rPr lang="en-US" dirty="0" smtClean="0">
+                <a:latin typeface="Arial" charset="0"/>
+                <a:ea typeface="Arial" charset="0"/>
+                <a:cs typeface="Arial" charset="0"/>
+              </a:rPr>
+              <a:t>Objectives</a:t>
+            </a:r>
+          </a:p>
+          <a:p>
+            <a:pPr lvl="1"/>
+            <a:r>
+              <a:rPr lang="en-US" dirty="0" smtClean="0">
+                <a:latin typeface="Arial" charset="0"/>
+                <a:ea typeface="Arial" charset="0"/>
+                <a:cs typeface="Arial" charset="0"/>
+              </a:rPr>
+              <a:t>Develop a front-end for my application using modern web technologies, using Electron.</a:t>
+            </a:r>
+          </a:p>
+          <a:p>
+            <a:pPr lvl="1"/>
+            <a:r>
+              <a:rPr lang="en-US" dirty="0" smtClean="0">
+                <a:latin typeface="Arial" charset="0"/>
+                <a:ea typeface="Arial" charset="0"/>
+                <a:cs typeface="Arial" charset="0"/>
+              </a:rPr>
+              <a:t>Style user interface with CSS3</a:t>
+            </a:r>
+          </a:p>
+          <a:p>
+            <a:pPr lvl="1"/>
+            <a:r>
+              <a:rPr lang="en-US" dirty="0" smtClean="0">
+                <a:latin typeface="Arial" charset="0"/>
+                <a:ea typeface="Arial" charset="0"/>
+                <a:cs typeface="Arial" charset="0"/>
+              </a:rPr>
+              <a:t>Animate and create game front-end with Pixi.js</a:t>
+            </a:r>
+          </a:p>
+          <a:p>
+            <a:pPr lvl="1"/>
+            <a:r>
+              <a:rPr lang="en-US" dirty="0" smtClean="0">
+                <a:latin typeface="Arial" charset="0"/>
+                <a:ea typeface="Arial" charset="0"/>
+                <a:cs typeface="Arial" charset="0"/>
+              </a:rPr>
+              <a:t>Create Connect Four game logic in JavaScript and a Minimax style algorithm to simulate the computer opponent.</a:t>
+            </a:r>
+          </a:p>
+          <a:p>
+            <a:pPr lvl="1"/>
+            <a:r>
+              <a:rPr lang="en-US" dirty="0" smtClean="0">
+                <a:latin typeface="Arial" charset="0"/>
+                <a:ea typeface="Arial" charset="0"/>
+                <a:cs typeface="Arial" charset="0"/>
+              </a:rPr>
+              <a:t>Create intuitive menus &amp; options for user to adjust settings and modes.</a:t>
+            </a:r>
+          </a:p>
+          <a:p>
+            <a:pPr lvl="1"/>
             <a:endParaRPr lang="en-US" dirty="0">
               <a:latin typeface="Arial" charset="0"/>
               <a:ea typeface="Arial" charset="0"/>
@@ -3711,56 +4264,6 @@
       </p:grpSpPr>
       <p:sp>
         <p:nvSpPr>
-          <p:cNvPr id="3" name="Rectangle 2"/>
-          <p:cNvSpPr/>
-          <p:nvPr/>
-        </p:nvSpPr>
-        <p:spPr>
-          <a:xfrm>
-            <a:off x="496400" y="1865746"/>
-            <a:ext cx="11179044" cy="1127712"/>
-          </a:xfrm>
-          <a:prstGeom prst="rect">
-            <a:avLst/>
-          </a:prstGeom>
-          <a:solidFill>
-            <a:schemeClr val="bg1"/>
-          </a:solidFill>
-          <a:effectLst>
-            <a:outerShdw blurRad="50800" dist="38100" dir="5400000" algn="t" rotWithShape="0">
-              <a:prstClr val="black">
-                <a:alpha val="17000"/>
-              </a:prstClr>
-            </a:outerShdw>
-          </a:effectLst>
-        </p:spPr>
-        <p:style>
-          <a:lnRef idx="2">
-            <a:schemeClr val="accent1">
-              <a:shade val="50000"/>
-            </a:schemeClr>
-          </a:lnRef>
-          <a:fillRef idx="1">
-            <a:schemeClr val="accent1"/>
-          </a:fillRef>
-          <a:effectRef idx="0">
-            <a:schemeClr val="accent1"/>
-          </a:effectRef>
-          <a:fontRef idx="minor">
-            <a:schemeClr val="lt1"/>
-          </a:fontRef>
-        </p:style>
-        <p:txBody>
-          <a:bodyPr rtlCol="0" anchor="ctr"/>
-          <a:lstStyle/>
-          <a:p>
-            <a:pPr algn="ctr"/>
-            <a:endParaRPr lang="en-US"/>
-          </a:p>
-        </p:txBody>
-      </p:sp>
-      <p:sp>
-        <p:nvSpPr>
           <p:cNvPr id="2" name="Title 1"/>
           <p:cNvSpPr>
             <a:spLocks noGrp="1"/>
@@ -3788,7 +4291,7 @@
                 <a:ea typeface="Arial" charset="0"/>
                 <a:cs typeface="Arial" charset="0"/>
               </a:rPr>
-              <a:t>Minimax Algorithm</a:t>
+              <a:t>Screen designs</a:t>
             </a:r>
             <a:endParaRPr lang="en-US" dirty="0">
               <a:solidFill>
@@ -3875,73 +4378,222 @@
           </a:p>
         </p:txBody>
       </p:sp>
+      <p:pic>
+        <p:nvPicPr>
+          <p:cNvPr id="3" name="Picture 2"/>
+          <p:cNvPicPr>
+            <a:picLocks noChangeAspect="1"/>
+          </p:cNvPicPr>
+          <p:nvPr/>
+        </p:nvPicPr>
+        <p:blipFill>
+          <a:blip r:embed="rId2">
+            <a:extLst>
+              <a:ext uri="{28A0092B-C50C-407E-A947-70E740481C1C}">
+                <a14:useLocalDpi xmlns:a14="http://schemas.microsoft.com/office/drawing/2010/main" val="0"/>
+              </a:ext>
+            </a:extLst>
+          </a:blip>
+          <a:stretch>
+            <a:fillRect/>
+          </a:stretch>
+        </p:blipFill>
+        <p:spPr>
+          <a:xfrm>
+            <a:off x="8016761" y="1738365"/>
+            <a:ext cx="3661733" cy="4858378"/>
+          </a:xfrm>
+          <a:prstGeom prst="rect">
+            <a:avLst/>
+          </a:prstGeom>
+        </p:spPr>
+      </p:pic>
+      <p:pic>
+        <p:nvPicPr>
+          <p:cNvPr id="4" name="Picture 3"/>
+          <p:cNvPicPr>
+            <a:picLocks noChangeAspect="1"/>
+          </p:cNvPicPr>
+          <p:nvPr/>
+        </p:nvPicPr>
+        <p:blipFill rotWithShape="1">
+          <a:blip r:embed="rId3">
+            <a:extLst>
+              <a:ext uri="{28A0092B-C50C-407E-A947-70E740481C1C}">
+                <a14:useLocalDpi xmlns:a14="http://schemas.microsoft.com/office/drawing/2010/main" val="0"/>
+              </a:ext>
+            </a:extLst>
+          </a:blip>
+          <a:srcRect l="11026" t="7033" r="11589" b="12512"/>
+          <a:stretch/>
+        </p:blipFill>
+        <p:spPr>
+          <a:xfrm>
+            <a:off x="8420519" y="2080009"/>
+            <a:ext cx="2833635" cy="3908809"/>
+          </a:xfrm>
+          <a:prstGeom prst="rect">
+            <a:avLst/>
+          </a:prstGeom>
+        </p:spPr>
+      </p:pic>
+      <p:pic>
+        <p:nvPicPr>
+          <p:cNvPr id="8" name="Picture 7"/>
+          <p:cNvPicPr>
+            <a:picLocks noChangeAspect="1"/>
+          </p:cNvPicPr>
+          <p:nvPr/>
+        </p:nvPicPr>
+        <p:blipFill>
+          <a:blip r:embed="rId4">
+            <a:extLst>
+              <a:ext uri="{28A0092B-C50C-407E-A947-70E740481C1C}">
+                <a14:useLocalDpi xmlns:a14="http://schemas.microsoft.com/office/drawing/2010/main" val="0"/>
+              </a:ext>
+            </a:extLst>
+          </a:blip>
+          <a:stretch>
+            <a:fillRect/>
+          </a:stretch>
+        </p:blipFill>
+        <p:spPr>
+          <a:xfrm>
+            <a:off x="9390150" y="2447056"/>
+            <a:ext cx="216769" cy="216769"/>
+          </a:xfrm>
+          <a:prstGeom prst="rect">
+            <a:avLst/>
+          </a:prstGeom>
+        </p:spPr>
+      </p:pic>
       <p:sp>
         <p:nvSpPr>
-          <p:cNvPr id="14" name="Content Placeholder 3"/>
-          <p:cNvSpPr>
-            <a:spLocks noGrp="1"/>
-          </p:cNvSpPr>
-          <p:nvPr>
-            <p:ph idx="1"/>
-          </p:nvPr>
-        </p:nvSpPr>
-        <p:spPr>
-          <a:xfrm>
-            <a:off x="838200" y="1989255"/>
-            <a:ext cx="10515600" cy="859823"/>
-          </a:xfrm>
-        </p:spPr>
-        <p:txBody>
-          <a:bodyPr/>
-          <a:lstStyle/>
-          <a:p>
-            <a:r>
-              <a:rPr lang="en-US" dirty="0" smtClean="0">
-                <a:latin typeface="Arial" charset="0"/>
-                <a:ea typeface="Arial" charset="0"/>
-                <a:cs typeface="Arial" charset="0"/>
-              </a:rPr>
-              <a:t>The AI part of my project utilizes an algorithm known as “Minimax”.</a:t>
-            </a:r>
-            <a:endParaRPr lang="en-US" dirty="0">
-              <a:latin typeface="Arial" charset="0"/>
-              <a:ea typeface="Arial" charset="0"/>
-              <a:cs typeface="Arial" charset="0"/>
-            </a:endParaRPr>
-          </a:p>
-          <a:p>
-            <a:endParaRPr lang="en-US" dirty="0">
-              <a:latin typeface="Arial" charset="0"/>
-              <a:ea typeface="Arial" charset="0"/>
-              <a:cs typeface="Arial" charset="0"/>
-            </a:endParaRPr>
-          </a:p>
-        </p:txBody>
-      </p:sp>
-      <p:sp>
-        <p:nvSpPr>
-          <p:cNvPr id="8" name="Rectangle 7"/>
+          <p:cNvPr id="13" name="Right Arrow 11"/>
           <p:cNvSpPr/>
           <p:nvPr/>
         </p:nvSpPr>
         <p:spPr>
           <a:xfrm>
-            <a:off x="496400" y="3173433"/>
-            <a:ext cx="5393808" cy="3386736"/>
+            <a:off x="7487959" y="3720838"/>
+            <a:ext cx="898197" cy="313575"/>
           </a:xfrm>
-          <a:prstGeom prst="rect">
+          <a:custGeom>
             <a:avLst/>
-          </a:prstGeom>
+            <a:gdLst>
+              <a:gd name="connsiteX0" fmla="*/ 0 w 887884"/>
+              <a:gd name="connsiteY0" fmla="*/ 78394 h 313575"/>
+              <a:gd name="connsiteX1" fmla="*/ 731097 w 887884"/>
+              <a:gd name="connsiteY1" fmla="*/ 78394 h 313575"/>
+              <a:gd name="connsiteX2" fmla="*/ 731097 w 887884"/>
+              <a:gd name="connsiteY2" fmla="*/ 0 h 313575"/>
+              <a:gd name="connsiteX3" fmla="*/ 887884 w 887884"/>
+              <a:gd name="connsiteY3" fmla="*/ 156788 h 313575"/>
+              <a:gd name="connsiteX4" fmla="*/ 731097 w 887884"/>
+              <a:gd name="connsiteY4" fmla="*/ 313575 h 313575"/>
+              <a:gd name="connsiteX5" fmla="*/ 731097 w 887884"/>
+              <a:gd name="connsiteY5" fmla="*/ 235181 h 313575"/>
+              <a:gd name="connsiteX6" fmla="*/ 0 w 887884"/>
+              <a:gd name="connsiteY6" fmla="*/ 235181 h 313575"/>
+              <a:gd name="connsiteX7" fmla="*/ 0 w 887884"/>
+              <a:gd name="connsiteY7" fmla="*/ 78394 h 313575"/>
+              <a:gd name="connsiteX0" fmla="*/ 3438 w 891322"/>
+              <a:gd name="connsiteY0" fmla="*/ 78394 h 313575"/>
+              <a:gd name="connsiteX1" fmla="*/ 734535 w 891322"/>
+              <a:gd name="connsiteY1" fmla="*/ 78394 h 313575"/>
+              <a:gd name="connsiteX2" fmla="*/ 734535 w 891322"/>
+              <a:gd name="connsiteY2" fmla="*/ 0 h 313575"/>
+              <a:gd name="connsiteX3" fmla="*/ 891322 w 891322"/>
+              <a:gd name="connsiteY3" fmla="*/ 156788 h 313575"/>
+              <a:gd name="connsiteX4" fmla="*/ 734535 w 891322"/>
+              <a:gd name="connsiteY4" fmla="*/ 313575 h 313575"/>
+              <a:gd name="connsiteX5" fmla="*/ 734535 w 891322"/>
+              <a:gd name="connsiteY5" fmla="*/ 235181 h 313575"/>
+              <a:gd name="connsiteX6" fmla="*/ 0 w 891322"/>
+              <a:gd name="connsiteY6" fmla="*/ 173304 h 313575"/>
+              <a:gd name="connsiteX7" fmla="*/ 3438 w 891322"/>
+              <a:gd name="connsiteY7" fmla="*/ 78394 h 313575"/>
+              <a:gd name="connsiteX0" fmla="*/ 0 w 898197"/>
+              <a:gd name="connsiteY0" fmla="*/ 160896 h 313575"/>
+              <a:gd name="connsiteX1" fmla="*/ 741410 w 898197"/>
+              <a:gd name="connsiteY1" fmla="*/ 78394 h 313575"/>
+              <a:gd name="connsiteX2" fmla="*/ 741410 w 898197"/>
+              <a:gd name="connsiteY2" fmla="*/ 0 h 313575"/>
+              <a:gd name="connsiteX3" fmla="*/ 898197 w 898197"/>
+              <a:gd name="connsiteY3" fmla="*/ 156788 h 313575"/>
+              <a:gd name="connsiteX4" fmla="*/ 741410 w 898197"/>
+              <a:gd name="connsiteY4" fmla="*/ 313575 h 313575"/>
+              <a:gd name="connsiteX5" fmla="*/ 741410 w 898197"/>
+              <a:gd name="connsiteY5" fmla="*/ 235181 h 313575"/>
+              <a:gd name="connsiteX6" fmla="*/ 6875 w 898197"/>
+              <a:gd name="connsiteY6" fmla="*/ 173304 h 313575"/>
+              <a:gd name="connsiteX7" fmla="*/ 0 w 898197"/>
+              <a:gd name="connsiteY7" fmla="*/ 160896 h 313575"/>
+            </a:gdLst>
+            <a:ahLst/>
+            <a:cxnLst>
+              <a:cxn ang="0">
+                <a:pos x="connsiteX0" y="connsiteY0"/>
+              </a:cxn>
+              <a:cxn ang="0">
+                <a:pos x="connsiteX1" y="connsiteY1"/>
+              </a:cxn>
+              <a:cxn ang="0">
+                <a:pos x="connsiteX2" y="connsiteY2"/>
+              </a:cxn>
+              <a:cxn ang="0">
+                <a:pos x="connsiteX3" y="connsiteY3"/>
+              </a:cxn>
+              <a:cxn ang="0">
+                <a:pos x="connsiteX4" y="connsiteY4"/>
+              </a:cxn>
+              <a:cxn ang="0">
+                <a:pos x="connsiteX5" y="connsiteY5"/>
+              </a:cxn>
+              <a:cxn ang="0">
+                <a:pos x="connsiteX6" y="connsiteY6"/>
+              </a:cxn>
+              <a:cxn ang="0">
+                <a:pos x="connsiteX7" y="connsiteY7"/>
+              </a:cxn>
+            </a:cxnLst>
+            <a:rect l="l" t="t" r="r" b="b"/>
+            <a:pathLst>
+              <a:path w="898197" h="313575">
+                <a:moveTo>
+                  <a:pt x="0" y="160896"/>
+                </a:moveTo>
+                <a:lnTo>
+                  <a:pt x="741410" y="78394"/>
+                </a:lnTo>
+                <a:lnTo>
+                  <a:pt x="741410" y="0"/>
+                </a:lnTo>
+                <a:lnTo>
+                  <a:pt x="898197" y="156788"/>
+                </a:lnTo>
+                <a:lnTo>
+                  <a:pt x="741410" y="313575"/>
+                </a:lnTo>
+                <a:lnTo>
+                  <a:pt x="741410" y="235181"/>
+                </a:lnTo>
+                <a:lnTo>
+                  <a:pt x="6875" y="173304"/>
+                </a:lnTo>
+                <a:lnTo>
+                  <a:pt x="0" y="160896"/>
+                </a:lnTo>
+                <a:close/>
+              </a:path>
+            </a:pathLst>
+          </a:custGeom>
           <a:solidFill>
             <a:schemeClr val="bg1"/>
           </a:solidFill>
-          <a:effectLst>
-            <a:outerShdw blurRad="50800" dist="38100" dir="5400000" algn="t" rotWithShape="0">
-              <a:prstClr val="black">
-                <a:alpha val="17000"/>
-              </a:prstClr>
-            </a:outerShdw>
-          </a:effectLst>
+          <a:ln>
+            <a:noFill/>
+          </a:ln>
         </p:spPr>
         <p:style>
           <a:lnRef idx="2">
@@ -3970,760 +4622,131 @@
       </p:sp>
       <p:sp>
         <p:nvSpPr>
-          <p:cNvPr id="13" name="Rectangle 12"/>
+          <p:cNvPr id="12" name="Right Arrow 11"/>
           <p:cNvSpPr/>
           <p:nvPr/>
         </p:nvSpPr>
         <p:spPr>
           <a:xfrm>
-            <a:off x="643794" y="3628486"/>
-            <a:ext cx="4551947" cy="2862322"/>
+            <a:off x="3663642" y="3618344"/>
+            <a:ext cx="898197" cy="313575"/>
           </a:xfrm>
-          <a:prstGeom prst="rect">
+          <a:custGeom>
             <a:avLst/>
-          </a:prstGeom>
-        </p:spPr>
-        <p:txBody>
-          <a:bodyPr wrap="square">
-            <a:spAutoFit/>
-          </a:bodyPr>
-          <a:lstStyle/>
-          <a:p>
-            <a:r>
-              <a:rPr lang="en-US" sz="1200" b="1" dirty="0">
-                <a:latin typeface="Consolas" charset="0"/>
-                <a:ea typeface="Consolas" charset="0"/>
-                <a:cs typeface="Consolas" charset="0"/>
-              </a:rPr>
-              <a:t>function</a:t>
-            </a:r>
-            <a:r>
-              <a:rPr lang="en-US" sz="1200" dirty="0">
-                <a:latin typeface="Consolas" charset="0"/>
-                <a:ea typeface="Consolas" charset="0"/>
-                <a:cs typeface="Consolas" charset="0"/>
-              </a:rPr>
-              <a:t> minimax(node, depth, </a:t>
-            </a:r>
-            <a:r>
-              <a:rPr lang="en-US" sz="1200" dirty="0" smtClean="0">
-                <a:latin typeface="Consolas" charset="0"/>
-                <a:ea typeface="Consolas" charset="0"/>
-                <a:cs typeface="Consolas" charset="0"/>
-              </a:rPr>
-              <a:t>maximizingPlayer</a:t>
-            </a:r>
-            <a:r>
-              <a:rPr lang="en-US" sz="1200" dirty="0">
-                <a:latin typeface="Consolas" charset="0"/>
-                <a:ea typeface="Consolas" charset="0"/>
-                <a:cs typeface="Consolas" charset="0"/>
-              </a:rPr>
-              <a:t>)</a:t>
-            </a:r>
-            <a:endParaRPr lang="en-US" sz="1200" dirty="0" smtClean="0">
-              <a:latin typeface="Consolas" charset="0"/>
-              <a:ea typeface="Consolas" charset="0"/>
-              <a:cs typeface="Consolas" charset="0"/>
-            </a:endParaRPr>
-          </a:p>
-          <a:p>
-            <a:r>
-              <a:rPr lang="en-US" sz="1200" dirty="0">
-                <a:latin typeface="Consolas" charset="0"/>
-                <a:ea typeface="Consolas" charset="0"/>
-                <a:cs typeface="Consolas" charset="0"/>
-              </a:rPr>
-              <a:t> </a:t>
-            </a:r>
-            <a:r>
-              <a:rPr lang="en-US" sz="1200" dirty="0" smtClean="0">
-                <a:latin typeface="Consolas" charset="0"/>
-                <a:ea typeface="Consolas" charset="0"/>
-                <a:cs typeface="Consolas" charset="0"/>
-              </a:rPr>
-              <a:t>   </a:t>
-            </a:r>
-            <a:r>
-              <a:rPr lang="en-US" sz="1200" b="1" dirty="0" smtClean="0">
-                <a:latin typeface="Consolas" charset="0"/>
-                <a:ea typeface="Consolas" charset="0"/>
-                <a:cs typeface="Consolas" charset="0"/>
-              </a:rPr>
-              <a:t>if</a:t>
-            </a:r>
-            <a:r>
-              <a:rPr lang="en-US" sz="1200" dirty="0" smtClean="0">
-                <a:latin typeface="Consolas" charset="0"/>
-                <a:ea typeface="Consolas" charset="0"/>
-                <a:cs typeface="Consolas" charset="0"/>
-              </a:rPr>
-              <a:t> </a:t>
-            </a:r>
-            <a:r>
-              <a:rPr lang="en-US" sz="1200" dirty="0">
-                <a:latin typeface="Consolas" charset="0"/>
-                <a:ea typeface="Consolas" charset="0"/>
-                <a:cs typeface="Consolas" charset="0"/>
-              </a:rPr>
-              <a:t>depth = 0 or node is a terminal </a:t>
-            </a:r>
-            <a:r>
-              <a:rPr lang="en-US" sz="1200" dirty="0" smtClean="0">
-                <a:latin typeface="Consolas" charset="0"/>
-                <a:ea typeface="Consolas" charset="0"/>
-                <a:cs typeface="Consolas" charset="0"/>
-              </a:rPr>
-              <a:t>node</a:t>
-            </a:r>
-          </a:p>
-          <a:p>
-            <a:r>
-              <a:rPr lang="en-US" sz="1200" dirty="0">
-                <a:latin typeface="Consolas" charset="0"/>
-                <a:ea typeface="Consolas" charset="0"/>
-                <a:cs typeface="Consolas" charset="0"/>
-              </a:rPr>
-              <a:t>    </a:t>
-            </a:r>
-            <a:r>
-              <a:rPr lang="en-US" sz="1200" dirty="0" smtClean="0">
-                <a:latin typeface="Consolas" charset="0"/>
-                <a:ea typeface="Consolas" charset="0"/>
-                <a:cs typeface="Consolas" charset="0"/>
-              </a:rPr>
-              <a:t>    return </a:t>
-            </a:r>
-            <a:r>
-              <a:rPr lang="en-US" sz="1200" dirty="0">
-                <a:latin typeface="Consolas" charset="0"/>
-                <a:ea typeface="Consolas" charset="0"/>
-                <a:cs typeface="Consolas" charset="0"/>
-              </a:rPr>
-              <a:t>the heuristic value of </a:t>
-            </a:r>
-            <a:r>
-              <a:rPr lang="en-US" sz="1200" dirty="0" smtClean="0">
-                <a:latin typeface="Consolas" charset="0"/>
-                <a:ea typeface="Consolas" charset="0"/>
-                <a:cs typeface="Consolas" charset="0"/>
-              </a:rPr>
-              <a:t>node</a:t>
-            </a:r>
-          </a:p>
-          <a:p>
-            <a:r>
-              <a:rPr lang="en-US" sz="1200" dirty="0" smtClean="0">
-                <a:latin typeface="Consolas" charset="0"/>
-                <a:ea typeface="Consolas" charset="0"/>
-                <a:cs typeface="Consolas" charset="0"/>
-              </a:rPr>
-              <a:t>    </a:t>
-            </a:r>
-            <a:r>
-              <a:rPr lang="en-US" sz="1200" b="1" dirty="0" smtClean="0">
-                <a:latin typeface="Consolas" charset="0"/>
-                <a:ea typeface="Consolas" charset="0"/>
-                <a:cs typeface="Consolas" charset="0"/>
-              </a:rPr>
-              <a:t>if</a:t>
-            </a:r>
-            <a:r>
-              <a:rPr lang="en-US" sz="1200" dirty="0" smtClean="0">
-                <a:latin typeface="Consolas" charset="0"/>
-                <a:ea typeface="Consolas" charset="0"/>
-                <a:cs typeface="Consolas" charset="0"/>
-              </a:rPr>
-              <a:t> maximizingPlayer</a:t>
-            </a:r>
-          </a:p>
-          <a:p>
-            <a:r>
-              <a:rPr lang="en-US" sz="1200" dirty="0" smtClean="0">
-                <a:latin typeface="Consolas" charset="0"/>
-                <a:ea typeface="Consolas" charset="0"/>
-                <a:cs typeface="Consolas" charset="0"/>
-              </a:rPr>
-              <a:t>        bestValue </a:t>
-            </a:r>
-            <a:r>
-              <a:rPr lang="en-US" sz="1200" dirty="0">
-                <a:latin typeface="Consolas" charset="0"/>
-                <a:ea typeface="Consolas" charset="0"/>
-                <a:cs typeface="Consolas" charset="0"/>
-              </a:rPr>
-              <a:t>:= </a:t>
-            </a:r>
-            <a:r>
-              <a:rPr lang="en-US" sz="1200" dirty="0" smtClean="0">
-                <a:latin typeface="Consolas" charset="0"/>
-                <a:ea typeface="Consolas" charset="0"/>
-                <a:cs typeface="Consolas" charset="0"/>
-              </a:rPr>
-              <a:t>−∞</a:t>
-            </a:r>
-          </a:p>
-          <a:p>
-            <a:r>
-              <a:rPr lang="en-US" sz="1200" dirty="0" smtClean="0">
-                <a:latin typeface="Consolas" charset="0"/>
-                <a:ea typeface="Consolas" charset="0"/>
-                <a:cs typeface="Consolas" charset="0"/>
-              </a:rPr>
-              <a:t>        </a:t>
-            </a:r>
-            <a:r>
-              <a:rPr lang="en-US" sz="1200" b="1" dirty="0" smtClean="0">
-                <a:latin typeface="Consolas" charset="0"/>
-                <a:ea typeface="Consolas" charset="0"/>
-                <a:cs typeface="Consolas" charset="0"/>
-              </a:rPr>
-              <a:t>for </a:t>
-            </a:r>
-            <a:r>
-              <a:rPr lang="en-US" sz="1200" b="1" dirty="0">
-                <a:latin typeface="Consolas" charset="0"/>
-                <a:ea typeface="Consolas" charset="0"/>
-                <a:cs typeface="Consolas" charset="0"/>
-              </a:rPr>
-              <a:t>each </a:t>
-            </a:r>
-            <a:r>
-              <a:rPr lang="en-US" sz="1200" dirty="0">
-                <a:latin typeface="Consolas" charset="0"/>
-                <a:ea typeface="Consolas" charset="0"/>
-                <a:cs typeface="Consolas" charset="0"/>
-              </a:rPr>
-              <a:t>child of </a:t>
-            </a:r>
-            <a:r>
-              <a:rPr lang="en-US" sz="1200" dirty="0" smtClean="0">
-                <a:latin typeface="Consolas" charset="0"/>
-                <a:ea typeface="Consolas" charset="0"/>
-                <a:cs typeface="Consolas" charset="0"/>
-              </a:rPr>
-              <a:t>node</a:t>
-            </a:r>
-          </a:p>
-          <a:p>
-            <a:r>
-              <a:rPr lang="en-US" sz="1200" dirty="0" smtClean="0">
-                <a:latin typeface="Consolas" charset="0"/>
-                <a:ea typeface="Consolas" charset="0"/>
-                <a:cs typeface="Consolas" charset="0"/>
-              </a:rPr>
-              <a:t>            v </a:t>
-            </a:r>
-            <a:r>
-              <a:rPr lang="en-US" sz="1200" dirty="0">
-                <a:latin typeface="Consolas" charset="0"/>
-                <a:ea typeface="Consolas" charset="0"/>
-                <a:cs typeface="Consolas" charset="0"/>
-              </a:rPr>
-              <a:t>:= minimax(child, depth − 1, FALSE</a:t>
-            </a:r>
-            <a:r>
-              <a:rPr lang="en-US" sz="1200" dirty="0" smtClean="0">
-                <a:latin typeface="Consolas" charset="0"/>
-                <a:ea typeface="Consolas" charset="0"/>
-                <a:cs typeface="Consolas" charset="0"/>
-              </a:rPr>
-              <a:t>)</a:t>
-            </a:r>
-          </a:p>
-          <a:p>
-            <a:r>
-              <a:rPr lang="en-US" sz="1200" dirty="0">
-                <a:latin typeface="Consolas" charset="0"/>
-                <a:ea typeface="Consolas" charset="0"/>
-                <a:cs typeface="Consolas" charset="0"/>
-              </a:rPr>
-              <a:t> </a:t>
-            </a:r>
-            <a:r>
-              <a:rPr lang="en-US" sz="1200" dirty="0" smtClean="0">
-                <a:latin typeface="Consolas" charset="0"/>
-                <a:ea typeface="Consolas" charset="0"/>
-                <a:cs typeface="Consolas" charset="0"/>
-              </a:rPr>
-              <a:t>           bestValue </a:t>
-            </a:r>
-            <a:r>
-              <a:rPr lang="en-US" sz="1200" dirty="0">
-                <a:latin typeface="Consolas" charset="0"/>
-                <a:ea typeface="Consolas" charset="0"/>
-                <a:cs typeface="Consolas" charset="0"/>
-              </a:rPr>
-              <a:t>:= max(bestValue, </a:t>
-            </a:r>
-            <a:r>
-              <a:rPr lang="en-US" sz="1200" dirty="0" smtClean="0">
-                <a:latin typeface="Consolas" charset="0"/>
-                <a:ea typeface="Consolas" charset="0"/>
-                <a:cs typeface="Consolas" charset="0"/>
-              </a:rPr>
-              <a:t>v)</a:t>
-            </a:r>
-          </a:p>
-          <a:p>
-            <a:r>
-              <a:rPr lang="en-US" sz="1200" b="1" dirty="0">
-                <a:latin typeface="Consolas" charset="0"/>
-                <a:ea typeface="Consolas" charset="0"/>
-                <a:cs typeface="Consolas" charset="0"/>
-              </a:rPr>
-              <a:t> </a:t>
-            </a:r>
-            <a:r>
-              <a:rPr lang="en-US" sz="1200" b="1" dirty="0" smtClean="0">
-                <a:latin typeface="Consolas" charset="0"/>
-                <a:ea typeface="Consolas" charset="0"/>
-                <a:cs typeface="Consolas" charset="0"/>
-              </a:rPr>
-              <a:t>       return</a:t>
-            </a:r>
-            <a:r>
-              <a:rPr lang="en-US" sz="1200" dirty="0" smtClean="0">
-                <a:latin typeface="Consolas" charset="0"/>
-                <a:ea typeface="Consolas" charset="0"/>
-                <a:cs typeface="Consolas" charset="0"/>
-              </a:rPr>
-              <a:t> bestValue</a:t>
-            </a:r>
-          </a:p>
-          <a:p>
-            <a:r>
-              <a:rPr lang="en-US" sz="1200" dirty="0">
-                <a:latin typeface="Consolas" charset="0"/>
-                <a:ea typeface="Consolas" charset="0"/>
-                <a:cs typeface="Consolas" charset="0"/>
-              </a:rPr>
-              <a:t> </a:t>
-            </a:r>
-            <a:r>
-              <a:rPr lang="en-US" sz="1200" dirty="0" smtClean="0">
-                <a:latin typeface="Consolas" charset="0"/>
-                <a:ea typeface="Consolas" charset="0"/>
-                <a:cs typeface="Consolas" charset="0"/>
-              </a:rPr>
-              <a:t>   </a:t>
-            </a:r>
-            <a:r>
-              <a:rPr lang="en-US" sz="1200" b="1" dirty="0" smtClean="0">
-                <a:latin typeface="Consolas" charset="0"/>
-                <a:ea typeface="Consolas" charset="0"/>
-                <a:cs typeface="Consolas" charset="0"/>
-              </a:rPr>
-              <a:t>else</a:t>
-            </a:r>
-          </a:p>
-          <a:p>
-            <a:r>
-              <a:rPr lang="en-US" sz="1200" dirty="0" smtClean="0">
-                <a:latin typeface="Consolas" charset="0"/>
-                <a:ea typeface="Consolas" charset="0"/>
-                <a:cs typeface="Consolas" charset="0"/>
-              </a:rPr>
-              <a:t>        bestValue </a:t>
-            </a:r>
-            <a:r>
-              <a:rPr lang="en-US" sz="1200" dirty="0">
-                <a:latin typeface="Consolas" charset="0"/>
-                <a:ea typeface="Consolas" charset="0"/>
-                <a:cs typeface="Consolas" charset="0"/>
-              </a:rPr>
-              <a:t>:= +</a:t>
-            </a:r>
-            <a:r>
-              <a:rPr lang="en-US" sz="1200" dirty="0" smtClean="0">
-                <a:latin typeface="Consolas" charset="0"/>
-                <a:ea typeface="Consolas" charset="0"/>
-                <a:cs typeface="Consolas" charset="0"/>
-              </a:rPr>
-              <a:t>∞</a:t>
-            </a:r>
-          </a:p>
-          <a:p>
-            <a:r>
-              <a:rPr lang="en-US" sz="1200" dirty="0" smtClean="0">
-                <a:latin typeface="Consolas" charset="0"/>
-                <a:ea typeface="Consolas" charset="0"/>
-                <a:cs typeface="Consolas" charset="0"/>
-              </a:rPr>
-              <a:t>        </a:t>
-            </a:r>
-            <a:r>
-              <a:rPr lang="en-US" sz="1200" b="1" dirty="0" smtClean="0">
-                <a:latin typeface="Consolas" charset="0"/>
-                <a:ea typeface="Consolas" charset="0"/>
-                <a:cs typeface="Consolas" charset="0"/>
-              </a:rPr>
-              <a:t>for </a:t>
-            </a:r>
-            <a:r>
-              <a:rPr lang="en-US" sz="1200" b="1" dirty="0">
-                <a:latin typeface="Consolas" charset="0"/>
-                <a:ea typeface="Consolas" charset="0"/>
-                <a:cs typeface="Consolas" charset="0"/>
-              </a:rPr>
-              <a:t>each </a:t>
-            </a:r>
-            <a:r>
-              <a:rPr lang="en-US" sz="1200" dirty="0">
-                <a:latin typeface="Consolas" charset="0"/>
-                <a:ea typeface="Consolas" charset="0"/>
-                <a:cs typeface="Consolas" charset="0"/>
-              </a:rPr>
-              <a:t>child of </a:t>
-            </a:r>
-            <a:r>
-              <a:rPr lang="en-US" sz="1200" dirty="0" smtClean="0">
-                <a:latin typeface="Consolas" charset="0"/>
-                <a:ea typeface="Consolas" charset="0"/>
-                <a:cs typeface="Consolas" charset="0"/>
-              </a:rPr>
-              <a:t>node</a:t>
-            </a:r>
-          </a:p>
-          <a:p>
-            <a:r>
-              <a:rPr lang="en-US" sz="1200" dirty="0" smtClean="0">
-                <a:latin typeface="Consolas" charset="0"/>
-                <a:ea typeface="Consolas" charset="0"/>
-                <a:cs typeface="Consolas" charset="0"/>
-              </a:rPr>
-              <a:t>            v </a:t>
-            </a:r>
-            <a:r>
-              <a:rPr lang="en-US" sz="1200" dirty="0">
-                <a:latin typeface="Consolas" charset="0"/>
-                <a:ea typeface="Consolas" charset="0"/>
-                <a:cs typeface="Consolas" charset="0"/>
-              </a:rPr>
-              <a:t>:= minimax(child, depth − 1, TRUE</a:t>
-            </a:r>
-            <a:r>
-              <a:rPr lang="en-US" sz="1200" dirty="0" smtClean="0">
-                <a:latin typeface="Consolas" charset="0"/>
-                <a:ea typeface="Consolas" charset="0"/>
-                <a:cs typeface="Consolas" charset="0"/>
-              </a:rPr>
-              <a:t>)</a:t>
-            </a:r>
-          </a:p>
-          <a:p>
-            <a:r>
-              <a:rPr lang="en-US" sz="1200" dirty="0" smtClean="0">
-                <a:latin typeface="Consolas" charset="0"/>
-                <a:ea typeface="Consolas" charset="0"/>
-                <a:cs typeface="Consolas" charset="0"/>
-              </a:rPr>
-              <a:t>            bestValue </a:t>
-            </a:r>
-            <a:r>
-              <a:rPr lang="en-US" sz="1200" dirty="0">
-                <a:latin typeface="Consolas" charset="0"/>
-                <a:ea typeface="Consolas" charset="0"/>
-                <a:cs typeface="Consolas" charset="0"/>
-              </a:rPr>
-              <a:t>:= min(bestValue, v</a:t>
-            </a:r>
-            <a:r>
-              <a:rPr lang="en-US" sz="1200" dirty="0" smtClean="0">
-                <a:latin typeface="Consolas" charset="0"/>
-                <a:ea typeface="Consolas" charset="0"/>
-                <a:cs typeface="Consolas" charset="0"/>
-              </a:rPr>
-              <a:t>)</a:t>
-            </a:r>
-          </a:p>
-          <a:p>
-            <a:r>
-              <a:rPr lang="en-US" sz="1200" dirty="0" smtClean="0">
-                <a:latin typeface="Consolas" charset="0"/>
-                <a:ea typeface="Consolas" charset="0"/>
-                <a:cs typeface="Consolas" charset="0"/>
-              </a:rPr>
-              <a:t> </a:t>
-            </a:r>
-            <a:r>
-              <a:rPr lang="en-US" sz="1200" b="1" dirty="0" smtClean="0">
-                <a:latin typeface="Consolas" charset="0"/>
-                <a:ea typeface="Consolas" charset="0"/>
-                <a:cs typeface="Consolas" charset="0"/>
-              </a:rPr>
-              <a:t>return</a:t>
-            </a:r>
-            <a:r>
-              <a:rPr lang="en-US" sz="1200" dirty="0" smtClean="0">
-                <a:latin typeface="Consolas" charset="0"/>
-                <a:ea typeface="Consolas" charset="0"/>
-                <a:cs typeface="Consolas" charset="0"/>
-              </a:rPr>
-              <a:t> </a:t>
-            </a:r>
-            <a:r>
-              <a:rPr lang="en-US" sz="1200" dirty="0">
-                <a:latin typeface="Consolas" charset="0"/>
-                <a:ea typeface="Consolas" charset="0"/>
-                <a:cs typeface="Consolas" charset="0"/>
-              </a:rPr>
-              <a:t>bestValue</a:t>
-            </a:r>
-          </a:p>
-        </p:txBody>
-      </p:sp>
-      <p:sp>
-        <p:nvSpPr>
-          <p:cNvPr id="16" name="Content Placeholder 3"/>
-          <p:cNvSpPr txBox="1">
-            <a:spLocks/>
-          </p:cNvSpPr>
-          <p:nvPr/>
-        </p:nvSpPr>
-        <p:spPr>
-          <a:xfrm>
-            <a:off x="632408" y="3274919"/>
-            <a:ext cx="5065748" cy="353567"/>
-          </a:xfrm>
-          <a:prstGeom prst="rect">
-            <a:avLst/>
-          </a:prstGeom>
-        </p:spPr>
-        <p:txBody>
-          <a:bodyPr vert="horz" lIns="91440" tIns="45720" rIns="91440" bIns="45720" rtlCol="0">
-            <a:normAutofit lnSpcReduction="10000"/>
-          </a:bodyPr>
-          <a:lstStyle>
-            <a:lvl1pPr marL="228600" indent="-228600" algn="l" defTabSz="914400" rtl="0" eaLnBrk="1" latinLnBrk="0" hangingPunct="1">
-              <a:lnSpc>
-                <a:spcPct val="90000"/>
-              </a:lnSpc>
-              <a:spcBef>
-                <a:spcPts val="1000"/>
-              </a:spcBef>
-              <a:buFont typeface="Arial"/>
-              <a:buChar char="•"/>
-              <a:defRPr sz="2800" kern="1200">
-                <a:solidFill>
-                  <a:schemeClr val="tx1"/>
-                </a:solidFill>
-                <a:latin typeface="+mn-lt"/>
-                <a:ea typeface="+mn-ea"/>
-                <a:cs typeface="+mn-cs"/>
-              </a:defRPr>
-            </a:lvl1pPr>
-            <a:lvl2pPr marL="685800" indent="-228600" algn="l" defTabSz="914400" rtl="0" eaLnBrk="1" latinLnBrk="0" hangingPunct="1">
-              <a:lnSpc>
-                <a:spcPct val="90000"/>
-              </a:lnSpc>
-              <a:spcBef>
-                <a:spcPts val="500"/>
-              </a:spcBef>
-              <a:buFont typeface="Arial"/>
-              <a:buChar char="•"/>
-              <a:defRPr sz="2400" kern="1200">
-                <a:solidFill>
-                  <a:schemeClr val="tx1"/>
-                </a:solidFill>
-                <a:latin typeface="+mn-lt"/>
-                <a:ea typeface="+mn-ea"/>
-                <a:cs typeface="+mn-cs"/>
-              </a:defRPr>
-            </a:lvl2pPr>
-            <a:lvl3pPr marL="1143000" indent="-228600" algn="l" defTabSz="914400" rtl="0" eaLnBrk="1" latinLnBrk="0" hangingPunct="1">
-              <a:lnSpc>
-                <a:spcPct val="90000"/>
-              </a:lnSpc>
-              <a:spcBef>
-                <a:spcPts val="500"/>
-              </a:spcBef>
-              <a:buFont typeface="Arial"/>
-              <a:buChar char="•"/>
-              <a:defRPr sz="2000" kern="1200">
-                <a:solidFill>
-                  <a:schemeClr val="tx1"/>
-                </a:solidFill>
-                <a:latin typeface="+mn-lt"/>
-                <a:ea typeface="+mn-ea"/>
-                <a:cs typeface="+mn-cs"/>
-              </a:defRPr>
-            </a:lvl3pPr>
-            <a:lvl4pPr marL="1600200" indent="-228600" algn="l" defTabSz="914400" rtl="0" eaLnBrk="1" latinLnBrk="0" hangingPunct="1">
-              <a:lnSpc>
-                <a:spcPct val="90000"/>
-              </a:lnSpc>
-              <a:spcBef>
-                <a:spcPts val="500"/>
-              </a:spcBef>
-              <a:buFont typeface="Arial"/>
-              <a:buChar char="•"/>
-              <a:defRPr sz="1800" kern="1200">
-                <a:solidFill>
-                  <a:schemeClr val="tx1"/>
-                </a:solidFill>
-                <a:latin typeface="+mn-lt"/>
-                <a:ea typeface="+mn-ea"/>
-                <a:cs typeface="+mn-cs"/>
-              </a:defRPr>
-            </a:lvl4pPr>
-            <a:lvl5pPr marL="2057400" indent="-228600" algn="l" defTabSz="914400" rtl="0" eaLnBrk="1" latinLnBrk="0" hangingPunct="1">
-              <a:lnSpc>
-                <a:spcPct val="90000"/>
-              </a:lnSpc>
-              <a:spcBef>
-                <a:spcPts val="500"/>
-              </a:spcBef>
-              <a:buFont typeface="Arial"/>
-              <a:buChar char="•"/>
-              <a:defRPr sz="1800" kern="1200">
-                <a:solidFill>
-                  <a:schemeClr val="tx1"/>
-                </a:solidFill>
-                <a:latin typeface="+mn-lt"/>
-                <a:ea typeface="+mn-ea"/>
-                <a:cs typeface="+mn-cs"/>
-              </a:defRPr>
-            </a:lvl5pPr>
-            <a:lvl6pPr marL="2514600" indent="-228600" algn="l" defTabSz="914400" rtl="0" eaLnBrk="1" latinLnBrk="0" hangingPunct="1">
-              <a:lnSpc>
-                <a:spcPct val="90000"/>
-              </a:lnSpc>
-              <a:spcBef>
-                <a:spcPts val="500"/>
-              </a:spcBef>
-              <a:buFont typeface="Arial"/>
-              <a:buChar char="•"/>
-              <a:defRPr sz="1800" kern="1200">
-                <a:solidFill>
-                  <a:schemeClr val="tx1"/>
-                </a:solidFill>
-                <a:latin typeface="+mn-lt"/>
-                <a:ea typeface="+mn-ea"/>
-                <a:cs typeface="+mn-cs"/>
-              </a:defRPr>
-            </a:lvl6pPr>
-            <a:lvl7pPr marL="2971800" indent="-228600" algn="l" defTabSz="914400" rtl="0" eaLnBrk="1" latinLnBrk="0" hangingPunct="1">
-              <a:lnSpc>
-                <a:spcPct val="90000"/>
-              </a:lnSpc>
-              <a:spcBef>
-                <a:spcPts val="500"/>
-              </a:spcBef>
-              <a:buFont typeface="Arial"/>
-              <a:buChar char="•"/>
-              <a:defRPr sz="1800" kern="1200">
-                <a:solidFill>
-                  <a:schemeClr val="tx1"/>
-                </a:solidFill>
-                <a:latin typeface="+mn-lt"/>
-                <a:ea typeface="+mn-ea"/>
-                <a:cs typeface="+mn-cs"/>
-              </a:defRPr>
-            </a:lvl7pPr>
-            <a:lvl8pPr marL="3429000" indent="-228600" algn="l" defTabSz="914400" rtl="0" eaLnBrk="1" latinLnBrk="0" hangingPunct="1">
-              <a:lnSpc>
-                <a:spcPct val="90000"/>
-              </a:lnSpc>
-              <a:spcBef>
-                <a:spcPts val="500"/>
-              </a:spcBef>
-              <a:buFont typeface="Arial"/>
-              <a:buChar char="•"/>
-              <a:defRPr sz="1800" kern="1200">
-                <a:solidFill>
-                  <a:schemeClr val="tx1"/>
-                </a:solidFill>
-                <a:latin typeface="+mn-lt"/>
-                <a:ea typeface="+mn-ea"/>
-                <a:cs typeface="+mn-cs"/>
-              </a:defRPr>
-            </a:lvl8pPr>
-            <a:lvl9pPr marL="3886200" indent="-228600" algn="l" defTabSz="914400" rtl="0" eaLnBrk="1" latinLnBrk="0" hangingPunct="1">
-              <a:lnSpc>
-                <a:spcPct val="90000"/>
-              </a:lnSpc>
-              <a:spcBef>
-                <a:spcPts val="500"/>
-              </a:spcBef>
-              <a:buFont typeface="Arial"/>
-              <a:buChar char="•"/>
-              <a:defRPr sz="1800" kern="1200">
-                <a:solidFill>
-                  <a:schemeClr val="tx1"/>
-                </a:solidFill>
-                <a:latin typeface="+mn-lt"/>
-                <a:ea typeface="+mn-ea"/>
-                <a:cs typeface="+mn-cs"/>
-              </a:defRPr>
-            </a:lvl9pPr>
-          </a:lstStyle>
-          <a:p>
-            <a:pPr marL="0" marR="0" lvl="0" indent="0" defTabSz="914400" eaLnBrk="1" fontAlgn="auto" latinLnBrk="0" hangingPunct="1">
-              <a:lnSpc>
-                <a:spcPct val="100000"/>
-              </a:lnSpc>
-              <a:spcBef>
-                <a:spcPts val="0"/>
-              </a:spcBef>
-              <a:spcAft>
-                <a:spcPts val="0"/>
-              </a:spcAft>
-              <a:buClrTx/>
-              <a:buSzTx/>
-              <a:buFontTx/>
-              <a:buNone/>
-              <a:tabLst/>
-              <a:defRPr/>
-            </a:pPr>
-            <a:r>
-              <a:rPr lang="en-US" sz="1800" b="1" dirty="0" smtClean="0">
-                <a:latin typeface="Arial" charset="0"/>
-                <a:ea typeface="Arial" charset="0"/>
-                <a:cs typeface="Arial" charset="0"/>
-              </a:rPr>
-              <a:t>Pseudocode </a:t>
-            </a:r>
-            <a:r>
-              <a:rPr lang="en-US" sz="1100" dirty="0" smtClean="0">
-                <a:latin typeface="Arial" charset="0"/>
-                <a:ea typeface="Arial" charset="0"/>
-                <a:cs typeface="Arial" charset="0"/>
-              </a:rPr>
-              <a:t>(Wikipedia)</a:t>
-            </a:r>
-            <a:endParaRPr lang="en-US" sz="1100" dirty="0">
-              <a:latin typeface="Arial" charset="0"/>
-              <a:ea typeface="Arial" charset="0"/>
-              <a:cs typeface="Arial" charset="0"/>
-            </a:endParaRPr>
-          </a:p>
-        </p:txBody>
-      </p:sp>
-      <p:sp>
-        <p:nvSpPr>
-          <p:cNvPr id="17" name="Rectangle 16"/>
-          <p:cNvSpPr/>
-          <p:nvPr/>
-        </p:nvSpPr>
-        <p:spPr>
-          <a:xfrm>
-            <a:off x="6281636" y="3173433"/>
-            <a:ext cx="5393808" cy="3386736"/>
-          </a:xfrm>
-          <a:prstGeom prst="rect">
-            <a:avLst/>
-          </a:prstGeom>
+            <a:gdLst>
+              <a:gd name="connsiteX0" fmla="*/ 0 w 887884"/>
+              <a:gd name="connsiteY0" fmla="*/ 78394 h 313575"/>
+              <a:gd name="connsiteX1" fmla="*/ 731097 w 887884"/>
+              <a:gd name="connsiteY1" fmla="*/ 78394 h 313575"/>
+              <a:gd name="connsiteX2" fmla="*/ 731097 w 887884"/>
+              <a:gd name="connsiteY2" fmla="*/ 0 h 313575"/>
+              <a:gd name="connsiteX3" fmla="*/ 887884 w 887884"/>
+              <a:gd name="connsiteY3" fmla="*/ 156788 h 313575"/>
+              <a:gd name="connsiteX4" fmla="*/ 731097 w 887884"/>
+              <a:gd name="connsiteY4" fmla="*/ 313575 h 313575"/>
+              <a:gd name="connsiteX5" fmla="*/ 731097 w 887884"/>
+              <a:gd name="connsiteY5" fmla="*/ 235181 h 313575"/>
+              <a:gd name="connsiteX6" fmla="*/ 0 w 887884"/>
+              <a:gd name="connsiteY6" fmla="*/ 235181 h 313575"/>
+              <a:gd name="connsiteX7" fmla="*/ 0 w 887884"/>
+              <a:gd name="connsiteY7" fmla="*/ 78394 h 313575"/>
+              <a:gd name="connsiteX0" fmla="*/ 3438 w 891322"/>
+              <a:gd name="connsiteY0" fmla="*/ 78394 h 313575"/>
+              <a:gd name="connsiteX1" fmla="*/ 734535 w 891322"/>
+              <a:gd name="connsiteY1" fmla="*/ 78394 h 313575"/>
+              <a:gd name="connsiteX2" fmla="*/ 734535 w 891322"/>
+              <a:gd name="connsiteY2" fmla="*/ 0 h 313575"/>
+              <a:gd name="connsiteX3" fmla="*/ 891322 w 891322"/>
+              <a:gd name="connsiteY3" fmla="*/ 156788 h 313575"/>
+              <a:gd name="connsiteX4" fmla="*/ 734535 w 891322"/>
+              <a:gd name="connsiteY4" fmla="*/ 313575 h 313575"/>
+              <a:gd name="connsiteX5" fmla="*/ 734535 w 891322"/>
+              <a:gd name="connsiteY5" fmla="*/ 235181 h 313575"/>
+              <a:gd name="connsiteX6" fmla="*/ 0 w 891322"/>
+              <a:gd name="connsiteY6" fmla="*/ 173304 h 313575"/>
+              <a:gd name="connsiteX7" fmla="*/ 3438 w 891322"/>
+              <a:gd name="connsiteY7" fmla="*/ 78394 h 313575"/>
+              <a:gd name="connsiteX0" fmla="*/ 0 w 898197"/>
+              <a:gd name="connsiteY0" fmla="*/ 160896 h 313575"/>
+              <a:gd name="connsiteX1" fmla="*/ 741410 w 898197"/>
+              <a:gd name="connsiteY1" fmla="*/ 78394 h 313575"/>
+              <a:gd name="connsiteX2" fmla="*/ 741410 w 898197"/>
+              <a:gd name="connsiteY2" fmla="*/ 0 h 313575"/>
+              <a:gd name="connsiteX3" fmla="*/ 898197 w 898197"/>
+              <a:gd name="connsiteY3" fmla="*/ 156788 h 313575"/>
+              <a:gd name="connsiteX4" fmla="*/ 741410 w 898197"/>
+              <a:gd name="connsiteY4" fmla="*/ 313575 h 313575"/>
+              <a:gd name="connsiteX5" fmla="*/ 741410 w 898197"/>
+              <a:gd name="connsiteY5" fmla="*/ 235181 h 313575"/>
+              <a:gd name="connsiteX6" fmla="*/ 6875 w 898197"/>
+              <a:gd name="connsiteY6" fmla="*/ 173304 h 313575"/>
+              <a:gd name="connsiteX7" fmla="*/ 0 w 898197"/>
+              <a:gd name="connsiteY7" fmla="*/ 160896 h 313575"/>
+            </a:gdLst>
+            <a:ahLst/>
+            <a:cxnLst>
+              <a:cxn ang="0">
+                <a:pos x="connsiteX0" y="connsiteY0"/>
+              </a:cxn>
+              <a:cxn ang="0">
+                <a:pos x="connsiteX1" y="connsiteY1"/>
+              </a:cxn>
+              <a:cxn ang="0">
+                <a:pos x="connsiteX2" y="connsiteY2"/>
+              </a:cxn>
+              <a:cxn ang="0">
+                <a:pos x="connsiteX3" y="connsiteY3"/>
+              </a:cxn>
+              <a:cxn ang="0">
+                <a:pos x="connsiteX4" y="connsiteY4"/>
+              </a:cxn>
+              <a:cxn ang="0">
+                <a:pos x="connsiteX5" y="connsiteY5"/>
+              </a:cxn>
+              <a:cxn ang="0">
+                <a:pos x="connsiteX6" y="connsiteY6"/>
+              </a:cxn>
+              <a:cxn ang="0">
+                <a:pos x="connsiteX7" y="connsiteY7"/>
+              </a:cxn>
+            </a:cxnLst>
+            <a:rect l="l" t="t" r="r" b="b"/>
+            <a:pathLst>
+              <a:path w="898197" h="313575">
+                <a:moveTo>
+                  <a:pt x="0" y="160896"/>
+                </a:moveTo>
+                <a:lnTo>
+                  <a:pt x="741410" y="78394"/>
+                </a:lnTo>
+                <a:lnTo>
+                  <a:pt x="741410" y="0"/>
+                </a:lnTo>
+                <a:lnTo>
+                  <a:pt x="898197" y="156788"/>
+                </a:lnTo>
+                <a:lnTo>
+                  <a:pt x="741410" y="313575"/>
+                </a:lnTo>
+                <a:lnTo>
+                  <a:pt x="741410" y="235181"/>
+                </a:lnTo>
+                <a:lnTo>
+                  <a:pt x="6875" y="173304"/>
+                </a:lnTo>
+                <a:lnTo>
+                  <a:pt x="0" y="160896"/>
+                </a:lnTo>
+                <a:close/>
+              </a:path>
+            </a:pathLst>
+          </a:custGeom>
           <a:solidFill>
             <a:schemeClr val="bg1"/>
           </a:solidFill>
-          <a:effectLst>
-            <a:outerShdw blurRad="50800" dist="38100" dir="5400000" algn="t" rotWithShape="0">
-              <a:prstClr val="black">
-                <a:alpha val="17000"/>
-              </a:prstClr>
-            </a:outerShdw>
-          </a:effectLst>
+          <a:ln>
+            <a:noFill/>
+          </a:ln>
         </p:spPr>
         <p:style>
           <a:lnRef idx="2">
@@ -4750,237 +4773,70 @@
           </a:p>
         </p:txBody>
       </p:sp>
-      <p:sp>
-        <p:nvSpPr>
-          <p:cNvPr id="19" name="Content Placeholder 3"/>
-          <p:cNvSpPr txBox="1">
-            <a:spLocks/>
-          </p:cNvSpPr>
+      <p:pic>
+        <p:nvPicPr>
+          <p:cNvPr id="10" name="Picture 9"/>
+          <p:cNvPicPr>
+            <a:picLocks noChangeAspect="1"/>
+          </p:cNvPicPr>
           <p:nvPr/>
-        </p:nvSpPr>
+        </p:nvPicPr>
+        <p:blipFill>
+          <a:blip r:embed="rId5">
+            <a:extLst>
+              <a:ext uri="{28A0092B-C50C-407E-A947-70E740481C1C}">
+                <a14:useLocalDpi xmlns:a14="http://schemas.microsoft.com/office/drawing/2010/main" val="0"/>
+              </a:ext>
+            </a:extLst>
+          </a:blip>
+          <a:stretch>
+            <a:fillRect/>
+          </a:stretch>
+        </p:blipFill>
         <p:spPr>
           <a:xfrm>
-            <a:off x="6445666" y="3272561"/>
-            <a:ext cx="5065748" cy="353567"/>
+            <a:off x="374479" y="1739750"/>
+            <a:ext cx="3661733" cy="4858378"/>
           </a:xfrm>
           <a:prstGeom prst="rect">
             <a:avLst/>
           </a:prstGeom>
         </p:spPr>
-        <p:txBody>
-          <a:bodyPr vert="horz" lIns="91440" tIns="45720" rIns="91440" bIns="45720" rtlCol="0">
-            <a:normAutofit lnSpcReduction="10000"/>
-          </a:bodyPr>
-          <a:lstStyle>
-            <a:lvl1pPr marL="228600" indent="-228600" algn="l" defTabSz="914400" rtl="0" eaLnBrk="1" latinLnBrk="0" hangingPunct="1">
-              <a:lnSpc>
-                <a:spcPct val="90000"/>
-              </a:lnSpc>
-              <a:spcBef>
-                <a:spcPts val="1000"/>
-              </a:spcBef>
-              <a:buFont typeface="Arial"/>
-              <a:buChar char="•"/>
-              <a:defRPr sz="2800" kern="1200">
-                <a:solidFill>
-                  <a:schemeClr val="tx1"/>
-                </a:solidFill>
-                <a:latin typeface="+mn-lt"/>
-                <a:ea typeface="+mn-ea"/>
-                <a:cs typeface="+mn-cs"/>
-              </a:defRPr>
-            </a:lvl1pPr>
-            <a:lvl2pPr marL="685800" indent="-228600" algn="l" defTabSz="914400" rtl="0" eaLnBrk="1" latinLnBrk="0" hangingPunct="1">
-              <a:lnSpc>
-                <a:spcPct val="90000"/>
-              </a:lnSpc>
-              <a:spcBef>
-                <a:spcPts val="500"/>
-              </a:spcBef>
-              <a:buFont typeface="Arial"/>
-              <a:buChar char="•"/>
-              <a:defRPr sz="2400" kern="1200">
-                <a:solidFill>
-                  <a:schemeClr val="tx1"/>
-                </a:solidFill>
-                <a:latin typeface="+mn-lt"/>
-                <a:ea typeface="+mn-ea"/>
-                <a:cs typeface="+mn-cs"/>
-              </a:defRPr>
-            </a:lvl2pPr>
-            <a:lvl3pPr marL="1143000" indent="-228600" algn="l" defTabSz="914400" rtl="0" eaLnBrk="1" latinLnBrk="0" hangingPunct="1">
-              <a:lnSpc>
-                <a:spcPct val="90000"/>
-              </a:lnSpc>
-              <a:spcBef>
-                <a:spcPts val="500"/>
-              </a:spcBef>
-              <a:buFont typeface="Arial"/>
-              <a:buChar char="•"/>
-              <a:defRPr sz="2000" kern="1200">
-                <a:solidFill>
-                  <a:schemeClr val="tx1"/>
-                </a:solidFill>
-                <a:latin typeface="+mn-lt"/>
-                <a:ea typeface="+mn-ea"/>
-                <a:cs typeface="+mn-cs"/>
-              </a:defRPr>
-            </a:lvl3pPr>
-            <a:lvl4pPr marL="1600200" indent="-228600" algn="l" defTabSz="914400" rtl="0" eaLnBrk="1" latinLnBrk="0" hangingPunct="1">
-              <a:lnSpc>
-                <a:spcPct val="90000"/>
-              </a:lnSpc>
-              <a:spcBef>
-                <a:spcPts val="500"/>
-              </a:spcBef>
-              <a:buFont typeface="Arial"/>
-              <a:buChar char="•"/>
-              <a:defRPr sz="1800" kern="1200">
-                <a:solidFill>
-                  <a:schemeClr val="tx1"/>
-                </a:solidFill>
-                <a:latin typeface="+mn-lt"/>
-                <a:ea typeface="+mn-ea"/>
-                <a:cs typeface="+mn-cs"/>
-              </a:defRPr>
-            </a:lvl4pPr>
-            <a:lvl5pPr marL="2057400" indent="-228600" algn="l" defTabSz="914400" rtl="0" eaLnBrk="1" latinLnBrk="0" hangingPunct="1">
-              <a:lnSpc>
-                <a:spcPct val="90000"/>
-              </a:lnSpc>
-              <a:spcBef>
-                <a:spcPts val="500"/>
-              </a:spcBef>
-              <a:buFont typeface="Arial"/>
-              <a:buChar char="•"/>
-              <a:defRPr sz="1800" kern="1200">
-                <a:solidFill>
-                  <a:schemeClr val="tx1"/>
-                </a:solidFill>
-                <a:latin typeface="+mn-lt"/>
-                <a:ea typeface="+mn-ea"/>
-                <a:cs typeface="+mn-cs"/>
-              </a:defRPr>
-            </a:lvl5pPr>
-            <a:lvl6pPr marL="2514600" indent="-228600" algn="l" defTabSz="914400" rtl="0" eaLnBrk="1" latinLnBrk="0" hangingPunct="1">
-              <a:lnSpc>
-                <a:spcPct val="90000"/>
-              </a:lnSpc>
-              <a:spcBef>
-                <a:spcPts val="500"/>
-              </a:spcBef>
-              <a:buFont typeface="Arial"/>
-              <a:buChar char="•"/>
-              <a:defRPr sz="1800" kern="1200">
-                <a:solidFill>
-                  <a:schemeClr val="tx1"/>
-                </a:solidFill>
-                <a:latin typeface="+mn-lt"/>
-                <a:ea typeface="+mn-ea"/>
-                <a:cs typeface="+mn-cs"/>
-              </a:defRPr>
-            </a:lvl6pPr>
-            <a:lvl7pPr marL="2971800" indent="-228600" algn="l" defTabSz="914400" rtl="0" eaLnBrk="1" latinLnBrk="0" hangingPunct="1">
-              <a:lnSpc>
-                <a:spcPct val="90000"/>
-              </a:lnSpc>
-              <a:spcBef>
-                <a:spcPts val="500"/>
-              </a:spcBef>
-              <a:buFont typeface="Arial"/>
-              <a:buChar char="•"/>
-              <a:defRPr sz="1800" kern="1200">
-                <a:solidFill>
-                  <a:schemeClr val="tx1"/>
-                </a:solidFill>
-                <a:latin typeface="+mn-lt"/>
-                <a:ea typeface="+mn-ea"/>
-                <a:cs typeface="+mn-cs"/>
-              </a:defRPr>
-            </a:lvl7pPr>
-            <a:lvl8pPr marL="3429000" indent="-228600" algn="l" defTabSz="914400" rtl="0" eaLnBrk="1" latinLnBrk="0" hangingPunct="1">
-              <a:lnSpc>
-                <a:spcPct val="90000"/>
-              </a:lnSpc>
-              <a:spcBef>
-                <a:spcPts val="500"/>
-              </a:spcBef>
-              <a:buFont typeface="Arial"/>
-              <a:buChar char="•"/>
-              <a:defRPr sz="1800" kern="1200">
-                <a:solidFill>
-                  <a:schemeClr val="tx1"/>
-                </a:solidFill>
-                <a:latin typeface="+mn-lt"/>
-                <a:ea typeface="+mn-ea"/>
-                <a:cs typeface="+mn-cs"/>
-              </a:defRPr>
-            </a:lvl8pPr>
-            <a:lvl9pPr marL="3886200" indent="-228600" algn="l" defTabSz="914400" rtl="0" eaLnBrk="1" latinLnBrk="0" hangingPunct="1">
-              <a:lnSpc>
-                <a:spcPct val="90000"/>
-              </a:lnSpc>
-              <a:spcBef>
-                <a:spcPts val="500"/>
-              </a:spcBef>
-              <a:buFont typeface="Arial"/>
-              <a:buChar char="•"/>
-              <a:defRPr sz="1800" kern="1200">
-                <a:solidFill>
-                  <a:schemeClr val="tx1"/>
-                </a:solidFill>
-                <a:latin typeface="+mn-lt"/>
-                <a:ea typeface="+mn-ea"/>
-                <a:cs typeface="+mn-cs"/>
-              </a:defRPr>
-            </a:lvl9pPr>
-          </a:lstStyle>
-          <a:p>
-            <a:pPr marL="0" marR="0" lvl="0" indent="0" defTabSz="914400" eaLnBrk="1" fontAlgn="auto" latinLnBrk="0" hangingPunct="1">
-              <a:lnSpc>
-                <a:spcPct val="100000"/>
-              </a:lnSpc>
-              <a:spcBef>
-                <a:spcPts val="0"/>
-              </a:spcBef>
-              <a:spcAft>
-                <a:spcPts val="0"/>
-              </a:spcAft>
-              <a:buClrTx/>
-              <a:buSzTx/>
-              <a:buFontTx/>
-              <a:buNone/>
-              <a:tabLst/>
-              <a:defRPr/>
-            </a:pPr>
-            <a:r>
-              <a:rPr lang="en-US" sz="1800" b="1" dirty="0" smtClean="0">
-                <a:latin typeface="Arial" charset="0"/>
-                <a:ea typeface="Arial" charset="0"/>
-                <a:cs typeface="Arial" charset="0"/>
-              </a:rPr>
-              <a:t>TypeScript </a:t>
-            </a:r>
-            <a:r>
-              <a:rPr lang="en-US" sz="1100" dirty="0" smtClean="0">
-                <a:latin typeface="Arial" charset="0"/>
-                <a:ea typeface="Arial" charset="0"/>
-                <a:cs typeface="Arial" charset="0"/>
-              </a:rPr>
-              <a:t>(Connect4)</a:t>
-            </a:r>
-            <a:endParaRPr lang="en-US" sz="1100" dirty="0">
-              <a:latin typeface="Arial" charset="0"/>
-              <a:ea typeface="Arial" charset="0"/>
-              <a:cs typeface="Arial" charset="0"/>
-            </a:endParaRPr>
-          </a:p>
-        </p:txBody>
-      </p:sp>
+      </p:pic>
+      <p:pic>
+        <p:nvPicPr>
+          <p:cNvPr id="14" name="Picture 13"/>
+          <p:cNvPicPr>
+            <a:picLocks noChangeAspect="1"/>
+          </p:cNvPicPr>
+          <p:nvPr/>
+        </p:nvPicPr>
+        <p:blipFill>
+          <a:blip r:embed="rId6">
+            <a:extLst>
+              <a:ext uri="{28A0092B-C50C-407E-A947-70E740481C1C}">
+                <a14:useLocalDpi xmlns:a14="http://schemas.microsoft.com/office/drawing/2010/main" val="0"/>
+              </a:ext>
+            </a:extLst>
+          </a:blip>
+          <a:stretch>
+            <a:fillRect/>
+          </a:stretch>
+        </p:blipFill>
+        <p:spPr>
+          <a:xfrm>
+            <a:off x="4194033" y="1738365"/>
+            <a:ext cx="3661733" cy="4858378"/>
+          </a:xfrm>
+          <a:prstGeom prst="rect">
+            <a:avLst/>
+          </a:prstGeom>
+        </p:spPr>
+      </p:pic>
     </p:spTree>
     <p:extLst>
       <p:ext uri="{BB962C8B-B14F-4D97-AF65-F5344CB8AC3E}">
-        <p14:creationId xmlns:p14="http://schemas.microsoft.com/office/powerpoint/2010/main" val="1920668002"/>
+        <p14:creationId xmlns:p14="http://schemas.microsoft.com/office/powerpoint/2010/main" val="692423958"/>
       </p:ext>
     </p:extLst>
   </p:cSld>
@@ -4993,7 +4849,145 @@
   <p:timing>
     <p:tnLst>
       <p:par>
-        <p:cTn id="1" dur="indefinite" restart="never" nodeType="tmRoot"/>
+        <p:cTn id="1" dur="indefinite" restart="never" nodeType="tmRoot">
+          <p:childTnLst>
+            <p:seq concurrent="1" nextAc="seek">
+              <p:cTn id="2" dur="indefinite" nodeType="mainSeq">
+                <p:childTnLst>
+                  <p:par>
+                    <p:cTn id="3" fill="hold">
+                      <p:stCondLst>
+                        <p:cond delay="indefinite"/>
+                        <p:cond evt="onBegin" delay="0">
+                          <p:tn val="2"/>
+                        </p:cond>
+                      </p:stCondLst>
+                      <p:childTnLst>
+                        <p:par>
+                          <p:cTn id="4" fill="hold">
+                            <p:stCondLst>
+                              <p:cond delay="0"/>
+                            </p:stCondLst>
+                            <p:childTnLst>
+                              <p:par>
+                                <p:cTn id="5" presetID="1" presetClass="entr" presetSubtype="0" fill="hold" nodeType="afterEffect">
+                                  <p:stCondLst>
+                                    <p:cond delay="2000"/>
+                                  </p:stCondLst>
+                                  <p:childTnLst>
+                                    <p:set>
+                                      <p:cBhvr>
+                                        <p:cTn id="6" dur="1" fill="hold">
+                                          <p:stCondLst>
+                                            <p:cond delay="0"/>
+                                          </p:stCondLst>
+                                        </p:cTn>
+                                        <p:tgtEl>
+                                          <p:spTgt spid="4"/>
+                                        </p:tgtEl>
+                                        <p:attrNameLst>
+                                          <p:attrName>style.visibility</p:attrName>
+                                        </p:attrNameLst>
+                                      </p:cBhvr>
+                                      <p:to>
+                                        <p:strVal val="visible"/>
+                                      </p:to>
+                                    </p:set>
+                                  </p:childTnLst>
+                                </p:cTn>
+                              </p:par>
+                            </p:childTnLst>
+                          </p:cTn>
+                        </p:par>
+                        <p:par>
+                          <p:cTn id="7" fill="hold">
+                            <p:stCondLst>
+                              <p:cond delay="2000"/>
+                            </p:stCondLst>
+                            <p:childTnLst>
+                              <p:par>
+                                <p:cTn id="8" presetID="1" presetClass="entr" presetSubtype="0" fill="hold" nodeType="afterEffect">
+                                  <p:stCondLst>
+                                    <p:cond delay="0"/>
+                                  </p:stCondLst>
+                                  <p:childTnLst>
+                                    <p:set>
+                                      <p:cBhvr>
+                                        <p:cTn id="9" dur="1" fill="hold">
+                                          <p:stCondLst>
+                                            <p:cond delay="0"/>
+                                          </p:stCondLst>
+                                        </p:cTn>
+                                        <p:tgtEl>
+                                          <p:spTgt spid="8"/>
+                                        </p:tgtEl>
+                                        <p:attrNameLst>
+                                          <p:attrName>style.visibility</p:attrName>
+                                        </p:attrNameLst>
+                                      </p:cBhvr>
+                                      <p:to>
+                                        <p:strVal val="visible"/>
+                                      </p:to>
+                                    </p:set>
+                                  </p:childTnLst>
+                                </p:cTn>
+                              </p:par>
+                            </p:childTnLst>
+                          </p:cTn>
+                        </p:par>
+                        <p:par>
+                          <p:cTn id="10" fill="hold">
+                            <p:stCondLst>
+                              <p:cond delay="2000"/>
+                            </p:stCondLst>
+                            <p:childTnLst>
+                              <p:par>
+                                <p:cTn id="11" presetID="42" presetClass="path" presetSubtype="0" accel="50000" decel="50000" fill="hold" nodeType="afterEffect">
+                                  <p:stCondLst>
+                                    <p:cond delay="0"/>
+                                  </p:stCondLst>
+                                  <p:childTnLst>
+                                    <p:animMotion origin="layout" path="M 3.54167E-6 -3.7037E-6 L 0.00013 0.13681 " pathEditMode="relative" rAng="0" ptsTypes="AA">
+                                      <p:cBhvr>
+                                        <p:cTn id="12" dur="1000" fill="hold"/>
+                                        <p:tgtEl>
+                                          <p:spTgt spid="8"/>
+                                        </p:tgtEl>
+                                        <p:attrNameLst>
+                                          <p:attrName>ppt_x</p:attrName>
+                                          <p:attrName>ppt_y</p:attrName>
+                                        </p:attrNameLst>
+                                      </p:cBhvr>
+                                      <p:rCtr x="0" y="6829"/>
+                                    </p:animMotion>
+                                  </p:childTnLst>
+                                </p:cTn>
+                              </p:par>
+                            </p:childTnLst>
+                          </p:cTn>
+                        </p:par>
+                      </p:childTnLst>
+                    </p:cTn>
+                  </p:par>
+                </p:childTnLst>
+              </p:cTn>
+              <p:prevCondLst>
+                <p:cond evt="onPrev" delay="0">
+                  <p:tgtEl>
+                    <p:sldTgt/>
+                  </p:tgtEl>
+                </p:cond>
+              </p:prevCondLst>
+              <p:nextCondLst>
+                <p:cond evt="onNext" delay="0">
+                  <p:tgtEl>
+                    <p:sldTgt/>
+                  </p:tgtEl>
+                </p:cond>
+              </p:nextCondLst>
+            </p:seq>
+          </p:childTnLst>
+        </p:cTn>
       </p:par>
     </p:tnLst>
   </p:timing>
@@ -6031,47 +6025,89 @@
       </p:grpSpPr>
       <p:sp>
         <p:nvSpPr>
-          <p:cNvPr id="2" name="Title 1"/>
-          <p:cNvSpPr>
-            <a:spLocks noGrp="1"/>
-          </p:cNvSpPr>
-          <p:nvPr>
-            <p:ph type="title"/>
-          </p:nvPr>
+          <p:cNvPr id="32" name="Rectangle 31"/>
+          <p:cNvSpPr/>
+          <p:nvPr/>
         </p:nvSpPr>
         <p:spPr>
           <a:xfrm>
-            <a:off x="1662546" y="2445182"/>
-            <a:ext cx="8610599" cy="1325563"/>
+            <a:off x="496400" y="1865745"/>
+            <a:ext cx="11179044" cy="4563931"/>
           </a:xfrm>
+          <a:prstGeom prst="rect">
+            <a:avLst/>
+          </a:prstGeom>
+          <a:solidFill>
+            <a:schemeClr val="bg1"/>
+          </a:solidFill>
+          <a:effectLst>
+            <a:outerShdw blurRad="50800" dist="38100" dir="5400000" algn="t" rotWithShape="0">
+              <a:prstClr val="black">
+                <a:alpha val="17000"/>
+              </a:prstClr>
+            </a:outerShdw>
+          </a:effectLst>
         </p:spPr>
+        <p:style>
+          <a:lnRef idx="2">
+            <a:schemeClr val="accent1">
+              <a:shade val="50000"/>
+            </a:schemeClr>
+          </a:lnRef>
+          <a:fillRef idx="1">
+            <a:schemeClr val="accent1"/>
+          </a:fillRef>
+          <a:effectRef idx="0">
+            <a:schemeClr val="accent1"/>
+          </a:effectRef>
+          <a:fontRef idx="minor">
+            <a:schemeClr val="lt1"/>
+          </a:fontRef>
+        </p:style>
         <p:txBody>
-          <a:bodyPr/>
+          <a:bodyPr rtlCol="0" anchor="ctr"/>
           <a:lstStyle/>
           <a:p>
             <a:pPr algn="ctr"/>
-            <a:r>
-              <a:rPr lang="en-US" dirty="0" smtClean="0">
-                <a:solidFill>
-                  <a:schemeClr val="bg1"/>
-                </a:solidFill>
-                <a:latin typeface="Arial" charset="0"/>
-                <a:ea typeface="Arial" charset="0"/>
-                <a:cs typeface="Arial" charset="0"/>
-              </a:rPr>
-              <a:t>Any questions?</a:t>
-            </a:r>
-            <a:endParaRPr lang="en-US" dirty="0">
-              <a:solidFill>
-                <a:schemeClr val="bg1"/>
-              </a:solidFill>
-              <a:latin typeface="Arial" charset="0"/>
-              <a:ea typeface="Arial" charset="0"/>
-              <a:cs typeface="Arial" charset="0"/>
-            </a:endParaRPr>
+            <a:endParaRPr lang="en-US"/>
           </a:p>
         </p:txBody>
       </p:sp>
+      <p:cxnSp>
+        <p:nvCxnSpPr>
+          <p:cNvPr id="6" name="Straight Connector 5"/>
+          <p:cNvCxnSpPr/>
+          <p:nvPr/>
+        </p:nvCxnSpPr>
+        <p:spPr>
+          <a:xfrm>
+            <a:off x="496400" y="565028"/>
+            <a:ext cx="0" cy="785308"/>
+          </a:xfrm>
+          <a:prstGeom prst="line">
+            <a:avLst/>
+          </a:prstGeom>
+          <a:ln w="25400">
+            <a:solidFill>
+              <a:schemeClr val="bg1"/>
+            </a:solidFill>
+          </a:ln>
+        </p:spPr>
+        <p:style>
+          <a:lnRef idx="1">
+            <a:schemeClr val="accent1"/>
+          </a:lnRef>
+          <a:fillRef idx="0">
+            <a:schemeClr val="accent1"/>
+          </a:fillRef>
+          <a:effectRef idx="0">
+            <a:schemeClr val="accent1"/>
+          </a:effectRef>
+          <a:fontRef idx="minor">
+            <a:schemeClr val="tx1"/>
+          </a:fontRef>
+        </p:style>
+      </p:cxnSp>
       <p:sp>
         <p:nvSpPr>
           <p:cNvPr id="7" name="AutoShape 2" descr="https://camo.githubusercontent.com/d18f4a7a64244f703efcb322bf298dcb4ca38856/68747470733a2f2f7765627061636b2e6a732e6f72672f6173736574732f69636f6e2d7371756172652d6269672e737667"/>
@@ -6111,10 +6147,6168 @@
           </a:p>
         </p:txBody>
       </p:sp>
+      <p:pic>
+        <p:nvPicPr>
+          <p:cNvPr id="14" name="Picture 13"/>
+          <p:cNvPicPr>
+            <a:picLocks noChangeAspect="1"/>
+          </p:cNvPicPr>
+          <p:nvPr/>
+        </p:nvPicPr>
+        <p:blipFill>
+          <a:blip r:embed="rId2">
+            <a:extLst>
+              <a:ext uri="{28A0092B-C50C-407E-A947-70E740481C1C}">
+                <a14:useLocalDpi xmlns:a14="http://schemas.microsoft.com/office/drawing/2010/main" val="0"/>
+              </a:ext>
+            </a:extLst>
+          </a:blip>
+          <a:stretch>
+            <a:fillRect/>
+          </a:stretch>
+        </p:blipFill>
+        <p:spPr>
+          <a:xfrm>
+            <a:off x="7663148" y="2397975"/>
+            <a:ext cx="3565590" cy="545597"/>
+          </a:xfrm>
+          <a:prstGeom prst="rect">
+            <a:avLst/>
+          </a:prstGeom>
+        </p:spPr>
+      </p:pic>
+      <p:sp>
+        <p:nvSpPr>
+          <p:cNvPr id="15" name="Content Placeholder 3"/>
+          <p:cNvSpPr>
+            <a:spLocks noGrp="1"/>
+          </p:cNvSpPr>
+          <p:nvPr>
+            <p:ph idx="1"/>
+          </p:nvPr>
+        </p:nvSpPr>
+        <p:spPr>
+          <a:xfrm>
+            <a:off x="838200" y="1989255"/>
+            <a:ext cx="10515600" cy="1429354"/>
+          </a:xfrm>
+        </p:spPr>
+        <p:txBody>
+          <a:bodyPr>
+            <a:normAutofit fontScale="70000" lnSpcReduction="20000"/>
+          </a:bodyPr>
+          <a:lstStyle/>
+          <a:p>
+            <a:r>
+              <a:rPr lang="en-US" dirty="0" smtClean="0">
+                <a:latin typeface="Arial" charset="0"/>
+                <a:ea typeface="Arial" charset="0"/>
+                <a:cs typeface="Arial" charset="0"/>
+              </a:rPr>
+              <a:t>Electron allows you to build cross platform desktop applications with modern web technologies (HTML5, JavaScript &amp; CSS).</a:t>
+            </a:r>
+          </a:p>
+          <a:p>
+            <a:r>
+              <a:rPr lang="en-US" dirty="0" smtClean="0">
+                <a:latin typeface="Arial" charset="0"/>
+                <a:ea typeface="Arial" charset="0"/>
+                <a:cs typeface="Arial" charset="0"/>
+              </a:rPr>
+              <a:t>The flexibility and standardized use of web technology makes creating graphical desktop applications with Electron a walk in the park!</a:t>
+            </a:r>
+            <a:endParaRPr lang="en-US" dirty="0">
+              <a:latin typeface="Arial" charset="0"/>
+              <a:ea typeface="Arial" charset="0"/>
+              <a:cs typeface="Arial" charset="0"/>
+            </a:endParaRPr>
+          </a:p>
+          <a:p>
+            <a:r>
+              <a:rPr lang="en-US" dirty="0" smtClean="0">
+                <a:latin typeface="Arial" charset="0"/>
+                <a:ea typeface="Arial" charset="0"/>
+                <a:cs typeface="Arial" charset="0"/>
+              </a:rPr>
+              <a:t>The use of Electron is growing rapidly.</a:t>
+            </a:r>
+            <a:endParaRPr lang="en-US" dirty="0">
+              <a:latin typeface="Arial" charset="0"/>
+              <a:ea typeface="Arial" charset="0"/>
+              <a:cs typeface="Arial" charset="0"/>
+            </a:endParaRPr>
+          </a:p>
+        </p:txBody>
+      </p:sp>
+      <p:pic>
+        <p:nvPicPr>
+          <p:cNvPr id="1026" name="Picture 2" descr="itHub Desktop">
+            <a:hlinkClick r:id="rId3" tooltip="GitHub Desktop"/>
+          </p:cNvPr>
+          <p:cNvPicPr>
+            <a:picLocks noChangeAspect="1" noChangeArrowheads="1"/>
+          </p:cNvPicPr>
+          <p:nvPr/>
+        </p:nvPicPr>
+        <p:blipFill>
+          <a:blip r:embed="rId4">
+            <a:extLst>
+              <a:ext uri="{28A0092B-C50C-407E-A947-70E740481C1C}">
+                <a14:useLocalDpi xmlns:a14="http://schemas.microsoft.com/office/drawing/2010/main" val="0"/>
+              </a:ext>
+            </a:extLst>
+          </a:blip>
+          <a:srcRect/>
+          <a:stretch>
+            <a:fillRect/>
+          </a:stretch>
+        </p:blipFill>
+        <p:spPr bwMode="auto">
+          <a:xfrm>
+            <a:off x="1524273" y="4024142"/>
+            <a:ext cx="900000" cy="900000"/>
+          </a:xfrm>
+          <a:prstGeom prst="rect">
+            <a:avLst/>
+          </a:prstGeom>
+          <a:noFill/>
+          <a:extLst>
+            <a:ext uri="{909E8E84-426E-40DD-AFC4-6F175D3DCCD1}">
+              <a14:hiddenFill xmlns:a14="http://schemas.microsoft.com/office/drawing/2010/main">
+                <a:solidFill>
+                  <a:srgbClr val="FFFFFF"/>
+                </a:solidFill>
+              </a14:hiddenFill>
+            </a:ext>
+          </a:extLst>
+        </p:spPr>
+      </p:pic>
+      <p:sp>
+        <p:nvSpPr>
+          <p:cNvPr id="9" name="TextBox 8"/>
+          <p:cNvSpPr txBox="1"/>
+          <p:nvPr/>
+        </p:nvSpPr>
+        <p:spPr>
+          <a:xfrm>
+            <a:off x="838200" y="3564686"/>
+            <a:ext cx="2923311" cy="369332"/>
+          </a:xfrm>
+          <a:prstGeom prst="rect">
+            <a:avLst/>
+          </a:prstGeom>
+          <a:noFill/>
+        </p:spPr>
+        <p:txBody>
+          <a:bodyPr wrap="square" rtlCol="0">
+            <a:spAutoFit/>
+          </a:bodyPr>
+          <a:lstStyle/>
+          <a:p>
+            <a:r>
+              <a:rPr lang="en-US" b="1" dirty="0" smtClean="0"/>
+              <a:t>Apps built on Electron:</a:t>
+            </a:r>
+            <a:endParaRPr lang="en-US" b="1" dirty="0"/>
+          </a:p>
+        </p:txBody>
+      </p:sp>
+      <p:pic>
+        <p:nvPicPr>
+          <p:cNvPr id="1028" name="Picture 4" descr="iscord">
+            <a:hlinkClick r:id="rId5" tooltip="Discord"/>
+          </p:cNvPr>
+          <p:cNvPicPr>
+            <a:picLocks noChangeAspect="1" noChangeArrowheads="1"/>
+          </p:cNvPicPr>
+          <p:nvPr/>
+        </p:nvPicPr>
+        <p:blipFill>
+          <a:blip r:embed="rId6">
+            <a:extLst>
+              <a:ext uri="{28A0092B-C50C-407E-A947-70E740481C1C}">
+                <a14:useLocalDpi xmlns:a14="http://schemas.microsoft.com/office/drawing/2010/main" val="0"/>
+              </a:ext>
+            </a:extLst>
+          </a:blip>
+          <a:srcRect/>
+          <a:stretch>
+            <a:fillRect/>
+          </a:stretch>
+        </p:blipFill>
+        <p:spPr bwMode="auto">
+          <a:xfrm>
+            <a:off x="3468075" y="5303284"/>
+            <a:ext cx="900000" cy="900000"/>
+          </a:xfrm>
+          <a:prstGeom prst="rect">
+            <a:avLst/>
+          </a:prstGeom>
+          <a:noFill/>
+          <a:extLst>
+            <a:ext uri="{909E8E84-426E-40DD-AFC4-6F175D3DCCD1}">
+              <a14:hiddenFill xmlns:a14="http://schemas.microsoft.com/office/drawing/2010/main">
+                <a:solidFill>
+                  <a:srgbClr val="FFFFFF"/>
+                </a:solidFill>
+              </a14:hiddenFill>
+            </a:ext>
+          </a:extLst>
+        </p:spPr>
+      </p:pic>
+      <p:pic>
+        <p:nvPicPr>
+          <p:cNvPr id="19" name="Picture 8" descr="isual Studio Code"/>
+          <p:cNvPicPr>
+            <a:picLocks noChangeAspect="1" noChangeArrowheads="1"/>
+          </p:cNvPicPr>
+          <p:nvPr/>
+        </p:nvPicPr>
+        <p:blipFill>
+          <a:blip r:embed="rId7">
+            <a:extLst>
+              <a:ext uri="{28A0092B-C50C-407E-A947-70E740481C1C}">
+                <a14:useLocalDpi xmlns:a14="http://schemas.microsoft.com/office/drawing/2010/main" val="0"/>
+              </a:ext>
+            </a:extLst>
+          </a:blip>
+          <a:srcRect/>
+          <a:stretch>
+            <a:fillRect/>
+          </a:stretch>
+        </p:blipFill>
+        <p:spPr bwMode="auto">
+          <a:xfrm>
+            <a:off x="5611227" y="4024142"/>
+            <a:ext cx="900000" cy="900000"/>
+          </a:xfrm>
+          <a:prstGeom prst="rect">
+            <a:avLst/>
+          </a:prstGeom>
+          <a:noFill/>
+          <a:extLst>
+            <a:ext uri="{909E8E84-426E-40DD-AFC4-6F175D3DCCD1}">
+              <a14:hiddenFill xmlns:a14="http://schemas.microsoft.com/office/drawing/2010/main">
+                <a:solidFill>
+                  <a:srgbClr val="FFFFFF"/>
+                </a:solidFill>
+              </a14:hiddenFill>
+            </a:ext>
+          </a:extLst>
+        </p:spPr>
+      </p:pic>
+      <p:pic>
+        <p:nvPicPr>
+          <p:cNvPr id="1034" name="Picture 10" descr="tom"/>
+          <p:cNvPicPr>
+            <a:picLocks noChangeAspect="1" noChangeArrowheads="1"/>
+          </p:cNvPicPr>
+          <p:nvPr/>
+        </p:nvPicPr>
+        <p:blipFill>
+          <a:blip r:embed="rId8">
+            <a:extLst>
+              <a:ext uri="{28A0092B-C50C-407E-A947-70E740481C1C}">
+                <a14:useLocalDpi xmlns:a14="http://schemas.microsoft.com/office/drawing/2010/main" val="0"/>
+              </a:ext>
+            </a:extLst>
+          </a:blip>
+          <a:srcRect/>
+          <a:stretch>
+            <a:fillRect/>
+          </a:stretch>
+        </p:blipFill>
+        <p:spPr bwMode="auto">
+          <a:xfrm>
+            <a:off x="7663148" y="5117634"/>
+            <a:ext cx="900000" cy="900000"/>
+          </a:xfrm>
+          <a:prstGeom prst="rect">
+            <a:avLst/>
+          </a:prstGeom>
+          <a:noFill/>
+          <a:extLst>
+            <a:ext uri="{909E8E84-426E-40DD-AFC4-6F175D3DCCD1}">
+              <a14:hiddenFill xmlns:a14="http://schemas.microsoft.com/office/drawing/2010/main">
+                <a:solidFill>
+                  <a:srgbClr val="FFFFFF"/>
+                </a:solidFill>
+              </a14:hiddenFill>
+            </a:ext>
+          </a:extLst>
+        </p:spPr>
+      </p:pic>
+      <p:pic>
+        <p:nvPicPr>
+          <p:cNvPr id="1036" name="Picture 12" descr="hatsApp"/>
+          <p:cNvPicPr>
+            <a:picLocks noChangeAspect="1" noChangeArrowheads="1"/>
+          </p:cNvPicPr>
+          <p:nvPr/>
+        </p:nvPicPr>
+        <p:blipFill>
+          <a:blip r:embed="rId9">
+            <a:extLst>
+              <a:ext uri="{28A0092B-C50C-407E-A947-70E740481C1C}">
+                <a14:useLocalDpi xmlns:a14="http://schemas.microsoft.com/office/drawing/2010/main" val="0"/>
+              </a:ext>
+            </a:extLst>
+          </a:blip>
+          <a:srcRect/>
+          <a:stretch>
+            <a:fillRect/>
+          </a:stretch>
+        </p:blipFill>
+        <p:spPr bwMode="auto">
+          <a:xfrm>
+            <a:off x="9809018" y="4004471"/>
+            <a:ext cx="900000" cy="900000"/>
+          </a:xfrm>
+          <a:prstGeom prst="rect">
+            <a:avLst/>
+          </a:prstGeom>
+          <a:noFill/>
+          <a:extLst>
+            <a:ext uri="{909E8E84-426E-40DD-AFC4-6F175D3DCCD1}">
+              <a14:hiddenFill xmlns:a14="http://schemas.microsoft.com/office/drawing/2010/main">
+                <a:solidFill>
+                  <a:srgbClr val="FFFFFF"/>
+                </a:solidFill>
+              </a14:hiddenFill>
+            </a:ext>
+          </a:extLst>
+        </p:spPr>
+      </p:pic>
     </p:spTree>
     <p:extLst>
       <p:ext uri="{BB962C8B-B14F-4D97-AF65-F5344CB8AC3E}">
-        <p14:creationId xmlns:p14="http://schemas.microsoft.com/office/powerpoint/2010/main" val="154064178"/>
+        <p14:creationId xmlns:p14="http://schemas.microsoft.com/office/powerpoint/2010/main" val="1924373653"/>
+      </p:ext>
+    </p:extLst>
+  </p:cSld>
+  <p:clrMapOvr>
+    <a:masterClrMapping/>
+  </p:clrMapOvr>
+  <mc:AlternateContent xmlns:mc="http://schemas.openxmlformats.org/markup-compatibility/2006">
+    <mc:Choice xmlns:p14="http://schemas.microsoft.com/office/powerpoint/2010/main" Requires="p14">
+      <p:transition p14:dur="0"/>
+    </mc:Choice>
+    <mc:Fallback>
+      <p:transition/>
+    </mc:Fallback>
+  </mc:AlternateContent>
+  <p:timing>
+    <p:tnLst>
+      <p:par>
+        <p:cTn id="1" dur="indefinite" restart="never" nodeType="tmRoot">
+          <p:childTnLst>
+            <p:seq concurrent="1" nextAc="seek">
+              <p:cTn id="2" dur="indefinite" nodeType="mainSeq">
+                <p:childTnLst>
+                  <p:par>
+                    <p:cTn id="3" fill="hold">
+                      <p:stCondLst>
+                        <p:cond delay="indefinite"/>
+                        <p:cond evt="onBegin" delay="0">
+                          <p:tn val="2"/>
+                        </p:cond>
+                      </p:stCondLst>
+                      <p:childTnLst>
+                        <p:par>
+                          <p:cTn id="4" fill="hold">
+                            <p:stCondLst>
+                              <p:cond delay="0"/>
+                            </p:stCondLst>
+                            <p:childTnLst>
+                              <p:par>
+                                <p:cTn id="5" presetID="42" presetClass="path" presetSubtype="0" accel="50000" decel="50000" fill="hold" nodeType="afterEffect">
+                                  <p:stCondLst>
+                                    <p:cond delay="0"/>
+                                  </p:stCondLst>
+                                  <p:childTnLst>
+                                    <p:animMotion origin="layout" path="M 4.16667E-7 -1.85185E-6 L -0.56758 -0.25139 " pathEditMode="relative" rAng="0" ptsTypes="AA">
+                                      <p:cBhvr>
+                                        <p:cTn id="6" dur="1000" fill="hold"/>
+                                        <p:tgtEl>
+                                          <p:spTgt spid="14"/>
+                                        </p:tgtEl>
+                                        <p:attrNameLst>
+                                          <p:attrName>ppt_x</p:attrName>
+                                          <p:attrName>ppt_y</p:attrName>
+                                        </p:attrNameLst>
+                                      </p:cBhvr>
+                                      <p:rCtr x="-28385" y="-12569"/>
+                                    </p:animMotion>
+                                  </p:childTnLst>
+                                </p:cTn>
+                              </p:par>
+                            </p:childTnLst>
+                          </p:cTn>
+                        </p:par>
+                        <p:par>
+                          <p:cTn id="7" fill="hold">
+                            <p:stCondLst>
+                              <p:cond delay="1000"/>
+                            </p:stCondLst>
+                            <p:childTnLst>
+                              <p:par>
+                                <p:cTn id="8" presetID="1" presetClass="entr" presetSubtype="0" fill="hold" nodeType="afterEffect">
+                                  <p:stCondLst>
+                                    <p:cond delay="0"/>
+                                  </p:stCondLst>
+                                  <p:childTnLst>
+                                    <p:set>
+                                      <p:cBhvr>
+                                        <p:cTn id="9" dur="1" fill="hold">
+                                          <p:stCondLst>
+                                            <p:cond delay="0"/>
+                                          </p:stCondLst>
+                                        </p:cTn>
+                                        <p:tgtEl>
+                                          <p:spTgt spid="1036"/>
+                                        </p:tgtEl>
+                                        <p:attrNameLst>
+                                          <p:attrName>style.visibility</p:attrName>
+                                        </p:attrNameLst>
+                                      </p:cBhvr>
+                                      <p:to>
+                                        <p:strVal val="visible"/>
+                                      </p:to>
+                                    </p:set>
+                                  </p:childTnLst>
+                                </p:cTn>
+                              </p:par>
+                              <p:par>
+                                <p:cTn id="10" presetID="1" presetClass="entr" presetSubtype="0" fill="hold" nodeType="withEffect">
+                                  <p:stCondLst>
+                                    <p:cond delay="0"/>
+                                  </p:stCondLst>
+                                  <p:childTnLst>
+                                    <p:set>
+                                      <p:cBhvr>
+                                        <p:cTn id="11" dur="1" fill="hold">
+                                          <p:stCondLst>
+                                            <p:cond delay="0"/>
+                                          </p:stCondLst>
+                                        </p:cTn>
+                                        <p:tgtEl>
+                                          <p:spTgt spid="1034"/>
+                                        </p:tgtEl>
+                                        <p:attrNameLst>
+                                          <p:attrName>style.visibility</p:attrName>
+                                        </p:attrNameLst>
+                                      </p:cBhvr>
+                                      <p:to>
+                                        <p:strVal val="visible"/>
+                                      </p:to>
+                                    </p:set>
+                                  </p:childTnLst>
+                                </p:cTn>
+                              </p:par>
+                              <p:par>
+                                <p:cTn id="12" presetID="1" presetClass="entr" presetSubtype="0" fill="hold" nodeType="withEffect">
+                                  <p:stCondLst>
+                                    <p:cond delay="0"/>
+                                  </p:stCondLst>
+                                  <p:childTnLst>
+                                    <p:set>
+                                      <p:cBhvr>
+                                        <p:cTn id="13" dur="1" fill="hold">
+                                          <p:stCondLst>
+                                            <p:cond delay="0"/>
+                                          </p:stCondLst>
+                                        </p:cTn>
+                                        <p:tgtEl>
+                                          <p:spTgt spid="19"/>
+                                        </p:tgtEl>
+                                        <p:attrNameLst>
+                                          <p:attrName>style.visibility</p:attrName>
+                                        </p:attrNameLst>
+                                      </p:cBhvr>
+                                      <p:to>
+                                        <p:strVal val="visible"/>
+                                      </p:to>
+                                    </p:set>
+                                  </p:childTnLst>
+                                </p:cTn>
+                              </p:par>
+                              <p:par>
+                                <p:cTn id="14" presetID="1" presetClass="entr" presetSubtype="0" fill="hold" nodeType="withEffect">
+                                  <p:stCondLst>
+                                    <p:cond delay="0"/>
+                                  </p:stCondLst>
+                                  <p:childTnLst>
+                                    <p:set>
+                                      <p:cBhvr>
+                                        <p:cTn id="15" dur="1" fill="hold">
+                                          <p:stCondLst>
+                                            <p:cond delay="0"/>
+                                          </p:stCondLst>
+                                        </p:cTn>
+                                        <p:tgtEl>
+                                          <p:spTgt spid="1028"/>
+                                        </p:tgtEl>
+                                        <p:attrNameLst>
+                                          <p:attrName>style.visibility</p:attrName>
+                                        </p:attrNameLst>
+                                      </p:cBhvr>
+                                      <p:to>
+                                        <p:strVal val="visible"/>
+                                      </p:to>
+                                    </p:set>
+                                  </p:childTnLst>
+                                </p:cTn>
+                              </p:par>
+                              <p:par>
+                                <p:cTn id="16" presetID="1" presetClass="entr" presetSubtype="0" fill="hold" nodeType="withEffect">
+                                  <p:stCondLst>
+                                    <p:cond delay="0"/>
+                                  </p:stCondLst>
+                                  <p:childTnLst>
+                                    <p:set>
+                                      <p:cBhvr>
+                                        <p:cTn id="17" dur="1" fill="hold">
+                                          <p:stCondLst>
+                                            <p:cond delay="0"/>
+                                          </p:stCondLst>
+                                        </p:cTn>
+                                        <p:tgtEl>
+                                          <p:spTgt spid="1026"/>
+                                        </p:tgtEl>
+                                        <p:attrNameLst>
+                                          <p:attrName>style.visibility</p:attrName>
+                                        </p:attrNameLst>
+                                      </p:cBhvr>
+                                      <p:to>
+                                        <p:strVal val="visible"/>
+                                      </p:to>
+                                    </p:set>
+                                  </p:childTnLst>
+                                </p:cTn>
+                              </p:par>
+                              <p:par>
+                                <p:cTn id="18" presetID="1" presetClass="entr" presetSubtype="0" fill="hold" grpId="0" nodeType="withEffect">
+                                  <p:stCondLst>
+                                    <p:cond delay="0"/>
+                                  </p:stCondLst>
+                                  <p:childTnLst>
+                                    <p:set>
+                                      <p:cBhvr>
+                                        <p:cTn id="19" dur="1" fill="hold">
+                                          <p:stCondLst>
+                                            <p:cond delay="0"/>
+                                          </p:stCondLst>
+                                        </p:cTn>
+                                        <p:tgtEl>
+                                          <p:spTgt spid="9"/>
+                                        </p:tgtEl>
+                                        <p:attrNameLst>
+                                          <p:attrName>style.visibility</p:attrName>
+                                        </p:attrNameLst>
+                                      </p:cBhvr>
+                                      <p:to>
+                                        <p:strVal val="visible"/>
+                                      </p:to>
+                                    </p:set>
+                                  </p:childTnLst>
+                                </p:cTn>
+                              </p:par>
+                              <p:par>
+                                <p:cTn id="20" presetID="1" presetClass="entr" presetSubtype="0" fill="hold" grpId="0" nodeType="withEffect">
+                                  <p:stCondLst>
+                                    <p:cond delay="0"/>
+                                  </p:stCondLst>
+                                  <p:childTnLst>
+                                    <p:set>
+                                      <p:cBhvr>
+                                        <p:cTn id="21" dur="1" fill="hold">
+                                          <p:stCondLst>
+                                            <p:cond delay="0"/>
+                                          </p:stCondLst>
+                                        </p:cTn>
+                                        <p:tgtEl>
+                                          <p:spTgt spid="15">
+                                            <p:txEl>
+                                              <p:pRg st="0" end="0"/>
+                                            </p:txEl>
+                                          </p:spTgt>
+                                        </p:tgtEl>
+                                        <p:attrNameLst>
+                                          <p:attrName>style.visibility</p:attrName>
+                                        </p:attrNameLst>
+                                      </p:cBhvr>
+                                      <p:to>
+                                        <p:strVal val="visible"/>
+                                      </p:to>
+                                    </p:set>
+                                  </p:childTnLst>
+                                </p:cTn>
+                              </p:par>
+                              <p:par>
+                                <p:cTn id="22" presetID="1" presetClass="entr" presetSubtype="0" fill="hold" grpId="0" nodeType="withEffect">
+                                  <p:stCondLst>
+                                    <p:cond delay="0"/>
+                                  </p:stCondLst>
+                                  <p:childTnLst>
+                                    <p:set>
+                                      <p:cBhvr>
+                                        <p:cTn id="23" dur="1" fill="hold">
+                                          <p:stCondLst>
+                                            <p:cond delay="0"/>
+                                          </p:stCondLst>
+                                        </p:cTn>
+                                        <p:tgtEl>
+                                          <p:spTgt spid="15">
+                                            <p:txEl>
+                                              <p:pRg st="1" end="1"/>
+                                            </p:txEl>
+                                          </p:spTgt>
+                                        </p:tgtEl>
+                                        <p:attrNameLst>
+                                          <p:attrName>style.visibility</p:attrName>
+                                        </p:attrNameLst>
+                                      </p:cBhvr>
+                                      <p:to>
+                                        <p:strVal val="visible"/>
+                                      </p:to>
+                                    </p:set>
+                                  </p:childTnLst>
+                                </p:cTn>
+                              </p:par>
+                              <p:par>
+                                <p:cTn id="24" presetID="1" presetClass="entr" presetSubtype="0" fill="hold" grpId="0" nodeType="withEffect">
+                                  <p:stCondLst>
+                                    <p:cond delay="0"/>
+                                  </p:stCondLst>
+                                  <p:childTnLst>
+                                    <p:set>
+                                      <p:cBhvr>
+                                        <p:cTn id="25" dur="1" fill="hold">
+                                          <p:stCondLst>
+                                            <p:cond delay="0"/>
+                                          </p:stCondLst>
+                                        </p:cTn>
+                                        <p:tgtEl>
+                                          <p:spTgt spid="15">
+                                            <p:txEl>
+                                              <p:pRg st="2" end="2"/>
+                                            </p:txEl>
+                                          </p:spTgt>
+                                        </p:tgtEl>
+                                        <p:attrNameLst>
+                                          <p:attrName>style.visibility</p:attrName>
+                                        </p:attrNameLst>
+                                      </p:cBhvr>
+                                      <p:to>
+                                        <p:strVal val="visible"/>
+                                      </p:to>
+                                    </p:set>
+                                  </p:childTnLst>
+                                </p:cTn>
+                              </p:par>
+                            </p:childTnLst>
+                          </p:cTn>
+                        </p:par>
+                      </p:childTnLst>
+                    </p:cTn>
+                  </p:par>
+                </p:childTnLst>
+              </p:cTn>
+              <p:prevCondLst>
+                <p:cond evt="onPrev" delay="0">
+                  <p:tgtEl>
+                    <p:sldTgt/>
+                  </p:tgtEl>
+                </p:cond>
+              </p:prevCondLst>
+              <p:nextCondLst>
+                <p:cond evt="onNext" delay="0">
+                  <p:tgtEl>
+                    <p:sldTgt/>
+                  </p:tgtEl>
+                </p:cond>
+              </p:nextCondLst>
+            </p:seq>
+          </p:childTnLst>
+        </p:cTn>
+      </p:par>
+    </p:tnLst>
+    <p:bldLst>
+      <p:bldP spid="15" grpId="0" build="p"/>
+      <p:bldP spid="9" grpId="0"/>
+    </p:bldLst>
+  </p:timing>
+</p:sld>
+</file>
+
+<file path=ppt/slides/slide6.xml><?xml version="1.0" encoding="utf-8"?>
+<p:sld xmlns:a="http://schemas.openxmlformats.org/drawingml/2006/main" xmlns:r="http://schemas.openxmlformats.org/officeDocument/2006/relationships" xmlns:p="http://schemas.openxmlformats.org/presentationml/2006/main">
+  <p:cSld>
+    <p:spTree>
+      <p:nvGrpSpPr>
+        <p:cNvPr id="1" name=""/>
+        <p:cNvGrpSpPr/>
+        <p:nvPr/>
+      </p:nvGrpSpPr>
+      <p:grpSpPr>
+        <a:xfrm>
+          <a:off x="0" y="0"/>
+          <a:ext cx="0" cy="0"/>
+          <a:chOff x="0" y="0"/>
+          <a:chExt cx="0" cy="0"/>
+        </a:xfrm>
+      </p:grpSpPr>
+      <p:sp>
+        <p:nvSpPr>
+          <p:cNvPr id="3" name="Rectangle 2"/>
+          <p:cNvSpPr/>
+          <p:nvPr/>
+        </p:nvSpPr>
+        <p:spPr>
+          <a:xfrm>
+            <a:off x="496400" y="1865745"/>
+            <a:ext cx="11179044" cy="4563931"/>
+          </a:xfrm>
+          <a:prstGeom prst="rect">
+            <a:avLst/>
+          </a:prstGeom>
+          <a:solidFill>
+            <a:schemeClr val="bg1"/>
+          </a:solidFill>
+          <a:effectLst>
+            <a:outerShdw blurRad="50800" dist="38100" dir="5400000" algn="t" rotWithShape="0">
+              <a:prstClr val="black">
+                <a:alpha val="17000"/>
+              </a:prstClr>
+            </a:outerShdw>
+          </a:effectLst>
+        </p:spPr>
+        <p:style>
+          <a:lnRef idx="2">
+            <a:schemeClr val="accent1">
+              <a:shade val="50000"/>
+            </a:schemeClr>
+          </a:lnRef>
+          <a:fillRef idx="1">
+            <a:schemeClr val="accent1"/>
+          </a:fillRef>
+          <a:effectRef idx="0">
+            <a:schemeClr val="accent1"/>
+          </a:effectRef>
+          <a:fontRef idx="minor">
+            <a:schemeClr val="lt1"/>
+          </a:fontRef>
+        </p:style>
+        <p:txBody>
+          <a:bodyPr rtlCol="0" anchor="ctr"/>
+          <a:lstStyle/>
+          <a:p>
+            <a:pPr algn="ctr"/>
+            <a:endParaRPr lang="en-US"/>
+          </a:p>
+        </p:txBody>
+      </p:sp>
+      <p:sp>
+        <p:nvSpPr>
+          <p:cNvPr id="2" name="Title 1"/>
+          <p:cNvSpPr>
+            <a:spLocks noGrp="1"/>
+          </p:cNvSpPr>
+          <p:nvPr>
+            <p:ph type="title"/>
+          </p:nvPr>
+        </p:nvSpPr>
+        <p:spPr>
+          <a:xfrm>
+            <a:off x="643794" y="326979"/>
+            <a:ext cx="8610599" cy="1325563"/>
+          </a:xfrm>
+        </p:spPr>
+        <p:txBody>
+          <a:bodyPr/>
+          <a:lstStyle/>
+          <a:p>
+            <a:r>
+              <a:rPr lang="en-US" dirty="0" smtClean="0">
+                <a:solidFill>
+                  <a:schemeClr val="bg1"/>
+                </a:solidFill>
+                <a:latin typeface="Arial" charset="0"/>
+                <a:ea typeface="Arial" charset="0"/>
+                <a:cs typeface="Arial" charset="0"/>
+              </a:rPr>
+              <a:t>Technologies</a:t>
+            </a:r>
+            <a:endParaRPr lang="en-US" dirty="0">
+              <a:solidFill>
+                <a:schemeClr val="bg1"/>
+              </a:solidFill>
+              <a:latin typeface="Arial" charset="0"/>
+              <a:ea typeface="Arial" charset="0"/>
+              <a:cs typeface="Arial" charset="0"/>
+            </a:endParaRPr>
+          </a:p>
+        </p:txBody>
+      </p:sp>
+      <p:cxnSp>
+        <p:nvCxnSpPr>
+          <p:cNvPr id="6" name="Straight Connector 5"/>
+          <p:cNvCxnSpPr/>
+          <p:nvPr/>
+        </p:nvCxnSpPr>
+        <p:spPr>
+          <a:xfrm>
+            <a:off x="496400" y="565028"/>
+            <a:ext cx="0" cy="785308"/>
+          </a:xfrm>
+          <a:prstGeom prst="line">
+            <a:avLst/>
+          </a:prstGeom>
+          <a:ln w="25400">
+            <a:solidFill>
+              <a:schemeClr val="bg1"/>
+            </a:solidFill>
+          </a:ln>
+        </p:spPr>
+        <p:style>
+          <a:lnRef idx="1">
+            <a:schemeClr val="accent1"/>
+          </a:lnRef>
+          <a:fillRef idx="0">
+            <a:schemeClr val="accent1"/>
+          </a:fillRef>
+          <a:effectRef idx="0">
+            <a:schemeClr val="accent1"/>
+          </a:effectRef>
+          <a:fontRef idx="minor">
+            <a:schemeClr val="tx1"/>
+          </a:fontRef>
+        </p:style>
+      </p:cxnSp>
+      <p:sp>
+        <p:nvSpPr>
+          <p:cNvPr id="7" name="AutoShape 2" descr="https://camo.githubusercontent.com/d18f4a7a64244f703efcb322bf298dcb4ca38856/68747470733a2f2f7765627061636b2e6a732e6f72672f6173736574732f69636f6e2d7371756172652d6269672e737667"/>
+          <p:cNvSpPr>
+            <a:spLocks noChangeAspect="1" noChangeArrowheads="1"/>
+          </p:cNvSpPr>
+          <p:nvPr/>
+        </p:nvSpPr>
+        <p:spPr bwMode="auto">
+          <a:xfrm>
+            <a:off x="1662546" y="1865745"/>
+            <a:ext cx="1905000" cy="1905000"/>
+          </a:xfrm>
+          <a:prstGeom prst="rect">
+            <a:avLst/>
+          </a:prstGeom>
+          <a:noFill/>
+          <a:extLst>
+            <a:ext uri="{909E8E84-426E-40DD-AFC4-6F175D3DCCD1}">
+              <a14:hiddenFill xmlns:a14="http://schemas.microsoft.com/office/drawing/2010/main">
+                <a:solidFill>
+                  <a:srgbClr val="FFFFFF"/>
+                </a:solidFill>
+              </a14:hiddenFill>
+            </a:ext>
+          </a:extLst>
+        </p:spPr>
+        <p:txBody>
+          <a:bodyPr vert="horz" wrap="square" lIns="91440" tIns="45720" rIns="91440" bIns="45720" numCol="1" anchor="t" anchorCtr="0" compatLnSpc="1">
+            <a:prstTxWarp prst="textNoShape">
+              <a:avLst/>
+            </a:prstTxWarp>
+          </a:bodyPr>
+          <a:lstStyle/>
+          <a:p>
+            <a:endParaRPr lang="en-US"/>
+          </a:p>
+        </p:txBody>
+      </p:sp>
+      <p:pic>
+        <p:nvPicPr>
+          <p:cNvPr id="1030" name="Picture 6" descr="ogo-on-white-bg.png"/>
+          <p:cNvPicPr>
+            <a:picLocks noChangeAspect="1" noChangeArrowheads="1"/>
+          </p:cNvPicPr>
+          <p:nvPr/>
+        </p:nvPicPr>
+        <p:blipFill>
+          <a:blip r:embed="rId2">
+            <a:extLst>
+              <a:ext uri="{28A0092B-C50C-407E-A947-70E740481C1C}">
+                <a14:useLocalDpi xmlns:a14="http://schemas.microsoft.com/office/drawing/2010/main" val="0"/>
+              </a:ext>
+            </a:extLst>
+          </a:blip>
+          <a:srcRect/>
+          <a:stretch>
+            <a:fillRect/>
+          </a:stretch>
+        </p:blipFill>
+        <p:spPr bwMode="auto">
+          <a:xfrm>
+            <a:off x="6615310" y="3276586"/>
+            <a:ext cx="3748756" cy="1458913"/>
+          </a:xfrm>
+          <a:prstGeom prst="rect">
+            <a:avLst/>
+          </a:prstGeom>
+          <a:noFill/>
+          <a:extLst>
+            <a:ext uri="{909E8E84-426E-40DD-AFC4-6F175D3DCCD1}">
+              <a14:hiddenFill xmlns:a14="http://schemas.microsoft.com/office/drawing/2010/main">
+                <a:solidFill>
+                  <a:srgbClr val="FFFFFF"/>
+                </a:solidFill>
+              </a14:hiddenFill>
+            </a:ext>
+          </a:extLst>
+        </p:spPr>
+      </p:pic>
+      <p:pic>
+        <p:nvPicPr>
+          <p:cNvPr id="10" name="Picture 9"/>
+          <p:cNvPicPr>
+            <a:picLocks noChangeAspect="1"/>
+          </p:cNvPicPr>
+          <p:nvPr/>
+        </p:nvPicPr>
+        <p:blipFill>
+          <a:blip r:embed="rId3">
+            <a:duotone>
+              <a:prstClr val="black"/>
+              <a:schemeClr val="tx2">
+                <a:tint val="45000"/>
+                <a:satMod val="400000"/>
+              </a:schemeClr>
+            </a:duotone>
+            <a:extLst>
+              <a:ext uri="{28A0092B-C50C-407E-A947-70E740481C1C}">
+                <a14:useLocalDpi xmlns:a14="http://schemas.microsoft.com/office/drawing/2010/main" val="0"/>
+              </a:ext>
+            </a:extLst>
+          </a:blip>
+          <a:stretch>
+            <a:fillRect/>
+          </a:stretch>
+        </p:blipFill>
+        <p:spPr>
+          <a:xfrm>
+            <a:off x="1142719" y="5135968"/>
+            <a:ext cx="2980875" cy="713507"/>
+          </a:xfrm>
+          <a:prstGeom prst="rect">
+            <a:avLst/>
+          </a:prstGeom>
+          <a:noFill/>
+        </p:spPr>
+      </p:pic>
+      <p:pic>
+        <p:nvPicPr>
+          <p:cNvPr id="11" name="Picture 10"/>
+          <p:cNvPicPr>
+            <a:picLocks noChangeAspect="1"/>
+          </p:cNvPicPr>
+          <p:nvPr/>
+        </p:nvPicPr>
+        <p:blipFill>
+          <a:blip r:embed="rId4">
+            <a:extLst>
+              <a:ext uri="{28A0092B-C50C-407E-A947-70E740481C1C}">
+                <a14:useLocalDpi xmlns:a14="http://schemas.microsoft.com/office/drawing/2010/main" val="0"/>
+              </a:ext>
+            </a:extLst>
+          </a:blip>
+          <a:stretch>
+            <a:fillRect/>
+          </a:stretch>
+        </p:blipFill>
+        <p:spPr>
+          <a:xfrm>
+            <a:off x="7663148" y="2397975"/>
+            <a:ext cx="3565590" cy="545597"/>
+          </a:xfrm>
+          <a:prstGeom prst="rect">
+            <a:avLst/>
+          </a:prstGeom>
+        </p:spPr>
+      </p:pic>
+      <p:pic>
+        <p:nvPicPr>
+          <p:cNvPr id="1032" name="Picture 8" descr="ixi.js logo"/>
+          <p:cNvPicPr>
+            <a:picLocks noChangeAspect="1" noChangeArrowheads="1"/>
+          </p:cNvPicPr>
+          <p:nvPr/>
+        </p:nvPicPr>
+        <p:blipFill>
+          <a:blip r:embed="rId5">
+            <a:extLst>
+              <a:ext uri="{28A0092B-C50C-407E-A947-70E740481C1C}">
+                <a14:useLocalDpi xmlns:a14="http://schemas.microsoft.com/office/drawing/2010/main" val="0"/>
+              </a:ext>
+            </a:extLst>
+          </a:blip>
+          <a:srcRect/>
+          <a:stretch>
+            <a:fillRect/>
+          </a:stretch>
+        </p:blipFill>
+        <p:spPr bwMode="auto">
+          <a:xfrm>
+            <a:off x="7864046" y="5044748"/>
+            <a:ext cx="3544311" cy="895945"/>
+          </a:xfrm>
+          <a:prstGeom prst="rect">
+            <a:avLst/>
+          </a:prstGeom>
+          <a:noFill/>
+          <a:extLst>
+            <a:ext uri="{909E8E84-426E-40DD-AFC4-6F175D3DCCD1}">
+              <a14:hiddenFill xmlns:a14="http://schemas.microsoft.com/office/drawing/2010/main">
+                <a:solidFill>
+                  <a:srgbClr val="FFFFFF"/>
+                </a:solidFill>
+              </a14:hiddenFill>
+            </a:ext>
+          </a:extLst>
+        </p:spPr>
+      </p:pic>
+      <p:pic>
+        <p:nvPicPr>
+          <p:cNvPr id="8" name="Picture 6" descr="https://duckduckgo.com/i/d006c491.png"/>
+          <p:cNvPicPr>
+            <a:picLocks noChangeAspect="1" noChangeArrowheads="1"/>
+          </p:cNvPicPr>
+          <p:nvPr/>
+        </p:nvPicPr>
+        <p:blipFill>
+          <a:blip r:embed="rId6">
+            <a:extLst>
+              <a:ext uri="{28A0092B-C50C-407E-A947-70E740481C1C}">
+                <a14:useLocalDpi xmlns:a14="http://schemas.microsoft.com/office/drawing/2010/main" val="0"/>
+              </a:ext>
+            </a:extLst>
+          </a:blip>
+          <a:srcRect/>
+          <a:stretch>
+            <a:fillRect/>
+          </a:stretch>
+        </p:blipFill>
+        <p:spPr bwMode="auto">
+          <a:xfrm>
+            <a:off x="4254534" y="2402013"/>
+            <a:ext cx="2139433" cy="832464"/>
+          </a:xfrm>
+          <a:prstGeom prst="rect">
+            <a:avLst/>
+          </a:prstGeom>
+          <a:noFill/>
+          <a:extLst>
+            <a:ext uri="{909E8E84-426E-40DD-AFC4-6F175D3DCCD1}">
+              <a14:hiddenFill xmlns:a14="http://schemas.microsoft.com/office/drawing/2010/main">
+                <a:solidFill>
+                  <a:srgbClr val="FFFFFF"/>
+                </a:solidFill>
+              </a14:hiddenFill>
+            </a:ext>
+          </a:extLst>
+        </p:spPr>
+      </p:pic>
+      <p:pic>
+        <p:nvPicPr>
+          <p:cNvPr id="12" name="Picture 11"/>
+          <p:cNvPicPr>
+            <a:picLocks noChangeAspect="1"/>
+          </p:cNvPicPr>
+          <p:nvPr/>
+        </p:nvPicPr>
+        <p:blipFill>
+          <a:blip r:embed="rId7">
+            <a:extLst>
+              <a:ext uri="{28A0092B-C50C-407E-A947-70E740481C1C}">
+                <a14:useLocalDpi xmlns:a14="http://schemas.microsoft.com/office/drawing/2010/main" val="0"/>
+              </a:ext>
+            </a:extLst>
+          </a:blip>
+          <a:stretch>
+            <a:fillRect/>
+          </a:stretch>
+        </p:blipFill>
+        <p:spPr>
+          <a:xfrm>
+            <a:off x="4643132" y="3906598"/>
+            <a:ext cx="1350687" cy="1350687"/>
+          </a:xfrm>
+          <a:prstGeom prst="rect">
+            <a:avLst/>
+          </a:prstGeom>
+        </p:spPr>
+      </p:pic>
+      <p:pic>
+        <p:nvPicPr>
+          <p:cNvPr id="13" name="Picture 12"/>
+          <p:cNvPicPr>
+            <a:picLocks noChangeAspect="1"/>
+          </p:cNvPicPr>
+          <p:nvPr/>
+        </p:nvPicPr>
+        <p:blipFill>
+          <a:blip r:embed="rId8">
+            <a:extLst>
+              <a:ext uri="{28A0092B-C50C-407E-A947-70E740481C1C}">
+                <a14:useLocalDpi xmlns:a14="http://schemas.microsoft.com/office/drawing/2010/main" val="0"/>
+              </a:ext>
+            </a:extLst>
+          </a:blip>
+          <a:stretch>
+            <a:fillRect/>
+          </a:stretch>
+        </p:blipFill>
+        <p:spPr>
+          <a:xfrm>
+            <a:off x="863732" y="2004935"/>
+            <a:ext cx="3131033" cy="3131033"/>
+          </a:xfrm>
+          <a:prstGeom prst="rect">
+            <a:avLst/>
+          </a:prstGeom>
+        </p:spPr>
+      </p:pic>
+    </p:spTree>
+    <p:extLst>
+      <p:ext uri="{BB962C8B-B14F-4D97-AF65-F5344CB8AC3E}">
+        <p14:creationId xmlns:p14="http://schemas.microsoft.com/office/powerpoint/2010/main" val="1770687864"/>
+      </p:ext>
+    </p:extLst>
+  </p:cSld>
+  <p:clrMapOvr>
+    <a:masterClrMapping/>
+  </p:clrMapOvr>
+  <mc:AlternateContent xmlns:mc="http://schemas.openxmlformats.org/markup-compatibility/2006">
+    <mc:Choice xmlns:p14="http://schemas.microsoft.com/office/powerpoint/2010/main" Requires="p14">
+      <p:transition p14:dur="0"/>
+    </mc:Choice>
+    <mc:Fallback>
+      <p:transition/>
+    </mc:Fallback>
+  </mc:AlternateContent>
+  <p:timing>
+    <p:tnLst>
+      <p:par>
+        <p:cTn id="1" dur="indefinite" restart="never" nodeType="tmRoot"/>
+      </p:par>
+    </p:tnLst>
+  </p:timing>
+</p:sld>
+</file>
+
+<file path=ppt/slides/slide7.xml><?xml version="1.0" encoding="utf-8"?>
+<p:sld xmlns:a="http://schemas.openxmlformats.org/drawingml/2006/main" xmlns:r="http://schemas.openxmlformats.org/officeDocument/2006/relationships" xmlns:p="http://schemas.openxmlformats.org/presentationml/2006/main">
+  <p:cSld>
+    <p:spTree>
+      <p:nvGrpSpPr>
+        <p:cNvPr id="1" name=""/>
+        <p:cNvGrpSpPr/>
+        <p:nvPr/>
+      </p:nvGrpSpPr>
+      <p:grpSpPr>
+        <a:xfrm>
+          <a:off x="0" y="0"/>
+          <a:ext cx="0" cy="0"/>
+          <a:chOff x="0" y="0"/>
+          <a:chExt cx="0" cy="0"/>
+        </a:xfrm>
+      </p:grpSpPr>
+      <p:sp>
+        <p:nvSpPr>
+          <p:cNvPr id="32" name="Rectangle 31"/>
+          <p:cNvSpPr/>
+          <p:nvPr/>
+        </p:nvSpPr>
+        <p:spPr>
+          <a:xfrm>
+            <a:off x="496400" y="1865745"/>
+            <a:ext cx="11179044" cy="4563931"/>
+          </a:xfrm>
+          <a:prstGeom prst="rect">
+            <a:avLst/>
+          </a:prstGeom>
+          <a:solidFill>
+            <a:schemeClr val="bg1"/>
+          </a:solidFill>
+          <a:effectLst>
+            <a:outerShdw blurRad="50800" dist="38100" dir="5400000" algn="t" rotWithShape="0">
+              <a:prstClr val="black">
+                <a:alpha val="17000"/>
+              </a:prstClr>
+            </a:outerShdw>
+          </a:effectLst>
+        </p:spPr>
+        <p:style>
+          <a:lnRef idx="2">
+            <a:schemeClr val="accent1">
+              <a:shade val="50000"/>
+            </a:schemeClr>
+          </a:lnRef>
+          <a:fillRef idx="1">
+            <a:schemeClr val="accent1"/>
+          </a:fillRef>
+          <a:effectRef idx="0">
+            <a:schemeClr val="accent1"/>
+          </a:effectRef>
+          <a:fontRef idx="minor">
+            <a:schemeClr val="lt1"/>
+          </a:fontRef>
+        </p:style>
+        <p:txBody>
+          <a:bodyPr rtlCol="0" anchor="ctr"/>
+          <a:lstStyle/>
+          <a:p>
+            <a:pPr algn="ctr"/>
+            <a:endParaRPr lang="en-US"/>
+          </a:p>
+        </p:txBody>
+      </p:sp>
+      <p:cxnSp>
+        <p:nvCxnSpPr>
+          <p:cNvPr id="6" name="Straight Connector 5"/>
+          <p:cNvCxnSpPr/>
+          <p:nvPr/>
+        </p:nvCxnSpPr>
+        <p:spPr>
+          <a:xfrm>
+            <a:off x="496400" y="565028"/>
+            <a:ext cx="0" cy="785308"/>
+          </a:xfrm>
+          <a:prstGeom prst="line">
+            <a:avLst/>
+          </a:prstGeom>
+          <a:ln w="25400">
+            <a:solidFill>
+              <a:schemeClr val="bg1"/>
+            </a:solidFill>
+          </a:ln>
+        </p:spPr>
+        <p:style>
+          <a:lnRef idx="1">
+            <a:schemeClr val="accent1"/>
+          </a:lnRef>
+          <a:fillRef idx="0">
+            <a:schemeClr val="accent1"/>
+          </a:fillRef>
+          <a:effectRef idx="0">
+            <a:schemeClr val="accent1"/>
+          </a:effectRef>
+          <a:fontRef idx="minor">
+            <a:schemeClr val="tx1"/>
+          </a:fontRef>
+        </p:style>
+      </p:cxnSp>
+      <p:sp>
+        <p:nvSpPr>
+          <p:cNvPr id="7" name="AutoShape 2" descr="https://camo.githubusercontent.com/d18f4a7a64244f703efcb322bf298dcb4ca38856/68747470733a2f2f7765627061636b2e6a732e6f72672f6173736574732f69636f6e2d7371756172652d6269672e737667"/>
+          <p:cNvSpPr>
+            <a:spLocks noChangeAspect="1" noChangeArrowheads="1"/>
+          </p:cNvSpPr>
+          <p:nvPr/>
+        </p:nvSpPr>
+        <p:spPr bwMode="auto">
+          <a:xfrm>
+            <a:off x="1662546" y="1865745"/>
+            <a:ext cx="1905000" cy="1905000"/>
+          </a:xfrm>
+          <a:prstGeom prst="rect">
+            <a:avLst/>
+          </a:prstGeom>
+          <a:noFill/>
+          <a:extLst>
+            <a:ext uri="{909E8E84-426E-40DD-AFC4-6F175D3DCCD1}">
+              <a14:hiddenFill xmlns:a14="http://schemas.microsoft.com/office/drawing/2010/main">
+                <a:solidFill>
+                  <a:srgbClr val="FFFFFF"/>
+                </a:solidFill>
+              </a14:hiddenFill>
+            </a:ext>
+          </a:extLst>
+        </p:spPr>
+        <p:txBody>
+          <a:bodyPr vert="horz" wrap="square" lIns="91440" tIns="45720" rIns="91440" bIns="45720" numCol="1" anchor="t" anchorCtr="0" compatLnSpc="1">
+            <a:prstTxWarp prst="textNoShape">
+              <a:avLst/>
+            </a:prstTxWarp>
+          </a:bodyPr>
+          <a:lstStyle/>
+          <a:p>
+            <a:endParaRPr lang="en-US"/>
+          </a:p>
+        </p:txBody>
+      </p:sp>
+      <p:pic>
+        <p:nvPicPr>
+          <p:cNvPr id="13" name="Picture 12"/>
+          <p:cNvPicPr>
+            <a:picLocks noChangeAspect="1"/>
+          </p:cNvPicPr>
+          <p:nvPr/>
+        </p:nvPicPr>
+        <p:blipFill>
+          <a:blip r:embed="rId2">
+            <a:duotone>
+              <a:prstClr val="black"/>
+              <a:schemeClr val="tx2">
+                <a:tint val="45000"/>
+                <a:satMod val="400000"/>
+              </a:schemeClr>
+            </a:duotone>
+            <a:extLst>
+              <a:ext uri="{28A0092B-C50C-407E-A947-70E740481C1C}">
+                <a14:useLocalDpi xmlns:a14="http://schemas.microsoft.com/office/drawing/2010/main" val="0"/>
+              </a:ext>
+            </a:extLst>
+          </a:blip>
+          <a:stretch>
+            <a:fillRect/>
+          </a:stretch>
+        </p:blipFill>
+        <p:spPr>
+          <a:xfrm>
+            <a:off x="1142719" y="5135968"/>
+            <a:ext cx="2980875" cy="713507"/>
+          </a:xfrm>
+          <a:prstGeom prst="rect">
+            <a:avLst/>
+          </a:prstGeom>
+          <a:noFill/>
+        </p:spPr>
+      </p:pic>
+      <p:sp>
+        <p:nvSpPr>
+          <p:cNvPr id="16" name="Content Placeholder 3"/>
+          <p:cNvSpPr>
+            <a:spLocks noGrp="1"/>
+          </p:cNvSpPr>
+          <p:nvPr>
+            <p:ph idx="1"/>
+          </p:nvPr>
+        </p:nvSpPr>
+        <p:spPr>
+          <a:xfrm>
+            <a:off x="838200" y="1989255"/>
+            <a:ext cx="10515600" cy="868245"/>
+          </a:xfrm>
+        </p:spPr>
+        <p:txBody>
+          <a:bodyPr>
+            <a:normAutofit fontScale="70000" lnSpcReduction="20000"/>
+          </a:bodyPr>
+          <a:lstStyle/>
+          <a:p>
+            <a:r>
+              <a:rPr lang="en-US" dirty="0" smtClean="0">
+                <a:latin typeface="Arial" charset="0"/>
+                <a:ea typeface="Arial" charset="0"/>
+                <a:cs typeface="Arial" charset="0"/>
+              </a:rPr>
+              <a:t>TypeScript is a </a:t>
+            </a:r>
+            <a:r>
+              <a:rPr lang="en-US" b="1" dirty="0" smtClean="0">
+                <a:latin typeface="Arial" charset="0"/>
+                <a:ea typeface="Arial" charset="0"/>
+                <a:cs typeface="Arial" charset="0"/>
+              </a:rPr>
+              <a:t>strict </a:t>
+            </a:r>
+            <a:r>
+              <a:rPr lang="en-US" dirty="0" smtClean="0">
+                <a:latin typeface="Arial" charset="0"/>
+                <a:ea typeface="Arial" charset="0"/>
+                <a:cs typeface="Arial" charset="0"/>
+              </a:rPr>
+              <a:t>syntactical </a:t>
+            </a:r>
+            <a:r>
+              <a:rPr lang="en-US" b="1" dirty="0" smtClean="0">
+                <a:latin typeface="Arial" charset="0"/>
+                <a:ea typeface="Arial" charset="0"/>
+                <a:cs typeface="Arial" charset="0"/>
+              </a:rPr>
+              <a:t>superset </a:t>
+            </a:r>
+            <a:r>
+              <a:rPr lang="en-US" dirty="0" smtClean="0">
+                <a:latin typeface="Arial" charset="0"/>
+                <a:ea typeface="Arial" charset="0"/>
+                <a:cs typeface="Arial" charset="0"/>
+              </a:rPr>
+              <a:t>of JavaScript.</a:t>
+            </a:r>
+          </a:p>
+          <a:p>
+            <a:r>
+              <a:rPr lang="en-US" dirty="0" smtClean="0">
+                <a:latin typeface="Arial" charset="0"/>
+                <a:ea typeface="Arial" charset="0"/>
+                <a:cs typeface="Arial" charset="0"/>
+              </a:rPr>
+              <a:t>TypeScript </a:t>
+            </a:r>
+            <a:r>
+              <a:rPr lang="en-US" b="1" dirty="0" smtClean="0">
+                <a:latin typeface="Arial" charset="0"/>
+                <a:ea typeface="Arial" charset="0"/>
+                <a:cs typeface="Arial" charset="0"/>
+              </a:rPr>
+              <a:t>“transpiles” </a:t>
+            </a:r>
+            <a:r>
+              <a:rPr lang="en-US" dirty="0" smtClean="0">
+                <a:latin typeface="Arial" charset="0"/>
+                <a:ea typeface="Arial" charset="0"/>
+                <a:cs typeface="Arial" charset="0"/>
+              </a:rPr>
+              <a:t>to plain JavaScript, and its compiler can compile to many different ECMAScript standards.</a:t>
+            </a:r>
+            <a:endParaRPr lang="en-US" b="1" dirty="0">
+              <a:latin typeface="Arial" charset="0"/>
+              <a:ea typeface="Arial" charset="0"/>
+              <a:cs typeface="Arial" charset="0"/>
+            </a:endParaRPr>
+          </a:p>
+        </p:txBody>
+      </p:sp>
+      <p:pic>
+        <p:nvPicPr>
+          <p:cNvPr id="2050" name="Picture 2" descr="ttps://i.imgur.com/GRTZQyP.png"/>
+          <p:cNvPicPr>
+            <a:picLocks noChangeAspect="1" noChangeArrowheads="1"/>
+          </p:cNvPicPr>
+          <p:nvPr/>
+        </p:nvPicPr>
+        <p:blipFill>
+          <a:blip r:embed="rId3">
+            <a:extLst>
+              <a:ext uri="{28A0092B-C50C-407E-A947-70E740481C1C}">
+                <a14:useLocalDpi xmlns:a14="http://schemas.microsoft.com/office/drawing/2010/main" val="0"/>
+              </a:ext>
+            </a:extLst>
+          </a:blip>
+          <a:srcRect/>
+          <a:stretch>
+            <a:fillRect/>
+          </a:stretch>
+        </p:blipFill>
+        <p:spPr bwMode="auto">
+          <a:xfrm>
+            <a:off x="1142719" y="2981010"/>
+            <a:ext cx="3408499" cy="3217063"/>
+          </a:xfrm>
+          <a:prstGeom prst="rect">
+            <a:avLst/>
+          </a:prstGeom>
+          <a:noFill/>
+          <a:extLst>
+            <a:ext uri="{909E8E84-426E-40DD-AFC4-6F175D3DCCD1}">
+              <a14:hiddenFill xmlns:a14="http://schemas.microsoft.com/office/drawing/2010/main">
+                <a:solidFill>
+                  <a:srgbClr val="FFFFFF"/>
+                </a:solidFill>
+              </a14:hiddenFill>
+            </a:ext>
+          </a:extLst>
+        </p:spPr>
+      </p:pic>
+      <p:sp>
+        <p:nvSpPr>
+          <p:cNvPr id="3" name="Right Arrow 2"/>
+          <p:cNvSpPr/>
+          <p:nvPr/>
+        </p:nvSpPr>
+        <p:spPr>
+          <a:xfrm>
+            <a:off x="5052064" y="4201131"/>
+            <a:ext cx="1953491" cy="810491"/>
+          </a:xfrm>
+          <a:prstGeom prst="rightArrow">
+            <a:avLst/>
+          </a:prstGeom>
+        </p:spPr>
+        <p:style>
+          <a:lnRef idx="2">
+            <a:schemeClr val="dk1">
+              <a:shade val="50000"/>
+            </a:schemeClr>
+          </a:lnRef>
+          <a:fillRef idx="1">
+            <a:schemeClr val="dk1"/>
+          </a:fillRef>
+          <a:effectRef idx="0">
+            <a:schemeClr val="dk1"/>
+          </a:effectRef>
+          <a:fontRef idx="minor">
+            <a:schemeClr val="lt1"/>
+          </a:fontRef>
+        </p:style>
+        <p:txBody>
+          <a:bodyPr rtlCol="0" anchor="ctr"/>
+          <a:lstStyle/>
+          <a:p>
+            <a:pPr algn="ctr"/>
+            <a:r>
+              <a:rPr lang="en-US" dirty="0" smtClean="0"/>
+              <a:t>Transpiler</a:t>
+            </a:r>
+            <a:endParaRPr lang="en-US" dirty="0"/>
+          </a:p>
+        </p:txBody>
+      </p:sp>
+      <p:pic>
+        <p:nvPicPr>
+          <p:cNvPr id="2052" name="Picture 4" descr="ttps://i.imgur.com/5jBL26C.png"/>
+          <p:cNvPicPr>
+            <a:picLocks noChangeAspect="1" noChangeArrowheads="1"/>
+          </p:cNvPicPr>
+          <p:nvPr/>
+        </p:nvPicPr>
+        <p:blipFill>
+          <a:blip r:embed="rId4">
+            <a:extLst>
+              <a:ext uri="{28A0092B-C50C-407E-A947-70E740481C1C}">
+                <a14:useLocalDpi xmlns:a14="http://schemas.microsoft.com/office/drawing/2010/main" val="0"/>
+              </a:ext>
+            </a:extLst>
+          </a:blip>
+          <a:srcRect/>
+          <a:stretch>
+            <a:fillRect/>
+          </a:stretch>
+        </p:blipFill>
+        <p:spPr bwMode="auto">
+          <a:xfrm>
+            <a:off x="7506401" y="2981009"/>
+            <a:ext cx="3467572" cy="3217063"/>
+          </a:xfrm>
+          <a:prstGeom prst="rect">
+            <a:avLst/>
+          </a:prstGeom>
+          <a:noFill/>
+          <a:extLst>
+            <a:ext uri="{909E8E84-426E-40DD-AFC4-6F175D3DCCD1}">
+              <a14:hiddenFill xmlns:a14="http://schemas.microsoft.com/office/drawing/2010/main">
+                <a:solidFill>
+                  <a:srgbClr val="FFFFFF"/>
+                </a:solidFill>
+              </a14:hiddenFill>
+            </a:ext>
+          </a:extLst>
+        </p:spPr>
+      </p:pic>
+    </p:spTree>
+    <p:extLst>
+      <p:ext uri="{BB962C8B-B14F-4D97-AF65-F5344CB8AC3E}">
+        <p14:creationId xmlns:p14="http://schemas.microsoft.com/office/powerpoint/2010/main" val="1667997282"/>
+      </p:ext>
+    </p:extLst>
+  </p:cSld>
+  <p:clrMapOvr>
+    <a:masterClrMapping/>
+  </p:clrMapOvr>
+  <mc:AlternateContent xmlns:mc="http://schemas.openxmlformats.org/markup-compatibility/2006">
+    <mc:Choice xmlns:p14="http://schemas.microsoft.com/office/powerpoint/2010/main" Requires="p14">
+      <p:transition p14:dur="0"/>
+    </mc:Choice>
+    <mc:Fallback>
+      <p:transition/>
+    </mc:Fallback>
+  </mc:AlternateContent>
+  <p:timing>
+    <p:tnLst>
+      <p:par>
+        <p:cTn id="1" dur="indefinite" restart="never" nodeType="tmRoot">
+          <p:childTnLst>
+            <p:seq concurrent="1" nextAc="seek">
+              <p:cTn id="2" dur="indefinite" nodeType="mainSeq">
+                <p:childTnLst>
+                  <p:par>
+                    <p:cTn id="3" fill="hold">
+                      <p:stCondLst>
+                        <p:cond delay="indefinite"/>
+                        <p:cond evt="onBegin" delay="0">
+                          <p:tn val="2"/>
+                        </p:cond>
+                      </p:stCondLst>
+                      <p:childTnLst>
+                        <p:par>
+                          <p:cTn id="4" fill="hold">
+                            <p:stCondLst>
+                              <p:cond delay="0"/>
+                            </p:stCondLst>
+                            <p:childTnLst>
+                              <p:par>
+                                <p:cTn id="5" presetID="42" presetClass="path" presetSubtype="0" accel="50000" decel="50000" fill="hold" nodeType="afterEffect">
+                                  <p:stCondLst>
+                                    <p:cond delay="0"/>
+                                  </p:stCondLst>
+                                  <p:childTnLst>
+                                    <p:animMotion origin="layout" path="M 4.375E-6 4.07407E-6 L -0.02631 -0.65093 " pathEditMode="relative" rAng="0" ptsTypes="AA">
+                                      <p:cBhvr>
+                                        <p:cTn id="6" dur="1000" fill="hold"/>
+                                        <p:tgtEl>
+                                          <p:spTgt spid="13"/>
+                                        </p:tgtEl>
+                                        <p:attrNameLst>
+                                          <p:attrName>ppt_x</p:attrName>
+                                          <p:attrName>ppt_y</p:attrName>
+                                        </p:attrNameLst>
+                                      </p:cBhvr>
+                                      <p:rCtr x="-1315" y="-32546"/>
+                                    </p:animMotion>
+                                  </p:childTnLst>
+                                </p:cTn>
+                              </p:par>
+                            </p:childTnLst>
+                          </p:cTn>
+                        </p:par>
+                        <p:par>
+                          <p:cTn id="7" fill="hold">
+                            <p:stCondLst>
+                              <p:cond delay="1000"/>
+                            </p:stCondLst>
+                            <p:childTnLst>
+                              <p:par>
+                                <p:cTn id="8" presetID="1" presetClass="entr" presetSubtype="0" fill="hold" grpId="0" nodeType="afterEffect">
+                                  <p:stCondLst>
+                                    <p:cond delay="0"/>
+                                  </p:stCondLst>
+                                  <p:childTnLst>
+                                    <p:set>
+                                      <p:cBhvr>
+                                        <p:cTn id="9" dur="1" fill="hold">
+                                          <p:stCondLst>
+                                            <p:cond delay="0"/>
+                                          </p:stCondLst>
+                                        </p:cTn>
+                                        <p:tgtEl>
+                                          <p:spTgt spid="16">
+                                            <p:txEl>
+                                              <p:pRg st="0" end="0"/>
+                                            </p:txEl>
+                                          </p:spTgt>
+                                        </p:tgtEl>
+                                        <p:attrNameLst>
+                                          <p:attrName>style.visibility</p:attrName>
+                                        </p:attrNameLst>
+                                      </p:cBhvr>
+                                      <p:to>
+                                        <p:strVal val="visible"/>
+                                      </p:to>
+                                    </p:set>
+                                  </p:childTnLst>
+                                </p:cTn>
+                              </p:par>
+                            </p:childTnLst>
+                          </p:cTn>
+                        </p:par>
+                        <p:par>
+                          <p:cTn id="10" fill="hold">
+                            <p:stCondLst>
+                              <p:cond delay="1000"/>
+                            </p:stCondLst>
+                            <p:childTnLst>
+                              <p:par>
+                                <p:cTn id="11" presetID="1" presetClass="entr" presetSubtype="0" fill="hold" grpId="0" nodeType="afterEffect">
+                                  <p:stCondLst>
+                                    <p:cond delay="0"/>
+                                  </p:stCondLst>
+                                  <p:childTnLst>
+                                    <p:set>
+                                      <p:cBhvr>
+                                        <p:cTn id="12" dur="1" fill="hold">
+                                          <p:stCondLst>
+                                            <p:cond delay="0"/>
+                                          </p:stCondLst>
+                                        </p:cTn>
+                                        <p:tgtEl>
+                                          <p:spTgt spid="16">
+                                            <p:txEl>
+                                              <p:pRg st="1" end="1"/>
+                                            </p:txEl>
+                                          </p:spTgt>
+                                        </p:tgtEl>
+                                        <p:attrNameLst>
+                                          <p:attrName>style.visibility</p:attrName>
+                                        </p:attrNameLst>
+                                      </p:cBhvr>
+                                      <p:to>
+                                        <p:strVal val="visible"/>
+                                      </p:to>
+                                    </p:set>
+                                  </p:childTnLst>
+                                </p:cTn>
+                              </p:par>
+                              <p:par>
+                                <p:cTn id="13" presetID="1" presetClass="entr" presetSubtype="0" fill="hold" nodeType="withEffect">
+                                  <p:stCondLst>
+                                    <p:cond delay="0"/>
+                                  </p:stCondLst>
+                                  <p:childTnLst>
+                                    <p:set>
+                                      <p:cBhvr>
+                                        <p:cTn id="14" dur="1" fill="hold">
+                                          <p:stCondLst>
+                                            <p:cond delay="0"/>
+                                          </p:stCondLst>
+                                        </p:cTn>
+                                        <p:tgtEl>
+                                          <p:spTgt spid="2050"/>
+                                        </p:tgtEl>
+                                        <p:attrNameLst>
+                                          <p:attrName>style.visibility</p:attrName>
+                                        </p:attrNameLst>
+                                      </p:cBhvr>
+                                      <p:to>
+                                        <p:strVal val="visible"/>
+                                      </p:to>
+                                    </p:set>
+                                  </p:childTnLst>
+                                </p:cTn>
+                              </p:par>
+                              <p:par>
+                                <p:cTn id="15" presetID="1" presetClass="entr" presetSubtype="0" fill="hold" nodeType="withEffect">
+                                  <p:stCondLst>
+                                    <p:cond delay="0"/>
+                                  </p:stCondLst>
+                                  <p:childTnLst>
+                                    <p:set>
+                                      <p:cBhvr>
+                                        <p:cTn id="16" dur="1" fill="hold">
+                                          <p:stCondLst>
+                                            <p:cond delay="0"/>
+                                          </p:stCondLst>
+                                        </p:cTn>
+                                        <p:tgtEl>
+                                          <p:spTgt spid="2052"/>
+                                        </p:tgtEl>
+                                        <p:attrNameLst>
+                                          <p:attrName>style.visibility</p:attrName>
+                                        </p:attrNameLst>
+                                      </p:cBhvr>
+                                      <p:to>
+                                        <p:strVal val="visible"/>
+                                      </p:to>
+                                    </p:set>
+                                  </p:childTnLst>
+                                </p:cTn>
+                              </p:par>
+                              <p:par>
+                                <p:cTn id="17" presetID="1" presetClass="entr" presetSubtype="0" fill="hold" grpId="0" nodeType="withEffect">
+                                  <p:stCondLst>
+                                    <p:cond delay="0"/>
+                                  </p:stCondLst>
+                                  <p:childTnLst>
+                                    <p:set>
+                                      <p:cBhvr>
+                                        <p:cTn id="18" dur="1" fill="hold">
+                                          <p:stCondLst>
+                                            <p:cond delay="0"/>
+                                          </p:stCondLst>
+                                        </p:cTn>
+                                        <p:tgtEl>
+                                          <p:spTgt spid="3"/>
+                                        </p:tgtEl>
+                                        <p:attrNameLst>
+                                          <p:attrName>style.visibility</p:attrName>
+                                        </p:attrNameLst>
+                                      </p:cBhvr>
+                                      <p:to>
+                                        <p:strVal val="visible"/>
+                                      </p:to>
+                                    </p:set>
+                                  </p:childTnLst>
+                                </p:cTn>
+                              </p:par>
+                            </p:childTnLst>
+                          </p:cTn>
+                        </p:par>
+                      </p:childTnLst>
+                    </p:cTn>
+                  </p:par>
+                </p:childTnLst>
+              </p:cTn>
+              <p:prevCondLst>
+                <p:cond evt="onPrev" delay="0">
+                  <p:tgtEl>
+                    <p:sldTgt/>
+                  </p:tgtEl>
+                </p:cond>
+              </p:prevCondLst>
+              <p:nextCondLst>
+                <p:cond evt="onNext" delay="0">
+                  <p:tgtEl>
+                    <p:sldTgt/>
+                  </p:tgtEl>
+                </p:cond>
+              </p:nextCondLst>
+            </p:seq>
+          </p:childTnLst>
+        </p:cTn>
+      </p:par>
+    </p:tnLst>
+    <p:bldLst>
+      <p:bldP spid="16" grpId="0" build="p"/>
+      <p:bldP spid="3" grpId="0" animBg="1"/>
+    </p:bldLst>
+  </p:timing>
+</p:sld>
+</file>
+
+<file path=ppt/slides/slide8.xml><?xml version="1.0" encoding="utf-8"?>
+<p:sld xmlns:a="http://schemas.openxmlformats.org/drawingml/2006/main" xmlns:r="http://schemas.openxmlformats.org/officeDocument/2006/relationships" xmlns:p="http://schemas.openxmlformats.org/presentationml/2006/main">
+  <p:cSld>
+    <p:spTree>
+      <p:nvGrpSpPr>
+        <p:cNvPr id="1" name=""/>
+        <p:cNvGrpSpPr/>
+        <p:nvPr/>
+      </p:nvGrpSpPr>
+      <p:grpSpPr>
+        <a:xfrm>
+          <a:off x="0" y="0"/>
+          <a:ext cx="0" cy="0"/>
+          <a:chOff x="0" y="0"/>
+          <a:chExt cx="0" cy="0"/>
+        </a:xfrm>
+      </p:grpSpPr>
+      <p:sp>
+        <p:nvSpPr>
+          <p:cNvPr id="3" name="Rectangle 2"/>
+          <p:cNvSpPr/>
+          <p:nvPr/>
+        </p:nvSpPr>
+        <p:spPr>
+          <a:xfrm>
+            <a:off x="496400" y="1865746"/>
+            <a:ext cx="11179044" cy="1127712"/>
+          </a:xfrm>
+          <a:prstGeom prst="rect">
+            <a:avLst/>
+          </a:prstGeom>
+          <a:solidFill>
+            <a:schemeClr val="bg1"/>
+          </a:solidFill>
+          <a:effectLst>
+            <a:outerShdw blurRad="50800" dist="38100" dir="5400000" algn="t" rotWithShape="0">
+              <a:prstClr val="black">
+                <a:alpha val="17000"/>
+              </a:prstClr>
+            </a:outerShdw>
+          </a:effectLst>
+        </p:spPr>
+        <p:style>
+          <a:lnRef idx="2">
+            <a:schemeClr val="accent1">
+              <a:shade val="50000"/>
+            </a:schemeClr>
+          </a:lnRef>
+          <a:fillRef idx="1">
+            <a:schemeClr val="accent1"/>
+          </a:fillRef>
+          <a:effectRef idx="0">
+            <a:schemeClr val="accent1"/>
+          </a:effectRef>
+          <a:fontRef idx="minor">
+            <a:schemeClr val="lt1"/>
+          </a:fontRef>
+        </p:style>
+        <p:txBody>
+          <a:bodyPr rtlCol="0" anchor="ctr"/>
+          <a:lstStyle/>
+          <a:p>
+            <a:pPr algn="ctr"/>
+            <a:endParaRPr lang="en-US"/>
+          </a:p>
+        </p:txBody>
+      </p:sp>
+      <p:sp>
+        <p:nvSpPr>
+          <p:cNvPr id="2" name="Title 1"/>
+          <p:cNvSpPr>
+            <a:spLocks noGrp="1"/>
+          </p:cNvSpPr>
+          <p:nvPr>
+            <p:ph type="title"/>
+          </p:nvPr>
+        </p:nvSpPr>
+        <p:spPr>
+          <a:xfrm>
+            <a:off x="643794" y="326979"/>
+            <a:ext cx="8610599" cy="1325563"/>
+          </a:xfrm>
+        </p:spPr>
+        <p:txBody>
+          <a:bodyPr/>
+          <a:lstStyle/>
+          <a:p>
+            <a:r>
+              <a:rPr lang="en-US" dirty="0" smtClean="0">
+                <a:solidFill>
+                  <a:schemeClr val="bg1"/>
+                </a:solidFill>
+                <a:latin typeface="Arial" charset="0"/>
+                <a:ea typeface="Arial" charset="0"/>
+                <a:cs typeface="Arial" charset="0"/>
+              </a:rPr>
+              <a:t>Minimax Algorithm</a:t>
+            </a:r>
+            <a:endParaRPr lang="en-US" dirty="0">
+              <a:solidFill>
+                <a:schemeClr val="bg1"/>
+              </a:solidFill>
+              <a:latin typeface="Arial" charset="0"/>
+              <a:ea typeface="Arial" charset="0"/>
+              <a:cs typeface="Arial" charset="0"/>
+            </a:endParaRPr>
+          </a:p>
+        </p:txBody>
+      </p:sp>
+      <p:cxnSp>
+        <p:nvCxnSpPr>
+          <p:cNvPr id="6" name="Straight Connector 5"/>
+          <p:cNvCxnSpPr/>
+          <p:nvPr/>
+        </p:nvCxnSpPr>
+        <p:spPr>
+          <a:xfrm>
+            <a:off x="496400" y="565028"/>
+            <a:ext cx="0" cy="785308"/>
+          </a:xfrm>
+          <a:prstGeom prst="line">
+            <a:avLst/>
+          </a:prstGeom>
+          <a:ln w="25400">
+            <a:solidFill>
+              <a:schemeClr val="bg1"/>
+            </a:solidFill>
+          </a:ln>
+        </p:spPr>
+        <p:style>
+          <a:lnRef idx="1">
+            <a:schemeClr val="accent1"/>
+          </a:lnRef>
+          <a:fillRef idx="0">
+            <a:schemeClr val="accent1"/>
+          </a:fillRef>
+          <a:effectRef idx="0">
+            <a:schemeClr val="accent1"/>
+          </a:effectRef>
+          <a:fontRef idx="minor">
+            <a:schemeClr val="tx1"/>
+          </a:fontRef>
+        </p:style>
+      </p:cxnSp>
+      <p:sp>
+        <p:nvSpPr>
+          <p:cNvPr id="7" name="AutoShape 2" descr="https://camo.githubusercontent.com/d18f4a7a64244f703efcb322bf298dcb4ca38856/68747470733a2f2f7765627061636b2e6a732e6f72672f6173736574732f69636f6e2d7371756172652d6269672e737667"/>
+          <p:cNvSpPr>
+            <a:spLocks noChangeAspect="1" noChangeArrowheads="1"/>
+          </p:cNvSpPr>
+          <p:nvPr/>
+        </p:nvSpPr>
+        <p:spPr bwMode="auto">
+          <a:xfrm>
+            <a:off x="1662546" y="1865745"/>
+            <a:ext cx="1905000" cy="1905000"/>
+          </a:xfrm>
+          <a:prstGeom prst="rect">
+            <a:avLst/>
+          </a:prstGeom>
+          <a:noFill/>
+          <a:extLst>
+            <a:ext uri="{909E8E84-426E-40DD-AFC4-6F175D3DCCD1}">
+              <a14:hiddenFill xmlns:a14="http://schemas.microsoft.com/office/drawing/2010/main">
+                <a:solidFill>
+                  <a:srgbClr val="FFFFFF"/>
+                </a:solidFill>
+              </a14:hiddenFill>
+            </a:ext>
+          </a:extLst>
+        </p:spPr>
+        <p:txBody>
+          <a:bodyPr vert="horz" wrap="square" lIns="91440" tIns="45720" rIns="91440" bIns="45720" numCol="1" anchor="t" anchorCtr="0" compatLnSpc="1">
+            <a:prstTxWarp prst="textNoShape">
+              <a:avLst/>
+            </a:prstTxWarp>
+          </a:bodyPr>
+          <a:lstStyle/>
+          <a:p>
+            <a:endParaRPr lang="en-US"/>
+          </a:p>
+        </p:txBody>
+      </p:sp>
+      <p:sp>
+        <p:nvSpPr>
+          <p:cNvPr id="14" name="Content Placeholder 3"/>
+          <p:cNvSpPr>
+            <a:spLocks noGrp="1"/>
+          </p:cNvSpPr>
+          <p:nvPr>
+            <p:ph idx="1"/>
+          </p:nvPr>
+        </p:nvSpPr>
+        <p:spPr>
+          <a:xfrm>
+            <a:off x="838200" y="1989255"/>
+            <a:ext cx="10515600" cy="859823"/>
+          </a:xfrm>
+        </p:spPr>
+        <p:txBody>
+          <a:bodyPr/>
+          <a:lstStyle/>
+          <a:p>
+            <a:r>
+              <a:rPr lang="en-US" dirty="0" smtClean="0">
+                <a:latin typeface="Arial" charset="0"/>
+                <a:ea typeface="Arial" charset="0"/>
+                <a:cs typeface="Arial" charset="0"/>
+              </a:rPr>
+              <a:t>The AI part of my project utilizes an algorithm known as “Minimax”.</a:t>
+            </a:r>
+            <a:endParaRPr lang="en-US" dirty="0">
+              <a:latin typeface="Arial" charset="0"/>
+              <a:ea typeface="Arial" charset="0"/>
+              <a:cs typeface="Arial" charset="0"/>
+            </a:endParaRPr>
+          </a:p>
+          <a:p>
+            <a:endParaRPr lang="en-US" dirty="0">
+              <a:latin typeface="Arial" charset="0"/>
+              <a:ea typeface="Arial" charset="0"/>
+              <a:cs typeface="Arial" charset="0"/>
+            </a:endParaRPr>
+          </a:p>
+        </p:txBody>
+      </p:sp>
+      <p:sp>
+        <p:nvSpPr>
+          <p:cNvPr id="8" name="Rectangle 7"/>
+          <p:cNvSpPr/>
+          <p:nvPr/>
+        </p:nvSpPr>
+        <p:spPr>
+          <a:xfrm>
+            <a:off x="496400" y="3173433"/>
+            <a:ext cx="5393808" cy="3386736"/>
+          </a:xfrm>
+          <a:prstGeom prst="rect">
+            <a:avLst/>
+          </a:prstGeom>
+          <a:solidFill>
+            <a:schemeClr val="bg1"/>
+          </a:solidFill>
+          <a:effectLst>
+            <a:outerShdw blurRad="50800" dist="38100" dir="5400000" algn="t" rotWithShape="0">
+              <a:prstClr val="black">
+                <a:alpha val="17000"/>
+              </a:prstClr>
+            </a:outerShdw>
+          </a:effectLst>
+        </p:spPr>
+        <p:style>
+          <a:lnRef idx="2">
+            <a:schemeClr val="accent1">
+              <a:shade val="50000"/>
+            </a:schemeClr>
+          </a:lnRef>
+          <a:fillRef idx="1">
+            <a:schemeClr val="accent1"/>
+          </a:fillRef>
+          <a:effectRef idx="0">
+            <a:schemeClr val="accent1"/>
+          </a:effectRef>
+          <a:fontRef idx="minor">
+            <a:schemeClr val="lt1"/>
+          </a:fontRef>
+        </p:style>
+        <p:txBody>
+          <a:bodyPr rtlCol="0" anchor="ctr"/>
+          <a:lstStyle/>
+          <a:p>
+            <a:pPr algn="ctr"/>
+            <a:endParaRPr lang="en-US"/>
+          </a:p>
+        </p:txBody>
+      </p:sp>
+      <p:sp>
+        <p:nvSpPr>
+          <p:cNvPr id="13" name="Rectangle 12"/>
+          <p:cNvSpPr/>
+          <p:nvPr/>
+        </p:nvSpPr>
+        <p:spPr>
+          <a:xfrm>
+            <a:off x="643794" y="3628486"/>
+            <a:ext cx="4551947" cy="2862322"/>
+          </a:xfrm>
+          <a:prstGeom prst="rect">
+            <a:avLst/>
+          </a:prstGeom>
+        </p:spPr>
+        <p:txBody>
+          <a:bodyPr wrap="square">
+            <a:spAutoFit/>
+          </a:bodyPr>
+          <a:lstStyle/>
+          <a:p>
+            <a:r>
+              <a:rPr lang="en-US" sz="1200" b="1" dirty="0">
+                <a:latin typeface="Consolas" charset="0"/>
+                <a:ea typeface="Consolas" charset="0"/>
+                <a:cs typeface="Consolas" charset="0"/>
+              </a:rPr>
+              <a:t>function</a:t>
+            </a:r>
+            <a:r>
+              <a:rPr lang="en-US" sz="1200" dirty="0">
+                <a:latin typeface="Consolas" charset="0"/>
+                <a:ea typeface="Consolas" charset="0"/>
+                <a:cs typeface="Consolas" charset="0"/>
+              </a:rPr>
+              <a:t> minimax(node, depth, </a:t>
+            </a:r>
+            <a:r>
+              <a:rPr lang="en-US" sz="1200" dirty="0" smtClean="0">
+                <a:latin typeface="Consolas" charset="0"/>
+                <a:ea typeface="Consolas" charset="0"/>
+                <a:cs typeface="Consolas" charset="0"/>
+              </a:rPr>
+              <a:t>maximizingPlayer</a:t>
+            </a:r>
+            <a:r>
+              <a:rPr lang="en-US" sz="1200" dirty="0">
+                <a:latin typeface="Consolas" charset="0"/>
+                <a:ea typeface="Consolas" charset="0"/>
+                <a:cs typeface="Consolas" charset="0"/>
+              </a:rPr>
+              <a:t>)</a:t>
+            </a:r>
+            <a:endParaRPr lang="en-US" sz="1200" dirty="0" smtClean="0">
+              <a:latin typeface="Consolas" charset="0"/>
+              <a:ea typeface="Consolas" charset="0"/>
+              <a:cs typeface="Consolas" charset="0"/>
+            </a:endParaRPr>
+          </a:p>
+          <a:p>
+            <a:r>
+              <a:rPr lang="en-US" sz="1200" dirty="0">
+                <a:latin typeface="Consolas" charset="0"/>
+                <a:ea typeface="Consolas" charset="0"/>
+                <a:cs typeface="Consolas" charset="0"/>
+              </a:rPr>
+              <a:t> </a:t>
+            </a:r>
+            <a:r>
+              <a:rPr lang="en-US" sz="1200" dirty="0" smtClean="0">
+                <a:latin typeface="Consolas" charset="0"/>
+                <a:ea typeface="Consolas" charset="0"/>
+                <a:cs typeface="Consolas" charset="0"/>
+              </a:rPr>
+              <a:t>   </a:t>
+            </a:r>
+            <a:r>
+              <a:rPr lang="en-US" sz="1200" b="1" dirty="0" smtClean="0">
+                <a:latin typeface="Consolas" charset="0"/>
+                <a:ea typeface="Consolas" charset="0"/>
+                <a:cs typeface="Consolas" charset="0"/>
+              </a:rPr>
+              <a:t>if</a:t>
+            </a:r>
+            <a:r>
+              <a:rPr lang="en-US" sz="1200" dirty="0" smtClean="0">
+                <a:latin typeface="Consolas" charset="0"/>
+                <a:ea typeface="Consolas" charset="0"/>
+                <a:cs typeface="Consolas" charset="0"/>
+              </a:rPr>
+              <a:t> </a:t>
+            </a:r>
+            <a:r>
+              <a:rPr lang="en-US" sz="1200" dirty="0">
+                <a:latin typeface="Consolas" charset="0"/>
+                <a:ea typeface="Consolas" charset="0"/>
+                <a:cs typeface="Consolas" charset="0"/>
+              </a:rPr>
+              <a:t>depth = 0 or node is a terminal </a:t>
+            </a:r>
+            <a:r>
+              <a:rPr lang="en-US" sz="1200" dirty="0" smtClean="0">
+                <a:latin typeface="Consolas" charset="0"/>
+                <a:ea typeface="Consolas" charset="0"/>
+                <a:cs typeface="Consolas" charset="0"/>
+              </a:rPr>
+              <a:t>node</a:t>
+            </a:r>
+          </a:p>
+          <a:p>
+            <a:r>
+              <a:rPr lang="en-US" sz="1200" dirty="0">
+                <a:latin typeface="Consolas" charset="0"/>
+                <a:ea typeface="Consolas" charset="0"/>
+                <a:cs typeface="Consolas" charset="0"/>
+              </a:rPr>
+              <a:t>    </a:t>
+            </a:r>
+            <a:r>
+              <a:rPr lang="en-US" sz="1200" dirty="0" smtClean="0">
+                <a:latin typeface="Consolas" charset="0"/>
+                <a:ea typeface="Consolas" charset="0"/>
+                <a:cs typeface="Consolas" charset="0"/>
+              </a:rPr>
+              <a:t>    return </a:t>
+            </a:r>
+            <a:r>
+              <a:rPr lang="en-US" sz="1200" dirty="0">
+                <a:latin typeface="Consolas" charset="0"/>
+                <a:ea typeface="Consolas" charset="0"/>
+                <a:cs typeface="Consolas" charset="0"/>
+              </a:rPr>
+              <a:t>the heuristic value of </a:t>
+            </a:r>
+            <a:r>
+              <a:rPr lang="en-US" sz="1200" dirty="0" smtClean="0">
+                <a:latin typeface="Consolas" charset="0"/>
+                <a:ea typeface="Consolas" charset="0"/>
+                <a:cs typeface="Consolas" charset="0"/>
+              </a:rPr>
+              <a:t>node</a:t>
+            </a:r>
+          </a:p>
+          <a:p>
+            <a:r>
+              <a:rPr lang="en-US" sz="1200" dirty="0" smtClean="0">
+                <a:latin typeface="Consolas" charset="0"/>
+                <a:ea typeface="Consolas" charset="0"/>
+                <a:cs typeface="Consolas" charset="0"/>
+              </a:rPr>
+              <a:t>    </a:t>
+            </a:r>
+            <a:r>
+              <a:rPr lang="en-US" sz="1200" b="1" dirty="0" smtClean="0">
+                <a:latin typeface="Consolas" charset="0"/>
+                <a:ea typeface="Consolas" charset="0"/>
+                <a:cs typeface="Consolas" charset="0"/>
+              </a:rPr>
+              <a:t>if</a:t>
+            </a:r>
+            <a:r>
+              <a:rPr lang="en-US" sz="1200" dirty="0" smtClean="0">
+                <a:latin typeface="Consolas" charset="0"/>
+                <a:ea typeface="Consolas" charset="0"/>
+                <a:cs typeface="Consolas" charset="0"/>
+              </a:rPr>
+              <a:t> maximizingPlayer</a:t>
+            </a:r>
+          </a:p>
+          <a:p>
+            <a:r>
+              <a:rPr lang="en-US" sz="1200" dirty="0" smtClean="0">
+                <a:latin typeface="Consolas" charset="0"/>
+                <a:ea typeface="Consolas" charset="0"/>
+                <a:cs typeface="Consolas" charset="0"/>
+              </a:rPr>
+              <a:t>        bestValue </a:t>
+            </a:r>
+            <a:r>
+              <a:rPr lang="en-US" sz="1200" dirty="0">
+                <a:latin typeface="Consolas" charset="0"/>
+                <a:ea typeface="Consolas" charset="0"/>
+                <a:cs typeface="Consolas" charset="0"/>
+              </a:rPr>
+              <a:t>:= </a:t>
+            </a:r>
+            <a:r>
+              <a:rPr lang="en-US" sz="1200" dirty="0" smtClean="0">
+                <a:latin typeface="Consolas" charset="0"/>
+                <a:ea typeface="Consolas" charset="0"/>
+                <a:cs typeface="Consolas" charset="0"/>
+              </a:rPr>
+              <a:t>−∞</a:t>
+            </a:r>
+          </a:p>
+          <a:p>
+            <a:r>
+              <a:rPr lang="en-US" sz="1200" dirty="0" smtClean="0">
+                <a:latin typeface="Consolas" charset="0"/>
+                <a:ea typeface="Consolas" charset="0"/>
+                <a:cs typeface="Consolas" charset="0"/>
+              </a:rPr>
+              <a:t>        </a:t>
+            </a:r>
+            <a:r>
+              <a:rPr lang="en-US" sz="1200" b="1" dirty="0" smtClean="0">
+                <a:latin typeface="Consolas" charset="0"/>
+                <a:ea typeface="Consolas" charset="0"/>
+                <a:cs typeface="Consolas" charset="0"/>
+              </a:rPr>
+              <a:t>for </a:t>
+            </a:r>
+            <a:r>
+              <a:rPr lang="en-US" sz="1200" b="1" dirty="0">
+                <a:latin typeface="Consolas" charset="0"/>
+                <a:ea typeface="Consolas" charset="0"/>
+                <a:cs typeface="Consolas" charset="0"/>
+              </a:rPr>
+              <a:t>each </a:t>
+            </a:r>
+            <a:r>
+              <a:rPr lang="en-US" sz="1200" dirty="0">
+                <a:latin typeface="Consolas" charset="0"/>
+                <a:ea typeface="Consolas" charset="0"/>
+                <a:cs typeface="Consolas" charset="0"/>
+              </a:rPr>
+              <a:t>child of </a:t>
+            </a:r>
+            <a:r>
+              <a:rPr lang="en-US" sz="1200" dirty="0" smtClean="0">
+                <a:latin typeface="Consolas" charset="0"/>
+                <a:ea typeface="Consolas" charset="0"/>
+                <a:cs typeface="Consolas" charset="0"/>
+              </a:rPr>
+              <a:t>node</a:t>
+            </a:r>
+          </a:p>
+          <a:p>
+            <a:r>
+              <a:rPr lang="en-US" sz="1200" dirty="0" smtClean="0">
+                <a:latin typeface="Consolas" charset="0"/>
+                <a:ea typeface="Consolas" charset="0"/>
+                <a:cs typeface="Consolas" charset="0"/>
+              </a:rPr>
+              <a:t>            v </a:t>
+            </a:r>
+            <a:r>
+              <a:rPr lang="en-US" sz="1200" dirty="0">
+                <a:latin typeface="Consolas" charset="0"/>
+                <a:ea typeface="Consolas" charset="0"/>
+                <a:cs typeface="Consolas" charset="0"/>
+              </a:rPr>
+              <a:t>:= minimax(child, depth − 1, FALSE</a:t>
+            </a:r>
+            <a:r>
+              <a:rPr lang="en-US" sz="1200" dirty="0" smtClean="0">
+                <a:latin typeface="Consolas" charset="0"/>
+                <a:ea typeface="Consolas" charset="0"/>
+                <a:cs typeface="Consolas" charset="0"/>
+              </a:rPr>
+              <a:t>)</a:t>
+            </a:r>
+          </a:p>
+          <a:p>
+            <a:r>
+              <a:rPr lang="en-US" sz="1200" dirty="0">
+                <a:latin typeface="Consolas" charset="0"/>
+                <a:ea typeface="Consolas" charset="0"/>
+                <a:cs typeface="Consolas" charset="0"/>
+              </a:rPr>
+              <a:t> </a:t>
+            </a:r>
+            <a:r>
+              <a:rPr lang="en-US" sz="1200" dirty="0" smtClean="0">
+                <a:latin typeface="Consolas" charset="0"/>
+                <a:ea typeface="Consolas" charset="0"/>
+                <a:cs typeface="Consolas" charset="0"/>
+              </a:rPr>
+              <a:t>           bestValue </a:t>
+            </a:r>
+            <a:r>
+              <a:rPr lang="en-US" sz="1200" dirty="0">
+                <a:latin typeface="Consolas" charset="0"/>
+                <a:ea typeface="Consolas" charset="0"/>
+                <a:cs typeface="Consolas" charset="0"/>
+              </a:rPr>
+              <a:t>:= max(bestValue, </a:t>
+            </a:r>
+            <a:r>
+              <a:rPr lang="en-US" sz="1200" dirty="0" smtClean="0">
+                <a:latin typeface="Consolas" charset="0"/>
+                <a:ea typeface="Consolas" charset="0"/>
+                <a:cs typeface="Consolas" charset="0"/>
+              </a:rPr>
+              <a:t>v)</a:t>
+            </a:r>
+          </a:p>
+          <a:p>
+            <a:r>
+              <a:rPr lang="en-US" sz="1200" b="1" dirty="0">
+                <a:latin typeface="Consolas" charset="0"/>
+                <a:ea typeface="Consolas" charset="0"/>
+                <a:cs typeface="Consolas" charset="0"/>
+              </a:rPr>
+              <a:t> </a:t>
+            </a:r>
+            <a:r>
+              <a:rPr lang="en-US" sz="1200" b="1" dirty="0" smtClean="0">
+                <a:latin typeface="Consolas" charset="0"/>
+                <a:ea typeface="Consolas" charset="0"/>
+                <a:cs typeface="Consolas" charset="0"/>
+              </a:rPr>
+              <a:t>       return</a:t>
+            </a:r>
+            <a:r>
+              <a:rPr lang="en-US" sz="1200" dirty="0" smtClean="0">
+                <a:latin typeface="Consolas" charset="0"/>
+                <a:ea typeface="Consolas" charset="0"/>
+                <a:cs typeface="Consolas" charset="0"/>
+              </a:rPr>
+              <a:t> bestValue</a:t>
+            </a:r>
+          </a:p>
+          <a:p>
+            <a:r>
+              <a:rPr lang="en-US" sz="1200" dirty="0">
+                <a:latin typeface="Consolas" charset="0"/>
+                <a:ea typeface="Consolas" charset="0"/>
+                <a:cs typeface="Consolas" charset="0"/>
+              </a:rPr>
+              <a:t> </a:t>
+            </a:r>
+            <a:r>
+              <a:rPr lang="en-US" sz="1200" dirty="0" smtClean="0">
+                <a:latin typeface="Consolas" charset="0"/>
+                <a:ea typeface="Consolas" charset="0"/>
+                <a:cs typeface="Consolas" charset="0"/>
+              </a:rPr>
+              <a:t>   </a:t>
+            </a:r>
+            <a:r>
+              <a:rPr lang="en-US" sz="1200" b="1" dirty="0" smtClean="0">
+                <a:latin typeface="Consolas" charset="0"/>
+                <a:ea typeface="Consolas" charset="0"/>
+                <a:cs typeface="Consolas" charset="0"/>
+              </a:rPr>
+              <a:t>else</a:t>
+            </a:r>
+          </a:p>
+          <a:p>
+            <a:r>
+              <a:rPr lang="en-US" sz="1200" dirty="0" smtClean="0">
+                <a:latin typeface="Consolas" charset="0"/>
+                <a:ea typeface="Consolas" charset="0"/>
+                <a:cs typeface="Consolas" charset="0"/>
+              </a:rPr>
+              <a:t>        bestValue </a:t>
+            </a:r>
+            <a:r>
+              <a:rPr lang="en-US" sz="1200" dirty="0">
+                <a:latin typeface="Consolas" charset="0"/>
+                <a:ea typeface="Consolas" charset="0"/>
+                <a:cs typeface="Consolas" charset="0"/>
+              </a:rPr>
+              <a:t>:= +</a:t>
+            </a:r>
+            <a:r>
+              <a:rPr lang="en-US" sz="1200" dirty="0" smtClean="0">
+                <a:latin typeface="Consolas" charset="0"/>
+                <a:ea typeface="Consolas" charset="0"/>
+                <a:cs typeface="Consolas" charset="0"/>
+              </a:rPr>
+              <a:t>∞</a:t>
+            </a:r>
+          </a:p>
+          <a:p>
+            <a:r>
+              <a:rPr lang="en-US" sz="1200" dirty="0" smtClean="0">
+                <a:latin typeface="Consolas" charset="0"/>
+                <a:ea typeface="Consolas" charset="0"/>
+                <a:cs typeface="Consolas" charset="0"/>
+              </a:rPr>
+              <a:t>        </a:t>
+            </a:r>
+            <a:r>
+              <a:rPr lang="en-US" sz="1200" b="1" dirty="0" smtClean="0">
+                <a:latin typeface="Consolas" charset="0"/>
+                <a:ea typeface="Consolas" charset="0"/>
+                <a:cs typeface="Consolas" charset="0"/>
+              </a:rPr>
+              <a:t>for </a:t>
+            </a:r>
+            <a:r>
+              <a:rPr lang="en-US" sz="1200" b="1" dirty="0">
+                <a:latin typeface="Consolas" charset="0"/>
+                <a:ea typeface="Consolas" charset="0"/>
+                <a:cs typeface="Consolas" charset="0"/>
+              </a:rPr>
+              <a:t>each </a:t>
+            </a:r>
+            <a:r>
+              <a:rPr lang="en-US" sz="1200" dirty="0">
+                <a:latin typeface="Consolas" charset="0"/>
+                <a:ea typeface="Consolas" charset="0"/>
+                <a:cs typeface="Consolas" charset="0"/>
+              </a:rPr>
+              <a:t>child of </a:t>
+            </a:r>
+            <a:r>
+              <a:rPr lang="en-US" sz="1200" dirty="0" smtClean="0">
+                <a:latin typeface="Consolas" charset="0"/>
+                <a:ea typeface="Consolas" charset="0"/>
+                <a:cs typeface="Consolas" charset="0"/>
+              </a:rPr>
+              <a:t>node</a:t>
+            </a:r>
+          </a:p>
+          <a:p>
+            <a:r>
+              <a:rPr lang="en-US" sz="1200" dirty="0" smtClean="0">
+                <a:latin typeface="Consolas" charset="0"/>
+                <a:ea typeface="Consolas" charset="0"/>
+                <a:cs typeface="Consolas" charset="0"/>
+              </a:rPr>
+              <a:t>            v </a:t>
+            </a:r>
+            <a:r>
+              <a:rPr lang="en-US" sz="1200" dirty="0">
+                <a:latin typeface="Consolas" charset="0"/>
+                <a:ea typeface="Consolas" charset="0"/>
+                <a:cs typeface="Consolas" charset="0"/>
+              </a:rPr>
+              <a:t>:= minimax(child, depth − 1, TRUE</a:t>
+            </a:r>
+            <a:r>
+              <a:rPr lang="en-US" sz="1200" dirty="0" smtClean="0">
+                <a:latin typeface="Consolas" charset="0"/>
+                <a:ea typeface="Consolas" charset="0"/>
+                <a:cs typeface="Consolas" charset="0"/>
+              </a:rPr>
+              <a:t>)</a:t>
+            </a:r>
+          </a:p>
+          <a:p>
+            <a:r>
+              <a:rPr lang="en-US" sz="1200" dirty="0" smtClean="0">
+                <a:latin typeface="Consolas" charset="0"/>
+                <a:ea typeface="Consolas" charset="0"/>
+                <a:cs typeface="Consolas" charset="0"/>
+              </a:rPr>
+              <a:t>            bestValue </a:t>
+            </a:r>
+            <a:r>
+              <a:rPr lang="en-US" sz="1200" dirty="0">
+                <a:latin typeface="Consolas" charset="0"/>
+                <a:ea typeface="Consolas" charset="0"/>
+                <a:cs typeface="Consolas" charset="0"/>
+              </a:rPr>
+              <a:t>:= min(bestValue, v</a:t>
+            </a:r>
+            <a:r>
+              <a:rPr lang="en-US" sz="1200" dirty="0" smtClean="0">
+                <a:latin typeface="Consolas" charset="0"/>
+                <a:ea typeface="Consolas" charset="0"/>
+                <a:cs typeface="Consolas" charset="0"/>
+              </a:rPr>
+              <a:t>)</a:t>
+            </a:r>
+          </a:p>
+          <a:p>
+            <a:r>
+              <a:rPr lang="en-US" sz="1200" dirty="0" smtClean="0">
+                <a:latin typeface="Consolas" charset="0"/>
+                <a:ea typeface="Consolas" charset="0"/>
+                <a:cs typeface="Consolas" charset="0"/>
+              </a:rPr>
+              <a:t> </a:t>
+            </a:r>
+            <a:r>
+              <a:rPr lang="en-US" sz="1200" b="1" dirty="0" smtClean="0">
+                <a:latin typeface="Consolas" charset="0"/>
+                <a:ea typeface="Consolas" charset="0"/>
+                <a:cs typeface="Consolas" charset="0"/>
+              </a:rPr>
+              <a:t>return</a:t>
+            </a:r>
+            <a:r>
+              <a:rPr lang="en-US" sz="1200" dirty="0" smtClean="0">
+                <a:latin typeface="Consolas" charset="0"/>
+                <a:ea typeface="Consolas" charset="0"/>
+                <a:cs typeface="Consolas" charset="0"/>
+              </a:rPr>
+              <a:t> </a:t>
+            </a:r>
+            <a:r>
+              <a:rPr lang="en-US" sz="1200" dirty="0">
+                <a:latin typeface="Consolas" charset="0"/>
+                <a:ea typeface="Consolas" charset="0"/>
+                <a:cs typeface="Consolas" charset="0"/>
+              </a:rPr>
+              <a:t>bestValue</a:t>
+            </a:r>
+          </a:p>
+        </p:txBody>
+      </p:sp>
+      <p:sp>
+        <p:nvSpPr>
+          <p:cNvPr id="16" name="Content Placeholder 3"/>
+          <p:cNvSpPr txBox="1">
+            <a:spLocks/>
+          </p:cNvSpPr>
+          <p:nvPr/>
+        </p:nvSpPr>
+        <p:spPr>
+          <a:xfrm>
+            <a:off x="632408" y="3274919"/>
+            <a:ext cx="5065748" cy="353567"/>
+          </a:xfrm>
+          <a:prstGeom prst="rect">
+            <a:avLst/>
+          </a:prstGeom>
+        </p:spPr>
+        <p:txBody>
+          <a:bodyPr vert="horz" lIns="91440" tIns="45720" rIns="91440" bIns="45720" rtlCol="0">
+            <a:normAutofit lnSpcReduction="10000"/>
+          </a:bodyPr>
+          <a:lstStyle>
+            <a:lvl1pPr marL="228600" indent="-228600" algn="l" defTabSz="914400" rtl="0" eaLnBrk="1" latinLnBrk="0" hangingPunct="1">
+              <a:lnSpc>
+                <a:spcPct val="90000"/>
+              </a:lnSpc>
+              <a:spcBef>
+                <a:spcPts val="1000"/>
+              </a:spcBef>
+              <a:buFont typeface="Arial"/>
+              <a:buChar char="•"/>
+              <a:defRPr sz="2800" kern="1200">
+                <a:solidFill>
+                  <a:schemeClr val="tx1"/>
+                </a:solidFill>
+                <a:latin typeface="+mn-lt"/>
+                <a:ea typeface="+mn-ea"/>
+                <a:cs typeface="+mn-cs"/>
+              </a:defRPr>
+            </a:lvl1pPr>
+            <a:lvl2pPr marL="685800" indent="-228600" algn="l" defTabSz="914400" rtl="0" eaLnBrk="1" latinLnBrk="0" hangingPunct="1">
+              <a:lnSpc>
+                <a:spcPct val="90000"/>
+              </a:lnSpc>
+              <a:spcBef>
+                <a:spcPts val="500"/>
+              </a:spcBef>
+              <a:buFont typeface="Arial"/>
+              <a:buChar char="•"/>
+              <a:defRPr sz="2400" kern="1200">
+                <a:solidFill>
+                  <a:schemeClr val="tx1"/>
+                </a:solidFill>
+                <a:latin typeface="+mn-lt"/>
+                <a:ea typeface="+mn-ea"/>
+                <a:cs typeface="+mn-cs"/>
+              </a:defRPr>
+            </a:lvl2pPr>
+            <a:lvl3pPr marL="1143000" indent="-228600" algn="l" defTabSz="914400" rtl="0" eaLnBrk="1" latinLnBrk="0" hangingPunct="1">
+              <a:lnSpc>
+                <a:spcPct val="90000"/>
+              </a:lnSpc>
+              <a:spcBef>
+                <a:spcPts val="500"/>
+              </a:spcBef>
+              <a:buFont typeface="Arial"/>
+              <a:buChar char="•"/>
+              <a:defRPr sz="2000" kern="1200">
+                <a:solidFill>
+                  <a:schemeClr val="tx1"/>
+                </a:solidFill>
+                <a:latin typeface="+mn-lt"/>
+                <a:ea typeface="+mn-ea"/>
+                <a:cs typeface="+mn-cs"/>
+              </a:defRPr>
+            </a:lvl3pPr>
+            <a:lvl4pPr marL="1600200" indent="-228600" algn="l" defTabSz="914400" rtl="0" eaLnBrk="1" latinLnBrk="0" hangingPunct="1">
+              <a:lnSpc>
+                <a:spcPct val="90000"/>
+              </a:lnSpc>
+              <a:spcBef>
+                <a:spcPts val="500"/>
+              </a:spcBef>
+              <a:buFont typeface="Arial"/>
+              <a:buChar char="•"/>
+              <a:defRPr sz="1800" kern="1200">
+                <a:solidFill>
+                  <a:schemeClr val="tx1"/>
+                </a:solidFill>
+                <a:latin typeface="+mn-lt"/>
+                <a:ea typeface="+mn-ea"/>
+                <a:cs typeface="+mn-cs"/>
+              </a:defRPr>
+            </a:lvl4pPr>
+            <a:lvl5pPr marL="2057400" indent="-228600" algn="l" defTabSz="914400" rtl="0" eaLnBrk="1" latinLnBrk="0" hangingPunct="1">
+              <a:lnSpc>
+                <a:spcPct val="90000"/>
+              </a:lnSpc>
+              <a:spcBef>
+                <a:spcPts val="500"/>
+              </a:spcBef>
+              <a:buFont typeface="Arial"/>
+              <a:buChar char="•"/>
+              <a:defRPr sz="1800" kern="1200">
+                <a:solidFill>
+                  <a:schemeClr val="tx1"/>
+                </a:solidFill>
+                <a:latin typeface="+mn-lt"/>
+                <a:ea typeface="+mn-ea"/>
+                <a:cs typeface="+mn-cs"/>
+              </a:defRPr>
+            </a:lvl5pPr>
+            <a:lvl6pPr marL="2514600" indent="-228600" algn="l" defTabSz="914400" rtl="0" eaLnBrk="1" latinLnBrk="0" hangingPunct="1">
+              <a:lnSpc>
+                <a:spcPct val="90000"/>
+              </a:lnSpc>
+              <a:spcBef>
+                <a:spcPts val="500"/>
+              </a:spcBef>
+              <a:buFont typeface="Arial"/>
+              <a:buChar char="•"/>
+              <a:defRPr sz="1800" kern="1200">
+                <a:solidFill>
+                  <a:schemeClr val="tx1"/>
+                </a:solidFill>
+                <a:latin typeface="+mn-lt"/>
+                <a:ea typeface="+mn-ea"/>
+                <a:cs typeface="+mn-cs"/>
+              </a:defRPr>
+            </a:lvl6pPr>
+            <a:lvl7pPr marL="2971800" indent="-228600" algn="l" defTabSz="914400" rtl="0" eaLnBrk="1" latinLnBrk="0" hangingPunct="1">
+              <a:lnSpc>
+                <a:spcPct val="90000"/>
+              </a:lnSpc>
+              <a:spcBef>
+                <a:spcPts val="500"/>
+              </a:spcBef>
+              <a:buFont typeface="Arial"/>
+              <a:buChar char="•"/>
+              <a:defRPr sz="1800" kern="1200">
+                <a:solidFill>
+                  <a:schemeClr val="tx1"/>
+                </a:solidFill>
+                <a:latin typeface="+mn-lt"/>
+                <a:ea typeface="+mn-ea"/>
+                <a:cs typeface="+mn-cs"/>
+              </a:defRPr>
+            </a:lvl7pPr>
+            <a:lvl8pPr marL="3429000" indent="-228600" algn="l" defTabSz="914400" rtl="0" eaLnBrk="1" latinLnBrk="0" hangingPunct="1">
+              <a:lnSpc>
+                <a:spcPct val="90000"/>
+              </a:lnSpc>
+              <a:spcBef>
+                <a:spcPts val="500"/>
+              </a:spcBef>
+              <a:buFont typeface="Arial"/>
+              <a:buChar char="•"/>
+              <a:defRPr sz="1800" kern="1200">
+                <a:solidFill>
+                  <a:schemeClr val="tx1"/>
+                </a:solidFill>
+                <a:latin typeface="+mn-lt"/>
+                <a:ea typeface="+mn-ea"/>
+                <a:cs typeface="+mn-cs"/>
+              </a:defRPr>
+            </a:lvl8pPr>
+            <a:lvl9pPr marL="3886200" indent="-228600" algn="l" defTabSz="914400" rtl="0" eaLnBrk="1" latinLnBrk="0" hangingPunct="1">
+              <a:lnSpc>
+                <a:spcPct val="90000"/>
+              </a:lnSpc>
+              <a:spcBef>
+                <a:spcPts val="500"/>
+              </a:spcBef>
+              <a:buFont typeface="Arial"/>
+              <a:buChar char="•"/>
+              <a:defRPr sz="1800" kern="1200">
+                <a:solidFill>
+                  <a:schemeClr val="tx1"/>
+                </a:solidFill>
+                <a:latin typeface="+mn-lt"/>
+                <a:ea typeface="+mn-ea"/>
+                <a:cs typeface="+mn-cs"/>
+              </a:defRPr>
+            </a:lvl9pPr>
+          </a:lstStyle>
+          <a:p>
+            <a:pPr marL="0" marR="0" lvl="0" indent="0" defTabSz="914400" eaLnBrk="1" fontAlgn="auto" latinLnBrk="0" hangingPunct="1">
+              <a:lnSpc>
+                <a:spcPct val="100000"/>
+              </a:lnSpc>
+              <a:spcBef>
+                <a:spcPts val="0"/>
+              </a:spcBef>
+              <a:spcAft>
+                <a:spcPts val="0"/>
+              </a:spcAft>
+              <a:buClrTx/>
+              <a:buSzTx/>
+              <a:buFontTx/>
+              <a:buNone/>
+              <a:tabLst/>
+              <a:defRPr/>
+            </a:pPr>
+            <a:r>
+              <a:rPr lang="en-US" sz="1800" b="1" dirty="0" smtClean="0">
+                <a:latin typeface="Arial" charset="0"/>
+                <a:ea typeface="Arial" charset="0"/>
+                <a:cs typeface="Arial" charset="0"/>
+              </a:rPr>
+              <a:t>Pseudocode </a:t>
+            </a:r>
+            <a:r>
+              <a:rPr lang="en-US" sz="1100" dirty="0" smtClean="0">
+                <a:latin typeface="Arial" charset="0"/>
+                <a:ea typeface="Arial" charset="0"/>
+                <a:cs typeface="Arial" charset="0"/>
+              </a:rPr>
+              <a:t>(Wikipedia)</a:t>
+            </a:r>
+            <a:endParaRPr lang="en-US" sz="1100" dirty="0">
+              <a:latin typeface="Arial" charset="0"/>
+              <a:ea typeface="Arial" charset="0"/>
+              <a:cs typeface="Arial" charset="0"/>
+            </a:endParaRPr>
+          </a:p>
+        </p:txBody>
+      </p:sp>
+      <p:sp>
+        <p:nvSpPr>
+          <p:cNvPr id="17" name="Rectangle 16"/>
+          <p:cNvSpPr/>
+          <p:nvPr/>
+        </p:nvSpPr>
+        <p:spPr>
+          <a:xfrm>
+            <a:off x="6281636" y="3173433"/>
+            <a:ext cx="5393808" cy="3386736"/>
+          </a:xfrm>
+          <a:prstGeom prst="rect">
+            <a:avLst/>
+          </a:prstGeom>
+          <a:solidFill>
+            <a:schemeClr val="bg1"/>
+          </a:solidFill>
+          <a:effectLst>
+            <a:outerShdw blurRad="50800" dist="38100" dir="5400000" algn="t" rotWithShape="0">
+              <a:prstClr val="black">
+                <a:alpha val="17000"/>
+              </a:prstClr>
+            </a:outerShdw>
+          </a:effectLst>
+        </p:spPr>
+        <p:style>
+          <a:lnRef idx="2">
+            <a:schemeClr val="accent1">
+              <a:shade val="50000"/>
+            </a:schemeClr>
+          </a:lnRef>
+          <a:fillRef idx="1">
+            <a:schemeClr val="accent1"/>
+          </a:fillRef>
+          <a:effectRef idx="0">
+            <a:schemeClr val="accent1"/>
+          </a:effectRef>
+          <a:fontRef idx="minor">
+            <a:schemeClr val="lt1"/>
+          </a:fontRef>
+        </p:style>
+        <p:txBody>
+          <a:bodyPr rtlCol="0" anchor="ctr"/>
+          <a:lstStyle/>
+          <a:p>
+            <a:pPr algn="ctr"/>
+            <a:endParaRPr lang="en-US"/>
+          </a:p>
+        </p:txBody>
+      </p:sp>
+      <p:sp>
+        <p:nvSpPr>
+          <p:cNvPr id="19" name="Content Placeholder 3"/>
+          <p:cNvSpPr txBox="1">
+            <a:spLocks/>
+          </p:cNvSpPr>
+          <p:nvPr/>
+        </p:nvSpPr>
+        <p:spPr>
+          <a:xfrm>
+            <a:off x="6445666" y="3272561"/>
+            <a:ext cx="5065748" cy="353567"/>
+          </a:xfrm>
+          <a:prstGeom prst="rect">
+            <a:avLst/>
+          </a:prstGeom>
+        </p:spPr>
+        <p:txBody>
+          <a:bodyPr vert="horz" lIns="91440" tIns="45720" rIns="91440" bIns="45720" rtlCol="0">
+            <a:normAutofit lnSpcReduction="10000"/>
+          </a:bodyPr>
+          <a:lstStyle>
+            <a:lvl1pPr marL="228600" indent="-228600" algn="l" defTabSz="914400" rtl="0" eaLnBrk="1" latinLnBrk="0" hangingPunct="1">
+              <a:lnSpc>
+                <a:spcPct val="90000"/>
+              </a:lnSpc>
+              <a:spcBef>
+                <a:spcPts val="1000"/>
+              </a:spcBef>
+              <a:buFont typeface="Arial"/>
+              <a:buChar char="•"/>
+              <a:defRPr sz="2800" kern="1200">
+                <a:solidFill>
+                  <a:schemeClr val="tx1"/>
+                </a:solidFill>
+                <a:latin typeface="+mn-lt"/>
+                <a:ea typeface="+mn-ea"/>
+                <a:cs typeface="+mn-cs"/>
+              </a:defRPr>
+            </a:lvl1pPr>
+            <a:lvl2pPr marL="685800" indent="-228600" algn="l" defTabSz="914400" rtl="0" eaLnBrk="1" latinLnBrk="0" hangingPunct="1">
+              <a:lnSpc>
+                <a:spcPct val="90000"/>
+              </a:lnSpc>
+              <a:spcBef>
+                <a:spcPts val="500"/>
+              </a:spcBef>
+              <a:buFont typeface="Arial"/>
+              <a:buChar char="•"/>
+              <a:defRPr sz="2400" kern="1200">
+                <a:solidFill>
+                  <a:schemeClr val="tx1"/>
+                </a:solidFill>
+                <a:latin typeface="+mn-lt"/>
+                <a:ea typeface="+mn-ea"/>
+                <a:cs typeface="+mn-cs"/>
+              </a:defRPr>
+            </a:lvl2pPr>
+            <a:lvl3pPr marL="1143000" indent="-228600" algn="l" defTabSz="914400" rtl="0" eaLnBrk="1" latinLnBrk="0" hangingPunct="1">
+              <a:lnSpc>
+                <a:spcPct val="90000"/>
+              </a:lnSpc>
+              <a:spcBef>
+                <a:spcPts val="500"/>
+              </a:spcBef>
+              <a:buFont typeface="Arial"/>
+              <a:buChar char="•"/>
+              <a:defRPr sz="2000" kern="1200">
+                <a:solidFill>
+                  <a:schemeClr val="tx1"/>
+                </a:solidFill>
+                <a:latin typeface="+mn-lt"/>
+                <a:ea typeface="+mn-ea"/>
+                <a:cs typeface="+mn-cs"/>
+              </a:defRPr>
+            </a:lvl3pPr>
+            <a:lvl4pPr marL="1600200" indent="-228600" algn="l" defTabSz="914400" rtl="0" eaLnBrk="1" latinLnBrk="0" hangingPunct="1">
+              <a:lnSpc>
+                <a:spcPct val="90000"/>
+              </a:lnSpc>
+              <a:spcBef>
+                <a:spcPts val="500"/>
+              </a:spcBef>
+              <a:buFont typeface="Arial"/>
+              <a:buChar char="•"/>
+              <a:defRPr sz="1800" kern="1200">
+                <a:solidFill>
+                  <a:schemeClr val="tx1"/>
+                </a:solidFill>
+                <a:latin typeface="+mn-lt"/>
+                <a:ea typeface="+mn-ea"/>
+                <a:cs typeface="+mn-cs"/>
+              </a:defRPr>
+            </a:lvl4pPr>
+            <a:lvl5pPr marL="2057400" indent="-228600" algn="l" defTabSz="914400" rtl="0" eaLnBrk="1" latinLnBrk="0" hangingPunct="1">
+              <a:lnSpc>
+                <a:spcPct val="90000"/>
+              </a:lnSpc>
+              <a:spcBef>
+                <a:spcPts val="500"/>
+              </a:spcBef>
+              <a:buFont typeface="Arial"/>
+              <a:buChar char="•"/>
+              <a:defRPr sz="1800" kern="1200">
+                <a:solidFill>
+                  <a:schemeClr val="tx1"/>
+                </a:solidFill>
+                <a:latin typeface="+mn-lt"/>
+                <a:ea typeface="+mn-ea"/>
+                <a:cs typeface="+mn-cs"/>
+              </a:defRPr>
+            </a:lvl5pPr>
+            <a:lvl6pPr marL="2514600" indent="-228600" algn="l" defTabSz="914400" rtl="0" eaLnBrk="1" latinLnBrk="0" hangingPunct="1">
+              <a:lnSpc>
+                <a:spcPct val="90000"/>
+              </a:lnSpc>
+              <a:spcBef>
+                <a:spcPts val="500"/>
+              </a:spcBef>
+              <a:buFont typeface="Arial"/>
+              <a:buChar char="•"/>
+              <a:defRPr sz="1800" kern="1200">
+                <a:solidFill>
+                  <a:schemeClr val="tx1"/>
+                </a:solidFill>
+                <a:latin typeface="+mn-lt"/>
+                <a:ea typeface="+mn-ea"/>
+                <a:cs typeface="+mn-cs"/>
+              </a:defRPr>
+            </a:lvl6pPr>
+            <a:lvl7pPr marL="2971800" indent="-228600" algn="l" defTabSz="914400" rtl="0" eaLnBrk="1" latinLnBrk="0" hangingPunct="1">
+              <a:lnSpc>
+                <a:spcPct val="90000"/>
+              </a:lnSpc>
+              <a:spcBef>
+                <a:spcPts val="500"/>
+              </a:spcBef>
+              <a:buFont typeface="Arial"/>
+              <a:buChar char="•"/>
+              <a:defRPr sz="1800" kern="1200">
+                <a:solidFill>
+                  <a:schemeClr val="tx1"/>
+                </a:solidFill>
+                <a:latin typeface="+mn-lt"/>
+                <a:ea typeface="+mn-ea"/>
+                <a:cs typeface="+mn-cs"/>
+              </a:defRPr>
+            </a:lvl7pPr>
+            <a:lvl8pPr marL="3429000" indent="-228600" algn="l" defTabSz="914400" rtl="0" eaLnBrk="1" latinLnBrk="0" hangingPunct="1">
+              <a:lnSpc>
+                <a:spcPct val="90000"/>
+              </a:lnSpc>
+              <a:spcBef>
+                <a:spcPts val="500"/>
+              </a:spcBef>
+              <a:buFont typeface="Arial"/>
+              <a:buChar char="•"/>
+              <a:defRPr sz="1800" kern="1200">
+                <a:solidFill>
+                  <a:schemeClr val="tx1"/>
+                </a:solidFill>
+                <a:latin typeface="+mn-lt"/>
+                <a:ea typeface="+mn-ea"/>
+                <a:cs typeface="+mn-cs"/>
+              </a:defRPr>
+            </a:lvl8pPr>
+            <a:lvl9pPr marL="3886200" indent="-228600" algn="l" defTabSz="914400" rtl="0" eaLnBrk="1" latinLnBrk="0" hangingPunct="1">
+              <a:lnSpc>
+                <a:spcPct val="90000"/>
+              </a:lnSpc>
+              <a:spcBef>
+                <a:spcPts val="500"/>
+              </a:spcBef>
+              <a:buFont typeface="Arial"/>
+              <a:buChar char="•"/>
+              <a:defRPr sz="1800" kern="1200">
+                <a:solidFill>
+                  <a:schemeClr val="tx1"/>
+                </a:solidFill>
+                <a:latin typeface="+mn-lt"/>
+                <a:ea typeface="+mn-ea"/>
+                <a:cs typeface="+mn-cs"/>
+              </a:defRPr>
+            </a:lvl9pPr>
+          </a:lstStyle>
+          <a:p>
+            <a:pPr marL="0" marR="0" lvl="0" indent="0" defTabSz="914400" eaLnBrk="1" fontAlgn="auto" latinLnBrk="0" hangingPunct="1">
+              <a:lnSpc>
+                <a:spcPct val="100000"/>
+              </a:lnSpc>
+              <a:spcBef>
+                <a:spcPts val="0"/>
+              </a:spcBef>
+              <a:spcAft>
+                <a:spcPts val="0"/>
+              </a:spcAft>
+              <a:buClrTx/>
+              <a:buSzTx/>
+              <a:buFontTx/>
+              <a:buNone/>
+              <a:tabLst/>
+              <a:defRPr/>
+            </a:pPr>
+            <a:r>
+              <a:rPr lang="en-US" sz="1800" b="1" dirty="0" smtClean="0">
+                <a:latin typeface="Arial" charset="0"/>
+                <a:ea typeface="Arial" charset="0"/>
+                <a:cs typeface="Arial" charset="0"/>
+              </a:rPr>
+              <a:t>TypeScript </a:t>
+            </a:r>
+            <a:r>
+              <a:rPr lang="en-US" sz="1100" dirty="0" smtClean="0">
+                <a:latin typeface="Arial" charset="0"/>
+                <a:ea typeface="Arial" charset="0"/>
+                <a:cs typeface="Arial" charset="0"/>
+              </a:rPr>
+              <a:t>(Connect4)</a:t>
+            </a:r>
+            <a:endParaRPr lang="en-US" sz="1100" dirty="0">
+              <a:latin typeface="Arial" charset="0"/>
+              <a:ea typeface="Arial" charset="0"/>
+              <a:cs typeface="Arial" charset="0"/>
+            </a:endParaRPr>
+          </a:p>
+        </p:txBody>
+      </p:sp>
+    </p:spTree>
+    <p:extLst>
+      <p:ext uri="{BB962C8B-B14F-4D97-AF65-F5344CB8AC3E}">
+        <p14:creationId xmlns:p14="http://schemas.microsoft.com/office/powerpoint/2010/main" val="1920668002"/>
+      </p:ext>
+    </p:extLst>
+  </p:cSld>
+  <p:clrMapOvr>
+    <a:masterClrMapping/>
+  </p:clrMapOvr>
+  <p:transition spd="slow">
+    <p:push dir="u"/>
+  </p:transition>
+  <p:timing>
+    <p:tnLst>
+      <p:par>
+        <p:cTn id="1" dur="indefinite" restart="never" nodeType="tmRoot"/>
+      </p:par>
+    </p:tnLst>
+  </p:timing>
+</p:sld>
+</file>
+
+<file path=ppt/slides/slide9.xml><?xml version="1.0" encoding="utf-8"?>
+<p:sld xmlns:a="http://schemas.openxmlformats.org/drawingml/2006/main" xmlns:r="http://schemas.openxmlformats.org/officeDocument/2006/relationships" xmlns:p="http://schemas.openxmlformats.org/presentationml/2006/main">
+  <p:cSld>
+    <p:spTree>
+      <p:nvGrpSpPr>
+        <p:cNvPr id="1" name=""/>
+        <p:cNvGrpSpPr/>
+        <p:nvPr/>
+      </p:nvGrpSpPr>
+      <p:grpSpPr>
+        <a:xfrm>
+          <a:off x="0" y="0"/>
+          <a:ext cx="0" cy="0"/>
+          <a:chOff x="0" y="0"/>
+          <a:chExt cx="0" cy="0"/>
+        </a:xfrm>
+      </p:grpSpPr>
+      <p:sp>
+        <p:nvSpPr>
+          <p:cNvPr id="2" name="Title 1"/>
+          <p:cNvSpPr>
+            <a:spLocks noGrp="1"/>
+          </p:cNvSpPr>
+          <p:nvPr>
+            <p:ph type="title"/>
+          </p:nvPr>
+        </p:nvSpPr>
+        <p:spPr>
+          <a:xfrm>
+            <a:off x="643794" y="326979"/>
+            <a:ext cx="8610599" cy="1325563"/>
+          </a:xfrm>
+        </p:spPr>
+        <p:txBody>
+          <a:bodyPr/>
+          <a:lstStyle/>
+          <a:p>
+            <a:r>
+              <a:rPr lang="en-US" dirty="0" smtClean="0">
+                <a:solidFill>
+                  <a:schemeClr val="bg1"/>
+                </a:solidFill>
+                <a:latin typeface="Arial" charset="0"/>
+                <a:ea typeface="Arial" charset="0"/>
+                <a:cs typeface="Arial" charset="0"/>
+              </a:rPr>
+              <a:t>Minimax Algorithm</a:t>
+            </a:r>
+            <a:endParaRPr lang="en-US" dirty="0">
+              <a:solidFill>
+                <a:schemeClr val="bg1"/>
+              </a:solidFill>
+              <a:latin typeface="Arial" charset="0"/>
+              <a:ea typeface="Arial" charset="0"/>
+              <a:cs typeface="Arial" charset="0"/>
+            </a:endParaRPr>
+          </a:p>
+        </p:txBody>
+      </p:sp>
+      <p:cxnSp>
+        <p:nvCxnSpPr>
+          <p:cNvPr id="6" name="Straight Connector 5"/>
+          <p:cNvCxnSpPr/>
+          <p:nvPr/>
+        </p:nvCxnSpPr>
+        <p:spPr>
+          <a:xfrm>
+            <a:off x="496400" y="565028"/>
+            <a:ext cx="0" cy="785308"/>
+          </a:xfrm>
+          <a:prstGeom prst="line">
+            <a:avLst/>
+          </a:prstGeom>
+          <a:ln w="25400">
+            <a:solidFill>
+              <a:schemeClr val="bg1"/>
+            </a:solidFill>
+          </a:ln>
+        </p:spPr>
+        <p:style>
+          <a:lnRef idx="1">
+            <a:schemeClr val="accent1"/>
+          </a:lnRef>
+          <a:fillRef idx="0">
+            <a:schemeClr val="accent1"/>
+          </a:fillRef>
+          <a:effectRef idx="0">
+            <a:schemeClr val="accent1"/>
+          </a:effectRef>
+          <a:fontRef idx="minor">
+            <a:schemeClr val="tx1"/>
+          </a:fontRef>
+        </p:style>
+      </p:cxnSp>
+      <p:graphicFrame>
+        <p:nvGraphicFramePr>
+          <p:cNvPr id="15" name="Table 14"/>
+          <p:cNvGraphicFramePr>
+            <a:graphicFrameLocks noGrp="1"/>
+          </p:cNvGraphicFramePr>
+          <p:nvPr>
+            <p:extLst>
+              <p:ext uri="{D42A27DB-BD31-4B8C-83A1-F6EECF244321}">
+                <p14:modId xmlns:p14="http://schemas.microsoft.com/office/powerpoint/2010/main" val="235873969"/>
+              </p:ext>
+            </p:extLst>
+          </p:nvPr>
+        </p:nvGraphicFramePr>
+        <p:xfrm>
+          <a:off x="2489199" y="4397586"/>
+          <a:ext cx="1798320" cy="1800015"/>
+        </p:xfrm>
+        <a:graphic>
+          <a:graphicData uri="http://schemas.openxmlformats.org/drawingml/2006/table">
+            <a:tbl>
+              <a:tblPr bandRow="1">
+                <a:tableStyleId>{5C22544A-7EE6-4342-B048-85BDC9FD1C3A}</a:tableStyleId>
+              </a:tblPr>
+              <a:tblGrid>
+                <a:gridCol w="599440"/>
+                <a:gridCol w="599440"/>
+                <a:gridCol w="599440"/>
+              </a:tblGrid>
+              <a:tr h="600005">
+                <a:tc>
+                  <a:txBody>
+                    <a:bodyPr/>
+                    <a:lstStyle/>
+                    <a:p>
+                      <a:pPr algn="ctr"/>
+                      <a:r>
+                        <a:rPr lang="en-US" sz="2400" b="1" dirty="0" smtClean="0">
+                          <a:solidFill>
+                            <a:schemeClr val="bg1"/>
+                          </a:solidFill>
+                        </a:rPr>
+                        <a:t>O</a:t>
+                      </a:r>
+                      <a:endParaRPr lang="en-US" sz="2400" b="1" dirty="0">
+                        <a:solidFill>
+                          <a:schemeClr val="bg1"/>
+                        </a:solidFill>
+                      </a:endParaRPr>
+                    </a:p>
+                  </a:txBody>
+                  <a:tcPr anchor="ctr">
+                    <a:lnL w="12700" cmpd="sng">
+                      <a:noFill/>
+                    </a:lnL>
+                    <a:lnR w="38100" cap="flat" cmpd="sng" algn="ctr">
+                      <a:solidFill>
+                        <a:schemeClr val="bg1"/>
+                      </a:solidFill>
+                      <a:prstDash val="solid"/>
+                      <a:round/>
+                      <a:headEnd type="none" w="med" len="med"/>
+                      <a:tailEnd type="none" w="med" len="med"/>
+                    </a:lnR>
+                    <a:lnT w="12700" cmpd="sng">
+                      <a:noFill/>
+                    </a:lnT>
+                    <a:lnB w="38100" cap="flat" cmpd="sng" algn="ctr">
+                      <a:solidFill>
+                        <a:schemeClr val="bg1"/>
+                      </a:solidFill>
+                      <a:prstDash val="solid"/>
+                      <a:round/>
+                      <a:headEnd type="none" w="med" len="med"/>
+                      <a:tailEnd type="none" w="med" len="med"/>
+                    </a:lnB>
+                    <a:lnTlToBr w="12700" cmpd="sng">
+                      <a:noFill/>
+                      <a:prstDash val="solid"/>
+                    </a:lnTlToBr>
+                    <a:lnBlToTr w="12700" cmpd="sng">
+                      <a:noFill/>
+                      <a:prstDash val="solid"/>
+                    </a:lnBlToTr>
+                    <a:noFill/>
+                  </a:tcPr>
+                </a:tc>
+                <a:tc>
+                  <a:txBody>
+                    <a:bodyPr/>
+                    <a:lstStyle/>
+                    <a:p>
+                      <a:pPr algn="ctr"/>
+                      <a:endParaRPr lang="en-US" sz="2400" b="1" dirty="0">
+                        <a:solidFill>
+                          <a:schemeClr val="bg1"/>
+                        </a:solidFill>
+                      </a:endParaRPr>
+                    </a:p>
+                  </a:txBody>
+                  <a:tcPr anchor="ctr">
+                    <a:lnL w="38100" cap="flat" cmpd="sng" algn="ctr">
+                      <a:solidFill>
+                        <a:schemeClr val="bg1"/>
+                      </a:solidFill>
+                      <a:prstDash val="solid"/>
+                      <a:round/>
+                      <a:headEnd type="none" w="med" len="med"/>
+                      <a:tailEnd type="none" w="med" len="med"/>
+                    </a:lnL>
+                    <a:lnR w="38100" cap="flat" cmpd="sng" algn="ctr">
+                      <a:solidFill>
+                        <a:schemeClr val="bg1"/>
+                      </a:solidFill>
+                      <a:prstDash val="solid"/>
+                      <a:round/>
+                      <a:headEnd type="none" w="med" len="med"/>
+                      <a:tailEnd type="none" w="med" len="med"/>
+                    </a:lnR>
+                    <a:lnT w="12700" cmpd="sng">
+                      <a:noFill/>
+                    </a:lnT>
+                    <a:lnB w="38100" cap="flat" cmpd="sng" algn="ctr">
+                      <a:solidFill>
+                        <a:schemeClr val="bg1"/>
+                      </a:solidFill>
+                      <a:prstDash val="solid"/>
+                      <a:round/>
+                      <a:headEnd type="none" w="med" len="med"/>
+                      <a:tailEnd type="none" w="med" len="med"/>
+                    </a:lnB>
+                    <a:lnTlToBr w="12700" cmpd="sng">
+                      <a:noFill/>
+                      <a:prstDash val="solid"/>
+                    </a:lnTlToBr>
+                    <a:lnBlToTr w="12700" cmpd="sng">
+                      <a:noFill/>
+                      <a:prstDash val="solid"/>
+                    </a:lnBlToTr>
+                    <a:noFill/>
+                  </a:tcPr>
+                </a:tc>
+                <a:tc>
+                  <a:txBody>
+                    <a:bodyPr/>
+                    <a:lstStyle/>
+                    <a:p>
+                      <a:pPr algn="ctr"/>
+                      <a:r>
+                        <a:rPr lang="en-US" sz="2400" b="1" dirty="0" smtClean="0">
+                          <a:solidFill>
+                            <a:schemeClr val="bg1"/>
+                          </a:solidFill>
+                        </a:rPr>
+                        <a:t>X</a:t>
+                      </a:r>
+                      <a:endParaRPr lang="en-US" sz="2400" b="1" dirty="0">
+                        <a:solidFill>
+                          <a:schemeClr val="bg1"/>
+                        </a:solidFill>
+                      </a:endParaRPr>
+                    </a:p>
+                  </a:txBody>
+                  <a:tcPr anchor="ctr">
+                    <a:lnL w="38100" cap="flat" cmpd="sng" algn="ctr">
+                      <a:solidFill>
+                        <a:schemeClr val="bg1"/>
+                      </a:solidFill>
+                      <a:prstDash val="solid"/>
+                      <a:round/>
+                      <a:headEnd type="none" w="med" len="med"/>
+                      <a:tailEnd type="none" w="med" len="med"/>
+                    </a:lnL>
+                    <a:lnR w="12700" cmpd="sng">
+                      <a:noFill/>
+                    </a:lnR>
+                    <a:lnT w="12700" cmpd="sng">
+                      <a:noFill/>
+                    </a:lnT>
+                    <a:lnB w="38100" cap="flat" cmpd="sng" algn="ctr">
+                      <a:solidFill>
+                        <a:schemeClr val="bg1"/>
+                      </a:solidFill>
+                      <a:prstDash val="solid"/>
+                      <a:round/>
+                      <a:headEnd type="none" w="med" len="med"/>
+                      <a:tailEnd type="none" w="med" len="med"/>
+                    </a:lnB>
+                    <a:lnTlToBr w="12700" cmpd="sng">
+                      <a:noFill/>
+                      <a:prstDash val="solid"/>
+                    </a:lnTlToBr>
+                    <a:lnBlToTr w="12700" cmpd="sng">
+                      <a:noFill/>
+                      <a:prstDash val="solid"/>
+                    </a:lnBlToTr>
+                    <a:noFill/>
+                  </a:tcPr>
+                </a:tc>
+              </a:tr>
+              <a:tr h="600005">
+                <a:tc>
+                  <a:txBody>
+                    <a:bodyPr/>
+                    <a:lstStyle/>
+                    <a:p>
+                      <a:pPr algn="ctr"/>
+                      <a:r>
+                        <a:rPr lang="en-US" sz="2400" b="1" dirty="0" smtClean="0">
+                          <a:solidFill>
+                            <a:schemeClr val="bg1"/>
+                          </a:solidFill>
+                        </a:rPr>
+                        <a:t>X</a:t>
+                      </a:r>
+                      <a:endParaRPr lang="en-US" sz="2400" b="1" dirty="0">
+                        <a:solidFill>
+                          <a:schemeClr val="bg1"/>
+                        </a:solidFill>
+                      </a:endParaRPr>
+                    </a:p>
+                  </a:txBody>
+                  <a:tcPr anchor="ctr">
+                    <a:lnL w="12700" cmpd="sng">
+                      <a:noFill/>
+                    </a:lnL>
+                    <a:lnR w="38100" cap="flat" cmpd="sng" algn="ctr">
+                      <a:solidFill>
+                        <a:schemeClr val="bg1"/>
+                      </a:solidFill>
+                      <a:prstDash val="solid"/>
+                      <a:round/>
+                      <a:headEnd type="none" w="med" len="med"/>
+                      <a:tailEnd type="none" w="med" len="med"/>
+                    </a:lnR>
+                    <a:lnT w="38100" cap="flat" cmpd="sng" algn="ctr">
+                      <a:solidFill>
+                        <a:schemeClr val="bg1"/>
+                      </a:solidFill>
+                      <a:prstDash val="solid"/>
+                      <a:round/>
+                      <a:headEnd type="none" w="med" len="med"/>
+                      <a:tailEnd type="none" w="med" len="med"/>
+                    </a:lnT>
+                    <a:lnB w="38100" cap="flat" cmpd="sng" algn="ctr">
+                      <a:solidFill>
+                        <a:schemeClr val="bg1"/>
+                      </a:solidFill>
+                      <a:prstDash val="solid"/>
+                      <a:round/>
+                      <a:headEnd type="none" w="med" len="med"/>
+                      <a:tailEnd type="none" w="med" len="med"/>
+                    </a:lnB>
+                    <a:lnTlToBr w="12700" cmpd="sng">
+                      <a:noFill/>
+                      <a:prstDash val="solid"/>
+                    </a:lnTlToBr>
+                    <a:lnBlToTr w="12700" cmpd="sng">
+                      <a:noFill/>
+                      <a:prstDash val="solid"/>
+                    </a:lnBlToTr>
+                    <a:noFill/>
+                  </a:tcPr>
+                </a:tc>
+                <a:tc>
+                  <a:txBody>
+                    <a:bodyPr/>
+                    <a:lstStyle/>
+                    <a:p>
+                      <a:pPr algn="ctr"/>
+                      <a:r>
+                        <a:rPr lang="en-US" sz="2400" b="1" dirty="0" smtClean="0">
+                          <a:solidFill>
+                            <a:schemeClr val="accent6">
+                              <a:lumMod val="60000"/>
+                              <a:lumOff val="40000"/>
+                            </a:schemeClr>
+                          </a:solidFill>
+                        </a:rPr>
+                        <a:t>X</a:t>
+                      </a:r>
+                      <a:endParaRPr lang="en-US" sz="2400" b="1" dirty="0">
+                        <a:solidFill>
+                          <a:schemeClr val="accent6">
+                            <a:lumMod val="60000"/>
+                            <a:lumOff val="40000"/>
+                          </a:schemeClr>
+                        </a:solidFill>
+                      </a:endParaRPr>
+                    </a:p>
+                  </a:txBody>
+                  <a:tcPr anchor="ctr">
+                    <a:lnL w="38100" cap="flat" cmpd="sng" algn="ctr">
+                      <a:solidFill>
+                        <a:schemeClr val="bg1"/>
+                      </a:solidFill>
+                      <a:prstDash val="solid"/>
+                      <a:round/>
+                      <a:headEnd type="none" w="med" len="med"/>
+                      <a:tailEnd type="none" w="med" len="med"/>
+                    </a:lnL>
+                    <a:lnR w="38100" cap="flat" cmpd="sng" algn="ctr">
+                      <a:solidFill>
+                        <a:schemeClr val="bg1"/>
+                      </a:solidFill>
+                      <a:prstDash val="solid"/>
+                      <a:round/>
+                      <a:headEnd type="none" w="med" len="med"/>
+                      <a:tailEnd type="none" w="med" len="med"/>
+                    </a:lnR>
+                    <a:lnT w="38100" cap="flat" cmpd="sng" algn="ctr">
+                      <a:solidFill>
+                        <a:schemeClr val="bg1"/>
+                      </a:solidFill>
+                      <a:prstDash val="solid"/>
+                      <a:round/>
+                      <a:headEnd type="none" w="med" len="med"/>
+                      <a:tailEnd type="none" w="med" len="med"/>
+                    </a:lnT>
+                    <a:lnB w="38100" cap="flat" cmpd="sng" algn="ctr">
+                      <a:solidFill>
+                        <a:schemeClr val="bg1"/>
+                      </a:solidFill>
+                      <a:prstDash val="solid"/>
+                      <a:round/>
+                      <a:headEnd type="none" w="med" len="med"/>
+                      <a:tailEnd type="none" w="med" len="med"/>
+                    </a:lnB>
+                    <a:lnTlToBr w="12700" cmpd="sng">
+                      <a:noFill/>
+                      <a:prstDash val="solid"/>
+                    </a:lnTlToBr>
+                    <a:lnBlToTr w="12700" cmpd="sng">
+                      <a:noFill/>
+                      <a:prstDash val="solid"/>
+                    </a:lnBlToTr>
+                    <a:noFill/>
+                  </a:tcPr>
+                </a:tc>
+                <a:tc>
+                  <a:txBody>
+                    <a:bodyPr/>
+                    <a:lstStyle/>
+                    <a:p>
+                      <a:pPr algn="ctr"/>
+                      <a:endParaRPr lang="en-US" sz="2400" b="1" dirty="0">
+                        <a:solidFill>
+                          <a:schemeClr val="bg1"/>
+                        </a:solidFill>
+                      </a:endParaRPr>
+                    </a:p>
+                  </a:txBody>
+                  <a:tcPr anchor="ctr">
+                    <a:lnL w="38100" cap="flat" cmpd="sng" algn="ctr">
+                      <a:solidFill>
+                        <a:schemeClr val="bg1"/>
+                      </a:solidFill>
+                      <a:prstDash val="solid"/>
+                      <a:round/>
+                      <a:headEnd type="none" w="med" len="med"/>
+                      <a:tailEnd type="none" w="med" len="med"/>
+                    </a:lnL>
+                    <a:lnR w="12700" cmpd="sng">
+                      <a:noFill/>
+                    </a:lnR>
+                    <a:lnT w="38100" cap="flat" cmpd="sng" algn="ctr">
+                      <a:solidFill>
+                        <a:schemeClr val="bg1"/>
+                      </a:solidFill>
+                      <a:prstDash val="solid"/>
+                      <a:round/>
+                      <a:headEnd type="none" w="med" len="med"/>
+                      <a:tailEnd type="none" w="med" len="med"/>
+                    </a:lnT>
+                    <a:lnB w="38100" cap="flat" cmpd="sng" algn="ctr">
+                      <a:solidFill>
+                        <a:schemeClr val="bg1"/>
+                      </a:solidFill>
+                      <a:prstDash val="solid"/>
+                      <a:round/>
+                      <a:headEnd type="none" w="med" len="med"/>
+                      <a:tailEnd type="none" w="med" len="med"/>
+                    </a:lnB>
+                    <a:lnTlToBr w="12700" cmpd="sng">
+                      <a:noFill/>
+                      <a:prstDash val="solid"/>
+                    </a:lnTlToBr>
+                    <a:lnBlToTr w="12700" cmpd="sng">
+                      <a:noFill/>
+                      <a:prstDash val="solid"/>
+                    </a:lnBlToTr>
+                    <a:noFill/>
+                  </a:tcPr>
+                </a:tc>
+              </a:tr>
+              <a:tr h="600005">
+                <a:tc>
+                  <a:txBody>
+                    <a:bodyPr/>
+                    <a:lstStyle/>
+                    <a:p>
+                      <a:pPr algn="ctr"/>
+                      <a:r>
+                        <a:rPr lang="en-US" sz="2400" b="1" dirty="0" smtClean="0">
+                          <a:solidFill>
+                            <a:schemeClr val="bg1"/>
+                          </a:solidFill>
+                        </a:rPr>
+                        <a:t>X</a:t>
+                      </a:r>
+                      <a:endParaRPr lang="en-US" sz="2400" b="1" dirty="0">
+                        <a:solidFill>
+                          <a:schemeClr val="bg1"/>
+                        </a:solidFill>
+                      </a:endParaRPr>
+                    </a:p>
+                  </a:txBody>
+                  <a:tcPr anchor="ctr">
+                    <a:lnL w="12700" cmpd="sng">
+                      <a:noFill/>
+                    </a:lnL>
+                    <a:lnR w="38100" cap="flat" cmpd="sng" algn="ctr">
+                      <a:solidFill>
+                        <a:schemeClr val="bg1"/>
+                      </a:solidFill>
+                      <a:prstDash val="solid"/>
+                      <a:round/>
+                      <a:headEnd type="none" w="med" len="med"/>
+                      <a:tailEnd type="none" w="med" len="med"/>
+                    </a:lnR>
+                    <a:lnT w="38100" cap="flat" cmpd="sng" algn="ctr">
+                      <a:solidFill>
+                        <a:schemeClr val="bg1"/>
+                      </a:solidFill>
+                      <a:prstDash val="solid"/>
+                      <a:round/>
+                      <a:headEnd type="none" w="med" len="med"/>
+                      <a:tailEnd type="none" w="med" len="med"/>
+                    </a:lnT>
+                    <a:lnB w="12700" cmpd="sng">
+                      <a:noFill/>
+                    </a:lnB>
+                    <a:lnTlToBr w="12700" cmpd="sng">
+                      <a:noFill/>
+                      <a:prstDash val="solid"/>
+                    </a:lnTlToBr>
+                    <a:lnBlToTr w="12700" cmpd="sng">
+                      <a:noFill/>
+                      <a:prstDash val="solid"/>
+                    </a:lnBlToTr>
+                    <a:noFill/>
+                  </a:tcPr>
+                </a:tc>
+                <a:tc>
+                  <a:txBody>
+                    <a:bodyPr/>
+                    <a:lstStyle/>
+                    <a:p>
+                      <a:pPr algn="ctr"/>
+                      <a:r>
+                        <a:rPr lang="en-US" sz="2400" b="1" dirty="0" smtClean="0">
+                          <a:solidFill>
+                            <a:schemeClr val="bg1"/>
+                          </a:solidFill>
+                        </a:rPr>
+                        <a:t>O</a:t>
+                      </a:r>
+                      <a:endParaRPr lang="en-US" sz="2400" b="1" dirty="0">
+                        <a:solidFill>
+                          <a:schemeClr val="bg1"/>
+                        </a:solidFill>
+                      </a:endParaRPr>
+                    </a:p>
+                  </a:txBody>
+                  <a:tcPr anchor="ctr">
+                    <a:lnL w="38100" cap="flat" cmpd="sng" algn="ctr">
+                      <a:solidFill>
+                        <a:schemeClr val="bg1"/>
+                      </a:solidFill>
+                      <a:prstDash val="solid"/>
+                      <a:round/>
+                      <a:headEnd type="none" w="med" len="med"/>
+                      <a:tailEnd type="none" w="med" len="med"/>
+                    </a:lnL>
+                    <a:lnR w="38100" cap="flat" cmpd="sng" algn="ctr">
+                      <a:solidFill>
+                        <a:schemeClr val="bg1"/>
+                      </a:solidFill>
+                      <a:prstDash val="solid"/>
+                      <a:round/>
+                      <a:headEnd type="none" w="med" len="med"/>
+                      <a:tailEnd type="none" w="med" len="med"/>
+                    </a:lnR>
+                    <a:lnT w="38100" cap="flat" cmpd="sng" algn="ctr">
+                      <a:solidFill>
+                        <a:schemeClr val="bg1"/>
+                      </a:solidFill>
+                      <a:prstDash val="solid"/>
+                      <a:round/>
+                      <a:headEnd type="none" w="med" len="med"/>
+                      <a:tailEnd type="none" w="med" len="med"/>
+                    </a:lnT>
+                    <a:lnB w="12700" cmpd="sng">
+                      <a:noFill/>
+                    </a:lnB>
+                    <a:lnTlToBr w="12700" cmpd="sng">
+                      <a:noFill/>
+                      <a:prstDash val="solid"/>
+                    </a:lnTlToBr>
+                    <a:lnBlToTr w="12700" cmpd="sng">
+                      <a:noFill/>
+                      <a:prstDash val="solid"/>
+                    </a:lnBlToTr>
+                    <a:noFill/>
+                  </a:tcPr>
+                </a:tc>
+                <a:tc>
+                  <a:txBody>
+                    <a:bodyPr/>
+                    <a:lstStyle/>
+                    <a:p>
+                      <a:pPr algn="ctr"/>
+                      <a:r>
+                        <a:rPr lang="en-US" sz="2400" b="1" dirty="0" smtClean="0">
+                          <a:solidFill>
+                            <a:schemeClr val="bg1"/>
+                          </a:solidFill>
+                        </a:rPr>
+                        <a:t>O</a:t>
+                      </a:r>
+                      <a:endParaRPr lang="en-US" sz="2400" b="1" dirty="0">
+                        <a:solidFill>
+                          <a:schemeClr val="bg1"/>
+                        </a:solidFill>
+                      </a:endParaRPr>
+                    </a:p>
+                  </a:txBody>
+                  <a:tcPr anchor="ctr">
+                    <a:lnL w="38100" cap="flat" cmpd="sng" algn="ctr">
+                      <a:solidFill>
+                        <a:schemeClr val="bg1"/>
+                      </a:solidFill>
+                      <a:prstDash val="solid"/>
+                      <a:round/>
+                      <a:headEnd type="none" w="med" len="med"/>
+                      <a:tailEnd type="none" w="med" len="med"/>
+                    </a:lnL>
+                    <a:lnR w="12700" cmpd="sng">
+                      <a:noFill/>
+                    </a:lnR>
+                    <a:lnT w="38100" cap="flat" cmpd="sng" algn="ctr">
+                      <a:solidFill>
+                        <a:schemeClr val="bg1"/>
+                      </a:solidFill>
+                      <a:prstDash val="solid"/>
+                      <a:round/>
+                      <a:headEnd type="none" w="med" len="med"/>
+                      <a:tailEnd type="none" w="med" len="med"/>
+                    </a:lnT>
+                    <a:lnB w="12700" cmpd="sng">
+                      <a:noFill/>
+                    </a:lnB>
+                    <a:lnTlToBr w="12700" cmpd="sng">
+                      <a:noFill/>
+                      <a:prstDash val="solid"/>
+                    </a:lnTlToBr>
+                    <a:lnBlToTr w="12700" cmpd="sng">
+                      <a:noFill/>
+                      <a:prstDash val="solid"/>
+                    </a:lnBlToTr>
+                    <a:noFill/>
+                  </a:tcPr>
+                </a:tc>
+              </a:tr>
+            </a:tbl>
+          </a:graphicData>
+        </a:graphic>
+      </p:graphicFrame>
+      <p:graphicFrame>
+        <p:nvGraphicFramePr>
+          <p:cNvPr id="20" name="Table 19"/>
+          <p:cNvGraphicFramePr>
+            <a:graphicFrameLocks noGrp="1"/>
+          </p:cNvGraphicFramePr>
+          <p:nvPr>
+            <p:extLst>
+              <p:ext uri="{D42A27DB-BD31-4B8C-83A1-F6EECF244321}">
+                <p14:modId xmlns:p14="http://schemas.microsoft.com/office/powerpoint/2010/main" val="738017715"/>
+              </p:ext>
+            </p:extLst>
+          </p:nvPr>
+        </p:nvGraphicFramePr>
+        <p:xfrm>
+          <a:off x="4886959" y="1745826"/>
+          <a:ext cx="1798320" cy="1800015"/>
+        </p:xfrm>
+        <a:graphic>
+          <a:graphicData uri="http://schemas.openxmlformats.org/drawingml/2006/table">
+            <a:tbl>
+              <a:tblPr bandRow="1">
+                <a:tableStyleId>{5C22544A-7EE6-4342-B048-85BDC9FD1C3A}</a:tableStyleId>
+              </a:tblPr>
+              <a:tblGrid>
+                <a:gridCol w="599440"/>
+                <a:gridCol w="599440"/>
+                <a:gridCol w="599440"/>
+              </a:tblGrid>
+              <a:tr h="600005">
+                <a:tc>
+                  <a:txBody>
+                    <a:bodyPr/>
+                    <a:lstStyle/>
+                    <a:p>
+                      <a:pPr algn="ctr"/>
+                      <a:r>
+                        <a:rPr lang="en-US" sz="2400" b="1" dirty="0" smtClean="0">
+                          <a:solidFill>
+                            <a:schemeClr val="bg1"/>
+                          </a:solidFill>
+                        </a:rPr>
+                        <a:t>O</a:t>
+                      </a:r>
+                      <a:endParaRPr lang="en-US" sz="2400" b="1" dirty="0">
+                        <a:solidFill>
+                          <a:schemeClr val="bg1"/>
+                        </a:solidFill>
+                      </a:endParaRPr>
+                    </a:p>
+                  </a:txBody>
+                  <a:tcPr anchor="ctr">
+                    <a:lnL w="12700" cmpd="sng">
+                      <a:noFill/>
+                    </a:lnL>
+                    <a:lnR w="38100" cap="flat" cmpd="sng" algn="ctr">
+                      <a:solidFill>
+                        <a:schemeClr val="bg1"/>
+                      </a:solidFill>
+                      <a:prstDash val="solid"/>
+                      <a:round/>
+                      <a:headEnd type="none" w="med" len="med"/>
+                      <a:tailEnd type="none" w="med" len="med"/>
+                    </a:lnR>
+                    <a:lnT w="12700" cmpd="sng">
+                      <a:noFill/>
+                    </a:lnT>
+                    <a:lnB w="38100" cap="flat" cmpd="sng" algn="ctr">
+                      <a:solidFill>
+                        <a:schemeClr val="bg1"/>
+                      </a:solidFill>
+                      <a:prstDash val="solid"/>
+                      <a:round/>
+                      <a:headEnd type="none" w="med" len="med"/>
+                      <a:tailEnd type="none" w="med" len="med"/>
+                    </a:lnB>
+                    <a:lnTlToBr w="12700" cmpd="sng">
+                      <a:noFill/>
+                      <a:prstDash val="solid"/>
+                    </a:lnTlToBr>
+                    <a:lnBlToTr w="12700" cmpd="sng">
+                      <a:noFill/>
+                      <a:prstDash val="solid"/>
+                    </a:lnBlToTr>
+                    <a:noFill/>
+                  </a:tcPr>
+                </a:tc>
+                <a:tc>
+                  <a:txBody>
+                    <a:bodyPr/>
+                    <a:lstStyle/>
+                    <a:p>
+                      <a:pPr algn="ctr"/>
+                      <a:endParaRPr lang="en-US" sz="2400" b="1" dirty="0">
+                        <a:solidFill>
+                          <a:schemeClr val="bg1"/>
+                        </a:solidFill>
+                      </a:endParaRPr>
+                    </a:p>
+                  </a:txBody>
+                  <a:tcPr anchor="ctr">
+                    <a:lnL w="38100" cap="flat" cmpd="sng" algn="ctr">
+                      <a:solidFill>
+                        <a:schemeClr val="bg1"/>
+                      </a:solidFill>
+                      <a:prstDash val="solid"/>
+                      <a:round/>
+                      <a:headEnd type="none" w="med" len="med"/>
+                      <a:tailEnd type="none" w="med" len="med"/>
+                    </a:lnL>
+                    <a:lnR w="38100" cap="flat" cmpd="sng" algn="ctr">
+                      <a:solidFill>
+                        <a:schemeClr val="bg1"/>
+                      </a:solidFill>
+                      <a:prstDash val="solid"/>
+                      <a:round/>
+                      <a:headEnd type="none" w="med" len="med"/>
+                      <a:tailEnd type="none" w="med" len="med"/>
+                    </a:lnR>
+                    <a:lnT w="12700" cmpd="sng">
+                      <a:noFill/>
+                    </a:lnT>
+                    <a:lnB w="38100" cap="flat" cmpd="sng" algn="ctr">
+                      <a:solidFill>
+                        <a:schemeClr val="bg1"/>
+                      </a:solidFill>
+                      <a:prstDash val="solid"/>
+                      <a:round/>
+                      <a:headEnd type="none" w="med" len="med"/>
+                      <a:tailEnd type="none" w="med" len="med"/>
+                    </a:lnB>
+                    <a:lnTlToBr w="12700" cmpd="sng">
+                      <a:noFill/>
+                      <a:prstDash val="solid"/>
+                    </a:lnTlToBr>
+                    <a:lnBlToTr w="12700" cmpd="sng">
+                      <a:noFill/>
+                      <a:prstDash val="solid"/>
+                    </a:lnBlToTr>
+                    <a:noFill/>
+                  </a:tcPr>
+                </a:tc>
+                <a:tc>
+                  <a:txBody>
+                    <a:bodyPr/>
+                    <a:lstStyle/>
+                    <a:p>
+                      <a:pPr algn="ctr"/>
+                      <a:r>
+                        <a:rPr lang="en-US" sz="2400" b="1" dirty="0" smtClean="0">
+                          <a:solidFill>
+                            <a:schemeClr val="bg1"/>
+                          </a:solidFill>
+                        </a:rPr>
+                        <a:t>X</a:t>
+                      </a:r>
+                      <a:endParaRPr lang="en-US" sz="2400" b="1" dirty="0">
+                        <a:solidFill>
+                          <a:schemeClr val="bg1"/>
+                        </a:solidFill>
+                      </a:endParaRPr>
+                    </a:p>
+                  </a:txBody>
+                  <a:tcPr anchor="ctr">
+                    <a:lnL w="38100" cap="flat" cmpd="sng" algn="ctr">
+                      <a:solidFill>
+                        <a:schemeClr val="bg1"/>
+                      </a:solidFill>
+                      <a:prstDash val="solid"/>
+                      <a:round/>
+                      <a:headEnd type="none" w="med" len="med"/>
+                      <a:tailEnd type="none" w="med" len="med"/>
+                    </a:lnL>
+                    <a:lnR w="12700" cmpd="sng">
+                      <a:noFill/>
+                    </a:lnR>
+                    <a:lnT w="12700" cmpd="sng">
+                      <a:noFill/>
+                    </a:lnT>
+                    <a:lnB w="38100" cap="flat" cmpd="sng" algn="ctr">
+                      <a:solidFill>
+                        <a:schemeClr val="bg1"/>
+                      </a:solidFill>
+                      <a:prstDash val="solid"/>
+                      <a:round/>
+                      <a:headEnd type="none" w="med" len="med"/>
+                      <a:tailEnd type="none" w="med" len="med"/>
+                    </a:lnB>
+                    <a:lnTlToBr w="12700" cmpd="sng">
+                      <a:noFill/>
+                      <a:prstDash val="solid"/>
+                    </a:lnTlToBr>
+                    <a:lnBlToTr w="12700" cmpd="sng">
+                      <a:noFill/>
+                      <a:prstDash val="solid"/>
+                    </a:lnBlToTr>
+                    <a:noFill/>
+                  </a:tcPr>
+                </a:tc>
+              </a:tr>
+              <a:tr h="600005">
+                <a:tc>
+                  <a:txBody>
+                    <a:bodyPr/>
+                    <a:lstStyle/>
+                    <a:p>
+                      <a:pPr algn="ctr"/>
+                      <a:r>
+                        <a:rPr lang="en-US" sz="2400" b="1" dirty="0" smtClean="0">
+                          <a:solidFill>
+                            <a:schemeClr val="bg1"/>
+                          </a:solidFill>
+                        </a:rPr>
+                        <a:t>X</a:t>
+                      </a:r>
+                      <a:endParaRPr lang="en-US" sz="2400" b="1" dirty="0">
+                        <a:solidFill>
+                          <a:schemeClr val="bg1"/>
+                        </a:solidFill>
+                      </a:endParaRPr>
+                    </a:p>
+                  </a:txBody>
+                  <a:tcPr anchor="ctr">
+                    <a:lnL w="12700" cmpd="sng">
+                      <a:noFill/>
+                    </a:lnL>
+                    <a:lnR w="38100" cap="flat" cmpd="sng" algn="ctr">
+                      <a:solidFill>
+                        <a:schemeClr val="bg1"/>
+                      </a:solidFill>
+                      <a:prstDash val="solid"/>
+                      <a:round/>
+                      <a:headEnd type="none" w="med" len="med"/>
+                      <a:tailEnd type="none" w="med" len="med"/>
+                    </a:lnR>
+                    <a:lnT w="38100" cap="flat" cmpd="sng" algn="ctr">
+                      <a:solidFill>
+                        <a:schemeClr val="bg1"/>
+                      </a:solidFill>
+                      <a:prstDash val="solid"/>
+                      <a:round/>
+                      <a:headEnd type="none" w="med" len="med"/>
+                      <a:tailEnd type="none" w="med" len="med"/>
+                    </a:lnT>
+                    <a:lnB w="38100" cap="flat" cmpd="sng" algn="ctr">
+                      <a:solidFill>
+                        <a:schemeClr val="bg1"/>
+                      </a:solidFill>
+                      <a:prstDash val="solid"/>
+                      <a:round/>
+                      <a:headEnd type="none" w="med" len="med"/>
+                      <a:tailEnd type="none" w="med" len="med"/>
+                    </a:lnB>
+                    <a:lnTlToBr w="12700" cmpd="sng">
+                      <a:noFill/>
+                      <a:prstDash val="solid"/>
+                    </a:lnTlToBr>
+                    <a:lnBlToTr w="12700" cmpd="sng">
+                      <a:noFill/>
+                      <a:prstDash val="solid"/>
+                    </a:lnBlToTr>
+                    <a:noFill/>
+                  </a:tcPr>
+                </a:tc>
+                <a:tc>
+                  <a:txBody>
+                    <a:bodyPr/>
+                    <a:lstStyle/>
+                    <a:p>
+                      <a:pPr algn="ctr"/>
+                      <a:endParaRPr lang="en-US" sz="2400" b="1" dirty="0">
+                        <a:solidFill>
+                          <a:schemeClr val="bg1"/>
+                        </a:solidFill>
+                      </a:endParaRPr>
+                    </a:p>
+                  </a:txBody>
+                  <a:tcPr anchor="ctr">
+                    <a:lnL w="38100" cap="flat" cmpd="sng" algn="ctr">
+                      <a:solidFill>
+                        <a:schemeClr val="bg1"/>
+                      </a:solidFill>
+                      <a:prstDash val="solid"/>
+                      <a:round/>
+                      <a:headEnd type="none" w="med" len="med"/>
+                      <a:tailEnd type="none" w="med" len="med"/>
+                    </a:lnL>
+                    <a:lnR w="38100" cap="flat" cmpd="sng" algn="ctr">
+                      <a:solidFill>
+                        <a:schemeClr val="bg1"/>
+                      </a:solidFill>
+                      <a:prstDash val="solid"/>
+                      <a:round/>
+                      <a:headEnd type="none" w="med" len="med"/>
+                      <a:tailEnd type="none" w="med" len="med"/>
+                    </a:lnR>
+                    <a:lnT w="38100" cap="flat" cmpd="sng" algn="ctr">
+                      <a:solidFill>
+                        <a:schemeClr val="bg1"/>
+                      </a:solidFill>
+                      <a:prstDash val="solid"/>
+                      <a:round/>
+                      <a:headEnd type="none" w="med" len="med"/>
+                      <a:tailEnd type="none" w="med" len="med"/>
+                    </a:lnT>
+                    <a:lnB w="38100" cap="flat" cmpd="sng" algn="ctr">
+                      <a:solidFill>
+                        <a:schemeClr val="bg1"/>
+                      </a:solidFill>
+                      <a:prstDash val="solid"/>
+                      <a:round/>
+                      <a:headEnd type="none" w="med" len="med"/>
+                      <a:tailEnd type="none" w="med" len="med"/>
+                    </a:lnB>
+                    <a:lnTlToBr w="12700" cmpd="sng">
+                      <a:noFill/>
+                      <a:prstDash val="solid"/>
+                    </a:lnTlToBr>
+                    <a:lnBlToTr w="12700" cmpd="sng">
+                      <a:noFill/>
+                      <a:prstDash val="solid"/>
+                    </a:lnBlToTr>
+                    <a:noFill/>
+                  </a:tcPr>
+                </a:tc>
+                <a:tc>
+                  <a:txBody>
+                    <a:bodyPr/>
+                    <a:lstStyle/>
+                    <a:p>
+                      <a:pPr algn="ctr"/>
+                      <a:endParaRPr lang="en-US" sz="2400" b="1" dirty="0">
+                        <a:solidFill>
+                          <a:schemeClr val="bg1"/>
+                        </a:solidFill>
+                      </a:endParaRPr>
+                    </a:p>
+                  </a:txBody>
+                  <a:tcPr anchor="ctr">
+                    <a:lnL w="38100" cap="flat" cmpd="sng" algn="ctr">
+                      <a:solidFill>
+                        <a:schemeClr val="bg1"/>
+                      </a:solidFill>
+                      <a:prstDash val="solid"/>
+                      <a:round/>
+                      <a:headEnd type="none" w="med" len="med"/>
+                      <a:tailEnd type="none" w="med" len="med"/>
+                    </a:lnL>
+                    <a:lnR w="12700" cmpd="sng">
+                      <a:noFill/>
+                    </a:lnR>
+                    <a:lnT w="38100" cap="flat" cmpd="sng" algn="ctr">
+                      <a:solidFill>
+                        <a:schemeClr val="bg1"/>
+                      </a:solidFill>
+                      <a:prstDash val="solid"/>
+                      <a:round/>
+                      <a:headEnd type="none" w="med" len="med"/>
+                      <a:tailEnd type="none" w="med" len="med"/>
+                    </a:lnT>
+                    <a:lnB w="38100" cap="flat" cmpd="sng" algn="ctr">
+                      <a:solidFill>
+                        <a:schemeClr val="bg1"/>
+                      </a:solidFill>
+                      <a:prstDash val="solid"/>
+                      <a:round/>
+                      <a:headEnd type="none" w="med" len="med"/>
+                      <a:tailEnd type="none" w="med" len="med"/>
+                    </a:lnB>
+                    <a:lnTlToBr w="12700" cmpd="sng">
+                      <a:noFill/>
+                      <a:prstDash val="solid"/>
+                    </a:lnTlToBr>
+                    <a:lnBlToTr w="12700" cmpd="sng">
+                      <a:noFill/>
+                      <a:prstDash val="solid"/>
+                    </a:lnBlToTr>
+                    <a:noFill/>
+                  </a:tcPr>
+                </a:tc>
+              </a:tr>
+              <a:tr h="600005">
+                <a:tc>
+                  <a:txBody>
+                    <a:bodyPr/>
+                    <a:lstStyle/>
+                    <a:p>
+                      <a:pPr algn="ctr"/>
+                      <a:r>
+                        <a:rPr lang="en-US" sz="2400" b="1" dirty="0" smtClean="0">
+                          <a:solidFill>
+                            <a:schemeClr val="bg1"/>
+                          </a:solidFill>
+                        </a:rPr>
+                        <a:t>X</a:t>
+                      </a:r>
+                      <a:endParaRPr lang="en-US" sz="2400" b="1" dirty="0">
+                        <a:solidFill>
+                          <a:schemeClr val="bg1"/>
+                        </a:solidFill>
+                      </a:endParaRPr>
+                    </a:p>
+                  </a:txBody>
+                  <a:tcPr anchor="ctr">
+                    <a:lnL w="12700" cmpd="sng">
+                      <a:noFill/>
+                    </a:lnL>
+                    <a:lnR w="38100" cap="flat" cmpd="sng" algn="ctr">
+                      <a:solidFill>
+                        <a:schemeClr val="bg1"/>
+                      </a:solidFill>
+                      <a:prstDash val="solid"/>
+                      <a:round/>
+                      <a:headEnd type="none" w="med" len="med"/>
+                      <a:tailEnd type="none" w="med" len="med"/>
+                    </a:lnR>
+                    <a:lnT w="38100" cap="flat" cmpd="sng" algn="ctr">
+                      <a:solidFill>
+                        <a:schemeClr val="bg1"/>
+                      </a:solidFill>
+                      <a:prstDash val="solid"/>
+                      <a:round/>
+                      <a:headEnd type="none" w="med" len="med"/>
+                      <a:tailEnd type="none" w="med" len="med"/>
+                    </a:lnT>
+                    <a:lnB w="12700" cmpd="sng">
+                      <a:noFill/>
+                    </a:lnB>
+                    <a:lnTlToBr w="12700" cmpd="sng">
+                      <a:noFill/>
+                      <a:prstDash val="solid"/>
+                    </a:lnTlToBr>
+                    <a:lnBlToTr w="12700" cmpd="sng">
+                      <a:noFill/>
+                      <a:prstDash val="solid"/>
+                    </a:lnBlToTr>
+                    <a:noFill/>
+                  </a:tcPr>
+                </a:tc>
+                <a:tc>
+                  <a:txBody>
+                    <a:bodyPr/>
+                    <a:lstStyle/>
+                    <a:p>
+                      <a:pPr algn="ctr"/>
+                      <a:r>
+                        <a:rPr lang="en-US" sz="2400" b="1" dirty="0" smtClean="0">
+                          <a:solidFill>
+                            <a:schemeClr val="bg1"/>
+                          </a:solidFill>
+                        </a:rPr>
+                        <a:t>O</a:t>
+                      </a:r>
+                      <a:endParaRPr lang="en-US" sz="2400" b="1" dirty="0">
+                        <a:solidFill>
+                          <a:schemeClr val="bg1"/>
+                        </a:solidFill>
+                      </a:endParaRPr>
+                    </a:p>
+                  </a:txBody>
+                  <a:tcPr anchor="ctr">
+                    <a:lnL w="38100" cap="flat" cmpd="sng" algn="ctr">
+                      <a:solidFill>
+                        <a:schemeClr val="bg1"/>
+                      </a:solidFill>
+                      <a:prstDash val="solid"/>
+                      <a:round/>
+                      <a:headEnd type="none" w="med" len="med"/>
+                      <a:tailEnd type="none" w="med" len="med"/>
+                    </a:lnL>
+                    <a:lnR w="38100" cap="flat" cmpd="sng" algn="ctr">
+                      <a:solidFill>
+                        <a:schemeClr val="bg1"/>
+                      </a:solidFill>
+                      <a:prstDash val="solid"/>
+                      <a:round/>
+                      <a:headEnd type="none" w="med" len="med"/>
+                      <a:tailEnd type="none" w="med" len="med"/>
+                    </a:lnR>
+                    <a:lnT w="38100" cap="flat" cmpd="sng" algn="ctr">
+                      <a:solidFill>
+                        <a:schemeClr val="bg1"/>
+                      </a:solidFill>
+                      <a:prstDash val="solid"/>
+                      <a:round/>
+                      <a:headEnd type="none" w="med" len="med"/>
+                      <a:tailEnd type="none" w="med" len="med"/>
+                    </a:lnT>
+                    <a:lnB w="12700" cmpd="sng">
+                      <a:noFill/>
+                    </a:lnB>
+                    <a:lnTlToBr w="12700" cmpd="sng">
+                      <a:noFill/>
+                      <a:prstDash val="solid"/>
+                    </a:lnTlToBr>
+                    <a:lnBlToTr w="12700" cmpd="sng">
+                      <a:noFill/>
+                      <a:prstDash val="solid"/>
+                    </a:lnBlToTr>
+                    <a:noFill/>
+                  </a:tcPr>
+                </a:tc>
+                <a:tc>
+                  <a:txBody>
+                    <a:bodyPr/>
+                    <a:lstStyle/>
+                    <a:p>
+                      <a:pPr algn="ctr"/>
+                      <a:r>
+                        <a:rPr lang="en-US" sz="2400" b="1" dirty="0" smtClean="0">
+                          <a:solidFill>
+                            <a:schemeClr val="bg1"/>
+                          </a:solidFill>
+                        </a:rPr>
+                        <a:t>O</a:t>
+                      </a:r>
+                      <a:endParaRPr lang="en-US" sz="2400" b="1" dirty="0">
+                        <a:solidFill>
+                          <a:schemeClr val="bg1"/>
+                        </a:solidFill>
+                      </a:endParaRPr>
+                    </a:p>
+                  </a:txBody>
+                  <a:tcPr anchor="ctr">
+                    <a:lnL w="38100" cap="flat" cmpd="sng" algn="ctr">
+                      <a:solidFill>
+                        <a:schemeClr val="bg1"/>
+                      </a:solidFill>
+                      <a:prstDash val="solid"/>
+                      <a:round/>
+                      <a:headEnd type="none" w="med" len="med"/>
+                      <a:tailEnd type="none" w="med" len="med"/>
+                    </a:lnL>
+                    <a:lnR w="12700" cmpd="sng">
+                      <a:noFill/>
+                    </a:lnR>
+                    <a:lnT w="38100" cap="flat" cmpd="sng" algn="ctr">
+                      <a:solidFill>
+                        <a:schemeClr val="bg1"/>
+                      </a:solidFill>
+                      <a:prstDash val="solid"/>
+                      <a:round/>
+                      <a:headEnd type="none" w="med" len="med"/>
+                      <a:tailEnd type="none" w="med" len="med"/>
+                    </a:lnT>
+                    <a:lnB w="12700" cmpd="sng">
+                      <a:noFill/>
+                    </a:lnB>
+                    <a:lnTlToBr w="12700" cmpd="sng">
+                      <a:noFill/>
+                      <a:prstDash val="solid"/>
+                    </a:lnTlToBr>
+                    <a:lnBlToTr w="12700" cmpd="sng">
+                      <a:noFill/>
+                      <a:prstDash val="solid"/>
+                    </a:lnBlToTr>
+                    <a:noFill/>
+                  </a:tcPr>
+                </a:tc>
+              </a:tr>
+            </a:tbl>
+          </a:graphicData>
+        </a:graphic>
+      </p:graphicFrame>
+      <p:graphicFrame>
+        <p:nvGraphicFramePr>
+          <p:cNvPr id="21" name="Table 20"/>
+          <p:cNvGraphicFramePr>
+            <a:graphicFrameLocks noGrp="1"/>
+          </p:cNvGraphicFramePr>
+          <p:nvPr>
+            <p:extLst>
+              <p:ext uri="{D42A27DB-BD31-4B8C-83A1-F6EECF244321}">
+                <p14:modId xmlns:p14="http://schemas.microsoft.com/office/powerpoint/2010/main" val="1847574107"/>
+              </p:ext>
+            </p:extLst>
+          </p:nvPr>
+        </p:nvGraphicFramePr>
+        <p:xfrm>
+          <a:off x="4886959" y="4397585"/>
+          <a:ext cx="1798320" cy="1800015"/>
+        </p:xfrm>
+        <a:graphic>
+          <a:graphicData uri="http://schemas.openxmlformats.org/drawingml/2006/table">
+            <a:tbl>
+              <a:tblPr bandRow="1">
+                <a:tableStyleId>{5C22544A-7EE6-4342-B048-85BDC9FD1C3A}</a:tableStyleId>
+              </a:tblPr>
+              <a:tblGrid>
+                <a:gridCol w="599440"/>
+                <a:gridCol w="599440"/>
+                <a:gridCol w="599440"/>
+              </a:tblGrid>
+              <a:tr h="600005">
+                <a:tc>
+                  <a:txBody>
+                    <a:bodyPr/>
+                    <a:lstStyle/>
+                    <a:p>
+                      <a:pPr algn="ctr"/>
+                      <a:r>
+                        <a:rPr lang="en-US" sz="2400" b="1" dirty="0" smtClean="0">
+                          <a:solidFill>
+                            <a:schemeClr val="bg1"/>
+                          </a:solidFill>
+                        </a:rPr>
+                        <a:t>O</a:t>
+                      </a:r>
+                      <a:endParaRPr lang="en-US" sz="2400" b="1" dirty="0">
+                        <a:solidFill>
+                          <a:schemeClr val="bg1"/>
+                        </a:solidFill>
+                      </a:endParaRPr>
+                    </a:p>
+                  </a:txBody>
+                  <a:tcPr anchor="ctr">
+                    <a:lnL w="12700" cmpd="sng">
+                      <a:noFill/>
+                    </a:lnL>
+                    <a:lnR w="38100" cap="flat" cmpd="sng" algn="ctr">
+                      <a:solidFill>
+                        <a:schemeClr val="bg1"/>
+                      </a:solidFill>
+                      <a:prstDash val="solid"/>
+                      <a:round/>
+                      <a:headEnd type="none" w="med" len="med"/>
+                      <a:tailEnd type="none" w="med" len="med"/>
+                    </a:lnR>
+                    <a:lnT w="12700" cmpd="sng">
+                      <a:noFill/>
+                    </a:lnT>
+                    <a:lnB w="38100" cap="flat" cmpd="sng" algn="ctr">
+                      <a:solidFill>
+                        <a:schemeClr val="bg1"/>
+                      </a:solidFill>
+                      <a:prstDash val="solid"/>
+                      <a:round/>
+                      <a:headEnd type="none" w="med" len="med"/>
+                      <a:tailEnd type="none" w="med" len="med"/>
+                    </a:lnB>
+                    <a:lnTlToBr w="12700" cmpd="sng">
+                      <a:noFill/>
+                      <a:prstDash val="solid"/>
+                    </a:lnTlToBr>
+                    <a:lnBlToTr w="12700" cmpd="sng">
+                      <a:noFill/>
+                      <a:prstDash val="solid"/>
+                    </a:lnBlToTr>
+                    <a:noFill/>
+                  </a:tcPr>
+                </a:tc>
+                <a:tc>
+                  <a:txBody>
+                    <a:bodyPr/>
+                    <a:lstStyle/>
+                    <a:p>
+                      <a:pPr algn="ctr"/>
+                      <a:r>
+                        <a:rPr lang="en-US" sz="2400" b="1" dirty="0" smtClean="0">
+                          <a:solidFill>
+                            <a:schemeClr val="bg1"/>
+                          </a:solidFill>
+                        </a:rPr>
+                        <a:t>X</a:t>
+                      </a:r>
+                      <a:endParaRPr lang="en-US" sz="2400" b="1" dirty="0">
+                        <a:solidFill>
+                          <a:schemeClr val="bg1"/>
+                        </a:solidFill>
+                      </a:endParaRPr>
+                    </a:p>
+                  </a:txBody>
+                  <a:tcPr anchor="ctr">
+                    <a:lnL w="38100" cap="flat" cmpd="sng" algn="ctr">
+                      <a:solidFill>
+                        <a:schemeClr val="bg1"/>
+                      </a:solidFill>
+                      <a:prstDash val="solid"/>
+                      <a:round/>
+                      <a:headEnd type="none" w="med" len="med"/>
+                      <a:tailEnd type="none" w="med" len="med"/>
+                    </a:lnL>
+                    <a:lnR w="38100" cap="flat" cmpd="sng" algn="ctr">
+                      <a:solidFill>
+                        <a:schemeClr val="bg1"/>
+                      </a:solidFill>
+                      <a:prstDash val="solid"/>
+                      <a:round/>
+                      <a:headEnd type="none" w="med" len="med"/>
+                      <a:tailEnd type="none" w="med" len="med"/>
+                    </a:lnR>
+                    <a:lnT w="12700" cmpd="sng">
+                      <a:noFill/>
+                    </a:lnT>
+                    <a:lnB w="38100" cap="flat" cmpd="sng" algn="ctr">
+                      <a:solidFill>
+                        <a:schemeClr val="bg1"/>
+                      </a:solidFill>
+                      <a:prstDash val="solid"/>
+                      <a:round/>
+                      <a:headEnd type="none" w="med" len="med"/>
+                      <a:tailEnd type="none" w="med" len="med"/>
+                    </a:lnB>
+                    <a:lnTlToBr w="12700" cmpd="sng">
+                      <a:noFill/>
+                      <a:prstDash val="solid"/>
+                    </a:lnTlToBr>
+                    <a:lnBlToTr w="12700" cmpd="sng">
+                      <a:noFill/>
+                      <a:prstDash val="solid"/>
+                    </a:lnBlToTr>
+                    <a:noFill/>
+                  </a:tcPr>
+                </a:tc>
+                <a:tc>
+                  <a:txBody>
+                    <a:bodyPr/>
+                    <a:lstStyle/>
+                    <a:p>
+                      <a:pPr algn="ctr"/>
+                      <a:r>
+                        <a:rPr lang="en-US" sz="2400" b="1" dirty="0" smtClean="0">
+                          <a:solidFill>
+                            <a:schemeClr val="accent6">
+                              <a:lumMod val="60000"/>
+                              <a:lumOff val="40000"/>
+                            </a:schemeClr>
+                          </a:solidFill>
+                        </a:rPr>
+                        <a:t>X</a:t>
+                      </a:r>
+                      <a:endParaRPr lang="en-US" sz="2400" b="1" dirty="0">
+                        <a:solidFill>
+                          <a:schemeClr val="accent6">
+                            <a:lumMod val="60000"/>
+                            <a:lumOff val="40000"/>
+                          </a:schemeClr>
+                        </a:solidFill>
+                      </a:endParaRPr>
+                    </a:p>
+                  </a:txBody>
+                  <a:tcPr anchor="ctr">
+                    <a:lnL w="38100" cap="flat" cmpd="sng" algn="ctr">
+                      <a:solidFill>
+                        <a:schemeClr val="bg1"/>
+                      </a:solidFill>
+                      <a:prstDash val="solid"/>
+                      <a:round/>
+                      <a:headEnd type="none" w="med" len="med"/>
+                      <a:tailEnd type="none" w="med" len="med"/>
+                    </a:lnL>
+                    <a:lnR w="12700" cmpd="sng">
+                      <a:noFill/>
+                    </a:lnR>
+                    <a:lnT w="12700" cmpd="sng">
+                      <a:noFill/>
+                    </a:lnT>
+                    <a:lnB w="38100" cap="flat" cmpd="sng" algn="ctr">
+                      <a:solidFill>
+                        <a:schemeClr val="bg1"/>
+                      </a:solidFill>
+                      <a:prstDash val="solid"/>
+                      <a:round/>
+                      <a:headEnd type="none" w="med" len="med"/>
+                      <a:tailEnd type="none" w="med" len="med"/>
+                    </a:lnB>
+                    <a:lnTlToBr w="12700" cmpd="sng">
+                      <a:noFill/>
+                      <a:prstDash val="solid"/>
+                    </a:lnTlToBr>
+                    <a:lnBlToTr w="12700" cmpd="sng">
+                      <a:noFill/>
+                      <a:prstDash val="solid"/>
+                    </a:lnBlToTr>
+                    <a:noFill/>
+                  </a:tcPr>
+                </a:tc>
+              </a:tr>
+              <a:tr h="600005">
+                <a:tc>
+                  <a:txBody>
+                    <a:bodyPr/>
+                    <a:lstStyle/>
+                    <a:p>
+                      <a:pPr algn="ctr"/>
+                      <a:r>
+                        <a:rPr lang="en-US" sz="2400" b="1" dirty="0" smtClean="0">
+                          <a:solidFill>
+                            <a:schemeClr val="bg1"/>
+                          </a:solidFill>
+                        </a:rPr>
+                        <a:t>X</a:t>
+                      </a:r>
+                      <a:endParaRPr lang="en-US" sz="2400" b="1" dirty="0">
+                        <a:solidFill>
+                          <a:schemeClr val="bg1"/>
+                        </a:solidFill>
+                      </a:endParaRPr>
+                    </a:p>
+                  </a:txBody>
+                  <a:tcPr anchor="ctr">
+                    <a:lnL w="12700" cmpd="sng">
+                      <a:noFill/>
+                    </a:lnL>
+                    <a:lnR w="38100" cap="flat" cmpd="sng" algn="ctr">
+                      <a:solidFill>
+                        <a:schemeClr val="bg1"/>
+                      </a:solidFill>
+                      <a:prstDash val="solid"/>
+                      <a:round/>
+                      <a:headEnd type="none" w="med" len="med"/>
+                      <a:tailEnd type="none" w="med" len="med"/>
+                    </a:lnR>
+                    <a:lnT w="38100" cap="flat" cmpd="sng" algn="ctr">
+                      <a:solidFill>
+                        <a:schemeClr val="bg1"/>
+                      </a:solidFill>
+                      <a:prstDash val="solid"/>
+                      <a:round/>
+                      <a:headEnd type="none" w="med" len="med"/>
+                      <a:tailEnd type="none" w="med" len="med"/>
+                    </a:lnT>
+                    <a:lnB w="38100" cap="flat" cmpd="sng" algn="ctr">
+                      <a:solidFill>
+                        <a:schemeClr val="bg1"/>
+                      </a:solidFill>
+                      <a:prstDash val="solid"/>
+                      <a:round/>
+                      <a:headEnd type="none" w="med" len="med"/>
+                      <a:tailEnd type="none" w="med" len="med"/>
+                    </a:lnB>
+                    <a:lnTlToBr w="12700" cmpd="sng">
+                      <a:noFill/>
+                      <a:prstDash val="solid"/>
+                    </a:lnTlToBr>
+                    <a:lnBlToTr w="12700" cmpd="sng">
+                      <a:noFill/>
+                      <a:prstDash val="solid"/>
+                    </a:lnBlToTr>
+                    <a:noFill/>
+                  </a:tcPr>
+                </a:tc>
+                <a:tc>
+                  <a:txBody>
+                    <a:bodyPr/>
+                    <a:lstStyle/>
+                    <a:p>
+                      <a:pPr algn="ctr"/>
+                      <a:endParaRPr lang="en-US" sz="2400" b="1" dirty="0">
+                        <a:solidFill>
+                          <a:schemeClr val="bg1"/>
+                        </a:solidFill>
+                      </a:endParaRPr>
+                    </a:p>
+                  </a:txBody>
+                  <a:tcPr anchor="ctr">
+                    <a:lnL w="38100" cap="flat" cmpd="sng" algn="ctr">
+                      <a:solidFill>
+                        <a:schemeClr val="bg1"/>
+                      </a:solidFill>
+                      <a:prstDash val="solid"/>
+                      <a:round/>
+                      <a:headEnd type="none" w="med" len="med"/>
+                      <a:tailEnd type="none" w="med" len="med"/>
+                    </a:lnL>
+                    <a:lnR w="38100" cap="flat" cmpd="sng" algn="ctr">
+                      <a:solidFill>
+                        <a:schemeClr val="bg1"/>
+                      </a:solidFill>
+                      <a:prstDash val="solid"/>
+                      <a:round/>
+                      <a:headEnd type="none" w="med" len="med"/>
+                      <a:tailEnd type="none" w="med" len="med"/>
+                    </a:lnR>
+                    <a:lnT w="38100" cap="flat" cmpd="sng" algn="ctr">
+                      <a:solidFill>
+                        <a:schemeClr val="bg1"/>
+                      </a:solidFill>
+                      <a:prstDash val="solid"/>
+                      <a:round/>
+                      <a:headEnd type="none" w="med" len="med"/>
+                      <a:tailEnd type="none" w="med" len="med"/>
+                    </a:lnT>
+                    <a:lnB w="38100" cap="flat" cmpd="sng" algn="ctr">
+                      <a:solidFill>
+                        <a:schemeClr val="bg1"/>
+                      </a:solidFill>
+                      <a:prstDash val="solid"/>
+                      <a:round/>
+                      <a:headEnd type="none" w="med" len="med"/>
+                      <a:tailEnd type="none" w="med" len="med"/>
+                    </a:lnB>
+                    <a:lnTlToBr w="12700" cmpd="sng">
+                      <a:noFill/>
+                      <a:prstDash val="solid"/>
+                    </a:lnTlToBr>
+                    <a:lnBlToTr w="12700" cmpd="sng">
+                      <a:noFill/>
+                      <a:prstDash val="solid"/>
+                    </a:lnBlToTr>
+                    <a:noFill/>
+                  </a:tcPr>
+                </a:tc>
+                <a:tc>
+                  <a:txBody>
+                    <a:bodyPr/>
+                    <a:lstStyle/>
+                    <a:p>
+                      <a:pPr algn="ctr"/>
+                      <a:endParaRPr lang="en-US" sz="2400" b="1" dirty="0">
+                        <a:solidFill>
+                          <a:schemeClr val="bg1"/>
+                        </a:solidFill>
+                      </a:endParaRPr>
+                    </a:p>
+                  </a:txBody>
+                  <a:tcPr anchor="ctr">
+                    <a:lnL w="38100" cap="flat" cmpd="sng" algn="ctr">
+                      <a:solidFill>
+                        <a:schemeClr val="bg1"/>
+                      </a:solidFill>
+                      <a:prstDash val="solid"/>
+                      <a:round/>
+                      <a:headEnd type="none" w="med" len="med"/>
+                      <a:tailEnd type="none" w="med" len="med"/>
+                    </a:lnL>
+                    <a:lnR w="12700" cmpd="sng">
+                      <a:noFill/>
+                    </a:lnR>
+                    <a:lnT w="38100" cap="flat" cmpd="sng" algn="ctr">
+                      <a:solidFill>
+                        <a:schemeClr val="bg1"/>
+                      </a:solidFill>
+                      <a:prstDash val="solid"/>
+                      <a:round/>
+                      <a:headEnd type="none" w="med" len="med"/>
+                      <a:tailEnd type="none" w="med" len="med"/>
+                    </a:lnT>
+                    <a:lnB w="38100" cap="flat" cmpd="sng" algn="ctr">
+                      <a:solidFill>
+                        <a:schemeClr val="bg1"/>
+                      </a:solidFill>
+                      <a:prstDash val="solid"/>
+                      <a:round/>
+                      <a:headEnd type="none" w="med" len="med"/>
+                      <a:tailEnd type="none" w="med" len="med"/>
+                    </a:lnB>
+                    <a:lnTlToBr w="12700" cmpd="sng">
+                      <a:noFill/>
+                      <a:prstDash val="solid"/>
+                    </a:lnTlToBr>
+                    <a:lnBlToTr w="12700" cmpd="sng">
+                      <a:noFill/>
+                      <a:prstDash val="solid"/>
+                    </a:lnBlToTr>
+                    <a:noFill/>
+                  </a:tcPr>
+                </a:tc>
+              </a:tr>
+              <a:tr h="600005">
+                <a:tc>
+                  <a:txBody>
+                    <a:bodyPr/>
+                    <a:lstStyle/>
+                    <a:p>
+                      <a:pPr algn="ctr"/>
+                      <a:r>
+                        <a:rPr lang="en-US" sz="2400" b="1" dirty="0" smtClean="0">
+                          <a:solidFill>
+                            <a:schemeClr val="bg1"/>
+                          </a:solidFill>
+                        </a:rPr>
+                        <a:t>X</a:t>
+                      </a:r>
+                      <a:endParaRPr lang="en-US" sz="2400" b="1" dirty="0">
+                        <a:solidFill>
+                          <a:schemeClr val="bg1"/>
+                        </a:solidFill>
+                      </a:endParaRPr>
+                    </a:p>
+                  </a:txBody>
+                  <a:tcPr anchor="ctr">
+                    <a:lnL w="12700" cmpd="sng">
+                      <a:noFill/>
+                    </a:lnL>
+                    <a:lnR w="38100" cap="flat" cmpd="sng" algn="ctr">
+                      <a:solidFill>
+                        <a:schemeClr val="bg1"/>
+                      </a:solidFill>
+                      <a:prstDash val="solid"/>
+                      <a:round/>
+                      <a:headEnd type="none" w="med" len="med"/>
+                      <a:tailEnd type="none" w="med" len="med"/>
+                    </a:lnR>
+                    <a:lnT w="38100" cap="flat" cmpd="sng" algn="ctr">
+                      <a:solidFill>
+                        <a:schemeClr val="bg1"/>
+                      </a:solidFill>
+                      <a:prstDash val="solid"/>
+                      <a:round/>
+                      <a:headEnd type="none" w="med" len="med"/>
+                      <a:tailEnd type="none" w="med" len="med"/>
+                    </a:lnT>
+                    <a:lnB w="12700" cmpd="sng">
+                      <a:noFill/>
+                    </a:lnB>
+                    <a:lnTlToBr w="12700" cmpd="sng">
+                      <a:noFill/>
+                      <a:prstDash val="solid"/>
+                    </a:lnTlToBr>
+                    <a:lnBlToTr w="12700" cmpd="sng">
+                      <a:noFill/>
+                      <a:prstDash val="solid"/>
+                    </a:lnBlToTr>
+                    <a:noFill/>
+                  </a:tcPr>
+                </a:tc>
+                <a:tc>
+                  <a:txBody>
+                    <a:bodyPr/>
+                    <a:lstStyle/>
+                    <a:p>
+                      <a:pPr algn="ctr"/>
+                      <a:r>
+                        <a:rPr lang="en-US" sz="2400" b="1" dirty="0" smtClean="0">
+                          <a:solidFill>
+                            <a:schemeClr val="bg1"/>
+                          </a:solidFill>
+                        </a:rPr>
+                        <a:t>O</a:t>
+                      </a:r>
+                      <a:endParaRPr lang="en-US" sz="2400" b="1" dirty="0">
+                        <a:solidFill>
+                          <a:schemeClr val="bg1"/>
+                        </a:solidFill>
+                      </a:endParaRPr>
+                    </a:p>
+                  </a:txBody>
+                  <a:tcPr anchor="ctr">
+                    <a:lnL w="38100" cap="flat" cmpd="sng" algn="ctr">
+                      <a:solidFill>
+                        <a:schemeClr val="bg1"/>
+                      </a:solidFill>
+                      <a:prstDash val="solid"/>
+                      <a:round/>
+                      <a:headEnd type="none" w="med" len="med"/>
+                      <a:tailEnd type="none" w="med" len="med"/>
+                    </a:lnL>
+                    <a:lnR w="38100" cap="flat" cmpd="sng" algn="ctr">
+                      <a:solidFill>
+                        <a:schemeClr val="bg1"/>
+                      </a:solidFill>
+                      <a:prstDash val="solid"/>
+                      <a:round/>
+                      <a:headEnd type="none" w="med" len="med"/>
+                      <a:tailEnd type="none" w="med" len="med"/>
+                    </a:lnR>
+                    <a:lnT w="38100" cap="flat" cmpd="sng" algn="ctr">
+                      <a:solidFill>
+                        <a:schemeClr val="bg1"/>
+                      </a:solidFill>
+                      <a:prstDash val="solid"/>
+                      <a:round/>
+                      <a:headEnd type="none" w="med" len="med"/>
+                      <a:tailEnd type="none" w="med" len="med"/>
+                    </a:lnT>
+                    <a:lnB w="12700" cmpd="sng">
+                      <a:noFill/>
+                    </a:lnB>
+                    <a:lnTlToBr w="12700" cmpd="sng">
+                      <a:noFill/>
+                      <a:prstDash val="solid"/>
+                    </a:lnTlToBr>
+                    <a:lnBlToTr w="12700" cmpd="sng">
+                      <a:noFill/>
+                      <a:prstDash val="solid"/>
+                    </a:lnBlToTr>
+                    <a:noFill/>
+                  </a:tcPr>
+                </a:tc>
+                <a:tc>
+                  <a:txBody>
+                    <a:bodyPr/>
+                    <a:lstStyle/>
+                    <a:p>
+                      <a:pPr algn="ctr"/>
+                      <a:r>
+                        <a:rPr lang="en-US" sz="2400" b="1" dirty="0" smtClean="0">
+                          <a:solidFill>
+                            <a:schemeClr val="bg1"/>
+                          </a:solidFill>
+                        </a:rPr>
+                        <a:t>O</a:t>
+                      </a:r>
+                      <a:endParaRPr lang="en-US" sz="2400" b="1" dirty="0">
+                        <a:solidFill>
+                          <a:schemeClr val="bg1"/>
+                        </a:solidFill>
+                      </a:endParaRPr>
+                    </a:p>
+                  </a:txBody>
+                  <a:tcPr anchor="ctr">
+                    <a:lnL w="38100" cap="flat" cmpd="sng" algn="ctr">
+                      <a:solidFill>
+                        <a:schemeClr val="bg1"/>
+                      </a:solidFill>
+                      <a:prstDash val="solid"/>
+                      <a:round/>
+                      <a:headEnd type="none" w="med" len="med"/>
+                      <a:tailEnd type="none" w="med" len="med"/>
+                    </a:lnL>
+                    <a:lnR w="12700" cmpd="sng">
+                      <a:noFill/>
+                    </a:lnR>
+                    <a:lnT w="38100" cap="flat" cmpd="sng" algn="ctr">
+                      <a:solidFill>
+                        <a:schemeClr val="bg1"/>
+                      </a:solidFill>
+                      <a:prstDash val="solid"/>
+                      <a:round/>
+                      <a:headEnd type="none" w="med" len="med"/>
+                      <a:tailEnd type="none" w="med" len="med"/>
+                    </a:lnT>
+                    <a:lnB w="12700" cmpd="sng">
+                      <a:noFill/>
+                    </a:lnB>
+                    <a:lnTlToBr w="12700" cmpd="sng">
+                      <a:noFill/>
+                      <a:prstDash val="solid"/>
+                    </a:lnTlToBr>
+                    <a:lnBlToTr w="12700" cmpd="sng">
+                      <a:noFill/>
+                      <a:prstDash val="solid"/>
+                    </a:lnBlToTr>
+                    <a:noFill/>
+                  </a:tcPr>
+                </a:tc>
+              </a:tr>
+            </a:tbl>
+          </a:graphicData>
+        </a:graphic>
+      </p:graphicFrame>
+      <p:graphicFrame>
+        <p:nvGraphicFramePr>
+          <p:cNvPr id="22" name="Table 21"/>
+          <p:cNvGraphicFramePr>
+            <a:graphicFrameLocks noGrp="1"/>
+          </p:cNvGraphicFramePr>
+          <p:nvPr>
+            <p:extLst>
+              <p:ext uri="{D42A27DB-BD31-4B8C-83A1-F6EECF244321}">
+                <p14:modId xmlns:p14="http://schemas.microsoft.com/office/powerpoint/2010/main" val="1711964376"/>
+              </p:ext>
+            </p:extLst>
+          </p:nvPr>
+        </p:nvGraphicFramePr>
+        <p:xfrm>
+          <a:off x="7284719" y="4397584"/>
+          <a:ext cx="1798320" cy="1800015"/>
+        </p:xfrm>
+        <a:graphic>
+          <a:graphicData uri="http://schemas.openxmlformats.org/drawingml/2006/table">
+            <a:tbl>
+              <a:tblPr bandRow="1">
+                <a:tableStyleId>{5C22544A-7EE6-4342-B048-85BDC9FD1C3A}</a:tableStyleId>
+              </a:tblPr>
+              <a:tblGrid>
+                <a:gridCol w="599440"/>
+                <a:gridCol w="599440"/>
+                <a:gridCol w="599440"/>
+              </a:tblGrid>
+              <a:tr h="600005">
+                <a:tc>
+                  <a:txBody>
+                    <a:bodyPr/>
+                    <a:lstStyle/>
+                    <a:p>
+                      <a:pPr algn="ctr"/>
+                      <a:r>
+                        <a:rPr lang="en-US" sz="2400" b="1" dirty="0" smtClean="0">
+                          <a:solidFill>
+                            <a:schemeClr val="bg1"/>
+                          </a:solidFill>
+                        </a:rPr>
+                        <a:t>O</a:t>
+                      </a:r>
+                      <a:endParaRPr lang="en-US" sz="2400" b="1" dirty="0">
+                        <a:solidFill>
+                          <a:schemeClr val="bg1"/>
+                        </a:solidFill>
+                      </a:endParaRPr>
+                    </a:p>
+                  </a:txBody>
+                  <a:tcPr anchor="ctr">
+                    <a:lnL w="12700" cmpd="sng">
+                      <a:noFill/>
+                    </a:lnL>
+                    <a:lnR w="38100" cap="flat" cmpd="sng" algn="ctr">
+                      <a:solidFill>
+                        <a:schemeClr val="bg1"/>
+                      </a:solidFill>
+                      <a:prstDash val="solid"/>
+                      <a:round/>
+                      <a:headEnd type="none" w="med" len="med"/>
+                      <a:tailEnd type="none" w="med" len="med"/>
+                    </a:lnR>
+                    <a:lnT w="12700" cmpd="sng">
+                      <a:noFill/>
+                    </a:lnT>
+                    <a:lnB w="38100" cap="flat" cmpd="sng" algn="ctr">
+                      <a:solidFill>
+                        <a:schemeClr val="bg1"/>
+                      </a:solidFill>
+                      <a:prstDash val="solid"/>
+                      <a:round/>
+                      <a:headEnd type="none" w="med" len="med"/>
+                      <a:tailEnd type="none" w="med" len="med"/>
+                    </a:lnB>
+                    <a:lnTlToBr w="12700" cmpd="sng">
+                      <a:noFill/>
+                      <a:prstDash val="solid"/>
+                    </a:lnTlToBr>
+                    <a:lnBlToTr w="12700" cmpd="sng">
+                      <a:noFill/>
+                      <a:prstDash val="solid"/>
+                    </a:lnBlToTr>
+                    <a:noFill/>
+                  </a:tcPr>
+                </a:tc>
+                <a:tc>
+                  <a:txBody>
+                    <a:bodyPr/>
+                    <a:lstStyle/>
+                    <a:p>
+                      <a:pPr algn="ctr"/>
+                      <a:endParaRPr lang="en-US" sz="2400" b="1" dirty="0">
+                        <a:solidFill>
+                          <a:schemeClr val="bg1"/>
+                        </a:solidFill>
+                      </a:endParaRPr>
+                    </a:p>
+                  </a:txBody>
+                  <a:tcPr anchor="ctr">
+                    <a:lnL w="38100" cap="flat" cmpd="sng" algn="ctr">
+                      <a:solidFill>
+                        <a:schemeClr val="bg1"/>
+                      </a:solidFill>
+                      <a:prstDash val="solid"/>
+                      <a:round/>
+                      <a:headEnd type="none" w="med" len="med"/>
+                      <a:tailEnd type="none" w="med" len="med"/>
+                    </a:lnL>
+                    <a:lnR w="38100" cap="flat" cmpd="sng" algn="ctr">
+                      <a:solidFill>
+                        <a:schemeClr val="bg1"/>
+                      </a:solidFill>
+                      <a:prstDash val="solid"/>
+                      <a:round/>
+                      <a:headEnd type="none" w="med" len="med"/>
+                      <a:tailEnd type="none" w="med" len="med"/>
+                    </a:lnR>
+                    <a:lnT w="12700" cmpd="sng">
+                      <a:noFill/>
+                    </a:lnT>
+                    <a:lnB w="38100" cap="flat" cmpd="sng" algn="ctr">
+                      <a:solidFill>
+                        <a:schemeClr val="bg1"/>
+                      </a:solidFill>
+                      <a:prstDash val="solid"/>
+                      <a:round/>
+                      <a:headEnd type="none" w="med" len="med"/>
+                      <a:tailEnd type="none" w="med" len="med"/>
+                    </a:lnB>
+                    <a:lnTlToBr w="12700" cmpd="sng">
+                      <a:noFill/>
+                      <a:prstDash val="solid"/>
+                    </a:lnTlToBr>
+                    <a:lnBlToTr w="12700" cmpd="sng">
+                      <a:noFill/>
+                      <a:prstDash val="solid"/>
+                    </a:lnBlToTr>
+                    <a:noFill/>
+                  </a:tcPr>
+                </a:tc>
+                <a:tc>
+                  <a:txBody>
+                    <a:bodyPr/>
+                    <a:lstStyle/>
+                    <a:p>
+                      <a:pPr algn="ctr"/>
+                      <a:r>
+                        <a:rPr lang="en-US" sz="2400" b="1" dirty="0" smtClean="0">
+                          <a:solidFill>
+                            <a:schemeClr val="bg1"/>
+                          </a:solidFill>
+                        </a:rPr>
+                        <a:t>X</a:t>
+                      </a:r>
+                      <a:endParaRPr lang="en-US" sz="2400" b="1" dirty="0">
+                        <a:solidFill>
+                          <a:schemeClr val="bg1"/>
+                        </a:solidFill>
+                      </a:endParaRPr>
+                    </a:p>
+                  </a:txBody>
+                  <a:tcPr anchor="ctr">
+                    <a:lnL w="38100" cap="flat" cmpd="sng" algn="ctr">
+                      <a:solidFill>
+                        <a:schemeClr val="bg1"/>
+                      </a:solidFill>
+                      <a:prstDash val="solid"/>
+                      <a:round/>
+                      <a:headEnd type="none" w="med" len="med"/>
+                      <a:tailEnd type="none" w="med" len="med"/>
+                    </a:lnL>
+                    <a:lnR w="12700" cmpd="sng">
+                      <a:noFill/>
+                    </a:lnR>
+                    <a:lnT w="12700" cmpd="sng">
+                      <a:noFill/>
+                    </a:lnT>
+                    <a:lnB w="38100" cap="flat" cmpd="sng" algn="ctr">
+                      <a:solidFill>
+                        <a:schemeClr val="bg1"/>
+                      </a:solidFill>
+                      <a:prstDash val="solid"/>
+                      <a:round/>
+                      <a:headEnd type="none" w="med" len="med"/>
+                      <a:tailEnd type="none" w="med" len="med"/>
+                    </a:lnB>
+                    <a:lnTlToBr w="12700" cmpd="sng">
+                      <a:noFill/>
+                      <a:prstDash val="solid"/>
+                    </a:lnTlToBr>
+                    <a:lnBlToTr w="12700" cmpd="sng">
+                      <a:noFill/>
+                      <a:prstDash val="solid"/>
+                    </a:lnBlToTr>
+                    <a:noFill/>
+                  </a:tcPr>
+                </a:tc>
+              </a:tr>
+              <a:tr h="600005">
+                <a:tc>
+                  <a:txBody>
+                    <a:bodyPr/>
+                    <a:lstStyle/>
+                    <a:p>
+                      <a:pPr algn="ctr"/>
+                      <a:r>
+                        <a:rPr lang="en-US" sz="2400" b="1" dirty="0" smtClean="0">
+                          <a:solidFill>
+                            <a:schemeClr val="bg1"/>
+                          </a:solidFill>
+                        </a:rPr>
+                        <a:t>X</a:t>
+                      </a:r>
+                      <a:endParaRPr lang="en-US" sz="2400" b="1" dirty="0">
+                        <a:solidFill>
+                          <a:schemeClr val="bg1"/>
+                        </a:solidFill>
+                      </a:endParaRPr>
+                    </a:p>
+                  </a:txBody>
+                  <a:tcPr anchor="ctr">
+                    <a:lnL w="12700" cmpd="sng">
+                      <a:noFill/>
+                    </a:lnL>
+                    <a:lnR w="38100" cap="flat" cmpd="sng" algn="ctr">
+                      <a:solidFill>
+                        <a:schemeClr val="bg1"/>
+                      </a:solidFill>
+                      <a:prstDash val="solid"/>
+                      <a:round/>
+                      <a:headEnd type="none" w="med" len="med"/>
+                      <a:tailEnd type="none" w="med" len="med"/>
+                    </a:lnR>
+                    <a:lnT w="38100" cap="flat" cmpd="sng" algn="ctr">
+                      <a:solidFill>
+                        <a:schemeClr val="bg1"/>
+                      </a:solidFill>
+                      <a:prstDash val="solid"/>
+                      <a:round/>
+                      <a:headEnd type="none" w="med" len="med"/>
+                      <a:tailEnd type="none" w="med" len="med"/>
+                    </a:lnT>
+                    <a:lnB w="38100" cap="flat" cmpd="sng" algn="ctr">
+                      <a:solidFill>
+                        <a:schemeClr val="bg1"/>
+                      </a:solidFill>
+                      <a:prstDash val="solid"/>
+                      <a:round/>
+                      <a:headEnd type="none" w="med" len="med"/>
+                      <a:tailEnd type="none" w="med" len="med"/>
+                    </a:lnB>
+                    <a:lnTlToBr w="12700" cmpd="sng">
+                      <a:noFill/>
+                      <a:prstDash val="solid"/>
+                    </a:lnTlToBr>
+                    <a:lnBlToTr w="12700" cmpd="sng">
+                      <a:noFill/>
+                      <a:prstDash val="solid"/>
+                    </a:lnBlToTr>
+                    <a:noFill/>
+                  </a:tcPr>
+                </a:tc>
+                <a:tc>
+                  <a:txBody>
+                    <a:bodyPr/>
+                    <a:lstStyle/>
+                    <a:p>
+                      <a:pPr algn="ctr"/>
+                      <a:endParaRPr lang="en-US" sz="2400" b="1" dirty="0">
+                        <a:solidFill>
+                          <a:schemeClr val="bg1"/>
+                        </a:solidFill>
+                      </a:endParaRPr>
+                    </a:p>
+                  </a:txBody>
+                  <a:tcPr anchor="ctr">
+                    <a:lnL w="38100" cap="flat" cmpd="sng" algn="ctr">
+                      <a:solidFill>
+                        <a:schemeClr val="bg1"/>
+                      </a:solidFill>
+                      <a:prstDash val="solid"/>
+                      <a:round/>
+                      <a:headEnd type="none" w="med" len="med"/>
+                      <a:tailEnd type="none" w="med" len="med"/>
+                    </a:lnL>
+                    <a:lnR w="38100" cap="flat" cmpd="sng" algn="ctr">
+                      <a:solidFill>
+                        <a:schemeClr val="bg1"/>
+                      </a:solidFill>
+                      <a:prstDash val="solid"/>
+                      <a:round/>
+                      <a:headEnd type="none" w="med" len="med"/>
+                      <a:tailEnd type="none" w="med" len="med"/>
+                    </a:lnR>
+                    <a:lnT w="38100" cap="flat" cmpd="sng" algn="ctr">
+                      <a:solidFill>
+                        <a:schemeClr val="bg1"/>
+                      </a:solidFill>
+                      <a:prstDash val="solid"/>
+                      <a:round/>
+                      <a:headEnd type="none" w="med" len="med"/>
+                      <a:tailEnd type="none" w="med" len="med"/>
+                    </a:lnT>
+                    <a:lnB w="38100" cap="flat" cmpd="sng" algn="ctr">
+                      <a:solidFill>
+                        <a:schemeClr val="bg1"/>
+                      </a:solidFill>
+                      <a:prstDash val="solid"/>
+                      <a:round/>
+                      <a:headEnd type="none" w="med" len="med"/>
+                      <a:tailEnd type="none" w="med" len="med"/>
+                    </a:lnB>
+                    <a:lnTlToBr w="12700" cmpd="sng">
+                      <a:noFill/>
+                      <a:prstDash val="solid"/>
+                    </a:lnTlToBr>
+                    <a:lnBlToTr w="12700" cmpd="sng">
+                      <a:noFill/>
+                      <a:prstDash val="solid"/>
+                    </a:lnBlToTr>
+                    <a:noFill/>
+                  </a:tcPr>
+                </a:tc>
+                <a:tc>
+                  <a:txBody>
+                    <a:bodyPr/>
+                    <a:lstStyle/>
+                    <a:p>
+                      <a:pPr algn="ctr"/>
+                      <a:r>
+                        <a:rPr lang="en-US" sz="2400" b="1" dirty="0" smtClean="0">
+                          <a:solidFill>
+                            <a:schemeClr val="accent6">
+                              <a:lumMod val="60000"/>
+                              <a:lumOff val="40000"/>
+                            </a:schemeClr>
+                          </a:solidFill>
+                        </a:rPr>
+                        <a:t>X</a:t>
+                      </a:r>
+                      <a:endParaRPr lang="en-US" sz="2400" b="1" dirty="0">
+                        <a:solidFill>
+                          <a:schemeClr val="accent6">
+                            <a:lumMod val="60000"/>
+                            <a:lumOff val="40000"/>
+                          </a:schemeClr>
+                        </a:solidFill>
+                      </a:endParaRPr>
+                    </a:p>
+                  </a:txBody>
+                  <a:tcPr anchor="ctr">
+                    <a:lnL w="38100" cap="flat" cmpd="sng" algn="ctr">
+                      <a:solidFill>
+                        <a:schemeClr val="bg1"/>
+                      </a:solidFill>
+                      <a:prstDash val="solid"/>
+                      <a:round/>
+                      <a:headEnd type="none" w="med" len="med"/>
+                      <a:tailEnd type="none" w="med" len="med"/>
+                    </a:lnL>
+                    <a:lnR w="12700" cmpd="sng">
+                      <a:noFill/>
+                    </a:lnR>
+                    <a:lnT w="38100" cap="flat" cmpd="sng" algn="ctr">
+                      <a:solidFill>
+                        <a:schemeClr val="bg1"/>
+                      </a:solidFill>
+                      <a:prstDash val="solid"/>
+                      <a:round/>
+                      <a:headEnd type="none" w="med" len="med"/>
+                      <a:tailEnd type="none" w="med" len="med"/>
+                    </a:lnT>
+                    <a:lnB w="38100" cap="flat" cmpd="sng" algn="ctr">
+                      <a:solidFill>
+                        <a:schemeClr val="bg1"/>
+                      </a:solidFill>
+                      <a:prstDash val="solid"/>
+                      <a:round/>
+                      <a:headEnd type="none" w="med" len="med"/>
+                      <a:tailEnd type="none" w="med" len="med"/>
+                    </a:lnB>
+                    <a:lnTlToBr w="12700" cmpd="sng">
+                      <a:noFill/>
+                      <a:prstDash val="solid"/>
+                    </a:lnTlToBr>
+                    <a:lnBlToTr w="12700" cmpd="sng">
+                      <a:noFill/>
+                      <a:prstDash val="solid"/>
+                    </a:lnBlToTr>
+                    <a:noFill/>
+                  </a:tcPr>
+                </a:tc>
+              </a:tr>
+              <a:tr h="600005">
+                <a:tc>
+                  <a:txBody>
+                    <a:bodyPr/>
+                    <a:lstStyle/>
+                    <a:p>
+                      <a:pPr algn="ctr"/>
+                      <a:r>
+                        <a:rPr lang="en-US" sz="2400" b="1" dirty="0" smtClean="0">
+                          <a:solidFill>
+                            <a:schemeClr val="bg1"/>
+                          </a:solidFill>
+                        </a:rPr>
+                        <a:t>X</a:t>
+                      </a:r>
+                      <a:endParaRPr lang="en-US" sz="2400" b="1" dirty="0">
+                        <a:solidFill>
+                          <a:schemeClr val="bg1"/>
+                        </a:solidFill>
+                      </a:endParaRPr>
+                    </a:p>
+                  </a:txBody>
+                  <a:tcPr anchor="ctr">
+                    <a:lnL w="12700" cmpd="sng">
+                      <a:noFill/>
+                    </a:lnL>
+                    <a:lnR w="38100" cap="flat" cmpd="sng" algn="ctr">
+                      <a:solidFill>
+                        <a:schemeClr val="bg1"/>
+                      </a:solidFill>
+                      <a:prstDash val="solid"/>
+                      <a:round/>
+                      <a:headEnd type="none" w="med" len="med"/>
+                      <a:tailEnd type="none" w="med" len="med"/>
+                    </a:lnR>
+                    <a:lnT w="38100" cap="flat" cmpd="sng" algn="ctr">
+                      <a:solidFill>
+                        <a:schemeClr val="bg1"/>
+                      </a:solidFill>
+                      <a:prstDash val="solid"/>
+                      <a:round/>
+                      <a:headEnd type="none" w="med" len="med"/>
+                      <a:tailEnd type="none" w="med" len="med"/>
+                    </a:lnT>
+                    <a:lnB w="12700" cmpd="sng">
+                      <a:noFill/>
+                    </a:lnB>
+                    <a:lnTlToBr w="12700" cmpd="sng">
+                      <a:noFill/>
+                      <a:prstDash val="solid"/>
+                    </a:lnTlToBr>
+                    <a:lnBlToTr w="12700" cmpd="sng">
+                      <a:noFill/>
+                      <a:prstDash val="solid"/>
+                    </a:lnBlToTr>
+                    <a:noFill/>
+                  </a:tcPr>
+                </a:tc>
+                <a:tc>
+                  <a:txBody>
+                    <a:bodyPr/>
+                    <a:lstStyle/>
+                    <a:p>
+                      <a:pPr algn="ctr"/>
+                      <a:r>
+                        <a:rPr lang="en-US" sz="2400" b="1" dirty="0" smtClean="0">
+                          <a:solidFill>
+                            <a:schemeClr val="bg1"/>
+                          </a:solidFill>
+                        </a:rPr>
+                        <a:t>O</a:t>
+                      </a:r>
+                      <a:endParaRPr lang="en-US" sz="2400" b="1" dirty="0">
+                        <a:solidFill>
+                          <a:schemeClr val="bg1"/>
+                        </a:solidFill>
+                      </a:endParaRPr>
+                    </a:p>
+                  </a:txBody>
+                  <a:tcPr anchor="ctr">
+                    <a:lnL w="38100" cap="flat" cmpd="sng" algn="ctr">
+                      <a:solidFill>
+                        <a:schemeClr val="bg1"/>
+                      </a:solidFill>
+                      <a:prstDash val="solid"/>
+                      <a:round/>
+                      <a:headEnd type="none" w="med" len="med"/>
+                      <a:tailEnd type="none" w="med" len="med"/>
+                    </a:lnL>
+                    <a:lnR w="38100" cap="flat" cmpd="sng" algn="ctr">
+                      <a:solidFill>
+                        <a:schemeClr val="bg1"/>
+                      </a:solidFill>
+                      <a:prstDash val="solid"/>
+                      <a:round/>
+                      <a:headEnd type="none" w="med" len="med"/>
+                      <a:tailEnd type="none" w="med" len="med"/>
+                    </a:lnR>
+                    <a:lnT w="38100" cap="flat" cmpd="sng" algn="ctr">
+                      <a:solidFill>
+                        <a:schemeClr val="bg1"/>
+                      </a:solidFill>
+                      <a:prstDash val="solid"/>
+                      <a:round/>
+                      <a:headEnd type="none" w="med" len="med"/>
+                      <a:tailEnd type="none" w="med" len="med"/>
+                    </a:lnT>
+                    <a:lnB w="12700" cmpd="sng">
+                      <a:noFill/>
+                    </a:lnB>
+                    <a:lnTlToBr w="12700" cmpd="sng">
+                      <a:noFill/>
+                      <a:prstDash val="solid"/>
+                    </a:lnTlToBr>
+                    <a:lnBlToTr w="12700" cmpd="sng">
+                      <a:noFill/>
+                      <a:prstDash val="solid"/>
+                    </a:lnBlToTr>
+                    <a:noFill/>
+                  </a:tcPr>
+                </a:tc>
+                <a:tc>
+                  <a:txBody>
+                    <a:bodyPr/>
+                    <a:lstStyle/>
+                    <a:p>
+                      <a:pPr algn="ctr"/>
+                      <a:r>
+                        <a:rPr lang="en-US" sz="2400" b="1" dirty="0" smtClean="0">
+                          <a:solidFill>
+                            <a:schemeClr val="bg1"/>
+                          </a:solidFill>
+                        </a:rPr>
+                        <a:t>O</a:t>
+                      </a:r>
+                      <a:endParaRPr lang="en-US" sz="2400" b="1" dirty="0">
+                        <a:solidFill>
+                          <a:schemeClr val="bg1"/>
+                        </a:solidFill>
+                      </a:endParaRPr>
+                    </a:p>
+                  </a:txBody>
+                  <a:tcPr anchor="ctr">
+                    <a:lnL w="38100" cap="flat" cmpd="sng" algn="ctr">
+                      <a:solidFill>
+                        <a:schemeClr val="bg1"/>
+                      </a:solidFill>
+                      <a:prstDash val="solid"/>
+                      <a:round/>
+                      <a:headEnd type="none" w="med" len="med"/>
+                      <a:tailEnd type="none" w="med" len="med"/>
+                    </a:lnL>
+                    <a:lnR w="12700" cmpd="sng">
+                      <a:noFill/>
+                    </a:lnR>
+                    <a:lnT w="38100" cap="flat" cmpd="sng" algn="ctr">
+                      <a:solidFill>
+                        <a:schemeClr val="bg1"/>
+                      </a:solidFill>
+                      <a:prstDash val="solid"/>
+                      <a:round/>
+                      <a:headEnd type="none" w="med" len="med"/>
+                      <a:tailEnd type="none" w="med" len="med"/>
+                    </a:lnT>
+                    <a:lnB w="12700" cmpd="sng">
+                      <a:noFill/>
+                    </a:lnB>
+                    <a:lnTlToBr w="12700" cmpd="sng">
+                      <a:noFill/>
+                      <a:prstDash val="solid"/>
+                    </a:lnTlToBr>
+                    <a:lnBlToTr w="12700" cmpd="sng">
+                      <a:noFill/>
+                      <a:prstDash val="solid"/>
+                    </a:lnBlToTr>
+                    <a:noFill/>
+                  </a:tcPr>
+                </a:tc>
+              </a:tr>
+            </a:tbl>
+          </a:graphicData>
+        </a:graphic>
+      </p:graphicFrame>
+      <p:sp>
+        <p:nvSpPr>
+          <p:cNvPr id="12" name="Right Arrow 11"/>
+          <p:cNvSpPr/>
+          <p:nvPr/>
+        </p:nvSpPr>
+        <p:spPr>
+          <a:xfrm rot="8263897">
+            <a:off x="4021879" y="3855948"/>
+            <a:ext cx="1130722" cy="185484"/>
+          </a:xfrm>
+          <a:custGeom>
+            <a:avLst/>
+            <a:gdLst>
+              <a:gd name="connsiteX0" fmla="*/ 0 w 1130202"/>
+              <a:gd name="connsiteY0" fmla="*/ 46371 h 185484"/>
+              <a:gd name="connsiteX1" fmla="*/ 1037460 w 1130202"/>
+              <a:gd name="connsiteY1" fmla="*/ 46371 h 185484"/>
+              <a:gd name="connsiteX2" fmla="*/ 1037460 w 1130202"/>
+              <a:gd name="connsiteY2" fmla="*/ 0 h 185484"/>
+              <a:gd name="connsiteX3" fmla="*/ 1130202 w 1130202"/>
+              <a:gd name="connsiteY3" fmla="*/ 92742 h 185484"/>
+              <a:gd name="connsiteX4" fmla="*/ 1037460 w 1130202"/>
+              <a:gd name="connsiteY4" fmla="*/ 185484 h 185484"/>
+              <a:gd name="connsiteX5" fmla="*/ 1037460 w 1130202"/>
+              <a:gd name="connsiteY5" fmla="*/ 139113 h 185484"/>
+              <a:gd name="connsiteX6" fmla="*/ 0 w 1130202"/>
+              <a:gd name="connsiteY6" fmla="*/ 139113 h 185484"/>
+              <a:gd name="connsiteX7" fmla="*/ 0 w 1130202"/>
+              <a:gd name="connsiteY7" fmla="*/ 46371 h 185484"/>
+              <a:gd name="connsiteX0" fmla="*/ 0 w 1130722"/>
+              <a:gd name="connsiteY0" fmla="*/ 140040 h 185484"/>
+              <a:gd name="connsiteX1" fmla="*/ 1037980 w 1130722"/>
+              <a:gd name="connsiteY1" fmla="*/ 46371 h 185484"/>
+              <a:gd name="connsiteX2" fmla="*/ 1037980 w 1130722"/>
+              <a:gd name="connsiteY2" fmla="*/ 0 h 185484"/>
+              <a:gd name="connsiteX3" fmla="*/ 1130722 w 1130722"/>
+              <a:gd name="connsiteY3" fmla="*/ 92742 h 185484"/>
+              <a:gd name="connsiteX4" fmla="*/ 1037980 w 1130722"/>
+              <a:gd name="connsiteY4" fmla="*/ 185484 h 185484"/>
+              <a:gd name="connsiteX5" fmla="*/ 1037980 w 1130722"/>
+              <a:gd name="connsiteY5" fmla="*/ 139113 h 185484"/>
+              <a:gd name="connsiteX6" fmla="*/ 520 w 1130722"/>
+              <a:gd name="connsiteY6" fmla="*/ 139113 h 185484"/>
+              <a:gd name="connsiteX7" fmla="*/ 0 w 1130722"/>
+              <a:gd name="connsiteY7" fmla="*/ 140040 h 185484"/>
+            </a:gdLst>
+            <a:ahLst/>
+            <a:cxnLst>
+              <a:cxn ang="0">
+                <a:pos x="connsiteX0" y="connsiteY0"/>
+              </a:cxn>
+              <a:cxn ang="0">
+                <a:pos x="connsiteX1" y="connsiteY1"/>
+              </a:cxn>
+              <a:cxn ang="0">
+                <a:pos x="connsiteX2" y="connsiteY2"/>
+              </a:cxn>
+              <a:cxn ang="0">
+                <a:pos x="connsiteX3" y="connsiteY3"/>
+              </a:cxn>
+              <a:cxn ang="0">
+                <a:pos x="connsiteX4" y="connsiteY4"/>
+              </a:cxn>
+              <a:cxn ang="0">
+                <a:pos x="connsiteX5" y="connsiteY5"/>
+              </a:cxn>
+              <a:cxn ang="0">
+                <a:pos x="connsiteX6" y="connsiteY6"/>
+              </a:cxn>
+              <a:cxn ang="0">
+                <a:pos x="connsiteX7" y="connsiteY7"/>
+              </a:cxn>
+            </a:cxnLst>
+            <a:rect l="l" t="t" r="r" b="b"/>
+            <a:pathLst>
+              <a:path w="1130722" h="185484">
+                <a:moveTo>
+                  <a:pt x="0" y="140040"/>
+                </a:moveTo>
+                <a:lnTo>
+                  <a:pt x="1037980" y="46371"/>
+                </a:lnTo>
+                <a:lnTo>
+                  <a:pt x="1037980" y="0"/>
+                </a:lnTo>
+                <a:lnTo>
+                  <a:pt x="1130722" y="92742"/>
+                </a:lnTo>
+                <a:lnTo>
+                  <a:pt x="1037980" y="185484"/>
+                </a:lnTo>
+                <a:lnTo>
+                  <a:pt x="1037980" y="139113"/>
+                </a:lnTo>
+                <a:lnTo>
+                  <a:pt x="520" y="139113"/>
+                </a:lnTo>
+                <a:lnTo>
+                  <a:pt x="0" y="140040"/>
+                </a:lnTo>
+                <a:close/>
+              </a:path>
+            </a:pathLst>
+          </a:custGeom>
+          <a:solidFill>
+            <a:schemeClr val="bg1"/>
+          </a:solidFill>
+          <a:ln>
+            <a:noFill/>
+          </a:ln>
+        </p:spPr>
+        <p:style>
+          <a:lnRef idx="2">
+            <a:schemeClr val="accent1">
+              <a:shade val="50000"/>
+            </a:schemeClr>
+          </a:lnRef>
+          <a:fillRef idx="1">
+            <a:schemeClr val="accent1"/>
+          </a:fillRef>
+          <a:effectRef idx="0">
+            <a:schemeClr val="accent1"/>
+          </a:effectRef>
+          <a:fontRef idx="minor">
+            <a:schemeClr val="lt1"/>
+          </a:fontRef>
+        </p:style>
+        <p:txBody>
+          <a:bodyPr rtlCol="0" anchor="ctr"/>
+          <a:lstStyle/>
+          <a:p>
+            <a:pPr algn="ctr"/>
+            <a:endParaRPr lang="en-US"/>
+          </a:p>
+        </p:txBody>
+      </p:sp>
+      <p:sp>
+        <p:nvSpPr>
+          <p:cNvPr id="23" name="Right Arrow 11"/>
+          <p:cNvSpPr/>
+          <p:nvPr/>
+        </p:nvSpPr>
+        <p:spPr>
+          <a:xfrm rot="5596295">
+            <a:off x="5378144" y="3821367"/>
+            <a:ext cx="850174" cy="187630"/>
+          </a:xfrm>
+          <a:custGeom>
+            <a:avLst/>
+            <a:gdLst>
+              <a:gd name="connsiteX0" fmla="*/ 0 w 1130202"/>
+              <a:gd name="connsiteY0" fmla="*/ 46371 h 185484"/>
+              <a:gd name="connsiteX1" fmla="*/ 1037460 w 1130202"/>
+              <a:gd name="connsiteY1" fmla="*/ 46371 h 185484"/>
+              <a:gd name="connsiteX2" fmla="*/ 1037460 w 1130202"/>
+              <a:gd name="connsiteY2" fmla="*/ 0 h 185484"/>
+              <a:gd name="connsiteX3" fmla="*/ 1130202 w 1130202"/>
+              <a:gd name="connsiteY3" fmla="*/ 92742 h 185484"/>
+              <a:gd name="connsiteX4" fmla="*/ 1037460 w 1130202"/>
+              <a:gd name="connsiteY4" fmla="*/ 185484 h 185484"/>
+              <a:gd name="connsiteX5" fmla="*/ 1037460 w 1130202"/>
+              <a:gd name="connsiteY5" fmla="*/ 139113 h 185484"/>
+              <a:gd name="connsiteX6" fmla="*/ 0 w 1130202"/>
+              <a:gd name="connsiteY6" fmla="*/ 139113 h 185484"/>
+              <a:gd name="connsiteX7" fmla="*/ 0 w 1130202"/>
+              <a:gd name="connsiteY7" fmla="*/ 46371 h 185484"/>
+              <a:gd name="connsiteX0" fmla="*/ 0 w 1130722"/>
+              <a:gd name="connsiteY0" fmla="*/ 140040 h 185484"/>
+              <a:gd name="connsiteX1" fmla="*/ 1037980 w 1130722"/>
+              <a:gd name="connsiteY1" fmla="*/ 46371 h 185484"/>
+              <a:gd name="connsiteX2" fmla="*/ 1037980 w 1130722"/>
+              <a:gd name="connsiteY2" fmla="*/ 0 h 185484"/>
+              <a:gd name="connsiteX3" fmla="*/ 1130722 w 1130722"/>
+              <a:gd name="connsiteY3" fmla="*/ 92742 h 185484"/>
+              <a:gd name="connsiteX4" fmla="*/ 1037980 w 1130722"/>
+              <a:gd name="connsiteY4" fmla="*/ 185484 h 185484"/>
+              <a:gd name="connsiteX5" fmla="*/ 1037980 w 1130722"/>
+              <a:gd name="connsiteY5" fmla="*/ 139113 h 185484"/>
+              <a:gd name="connsiteX6" fmla="*/ 520 w 1130722"/>
+              <a:gd name="connsiteY6" fmla="*/ 139113 h 185484"/>
+              <a:gd name="connsiteX7" fmla="*/ 0 w 1130722"/>
+              <a:gd name="connsiteY7" fmla="*/ 140040 h 185484"/>
+            </a:gdLst>
+            <a:ahLst/>
+            <a:cxnLst>
+              <a:cxn ang="0">
+                <a:pos x="connsiteX0" y="connsiteY0"/>
+              </a:cxn>
+              <a:cxn ang="0">
+                <a:pos x="connsiteX1" y="connsiteY1"/>
+              </a:cxn>
+              <a:cxn ang="0">
+                <a:pos x="connsiteX2" y="connsiteY2"/>
+              </a:cxn>
+              <a:cxn ang="0">
+                <a:pos x="connsiteX3" y="connsiteY3"/>
+              </a:cxn>
+              <a:cxn ang="0">
+                <a:pos x="connsiteX4" y="connsiteY4"/>
+              </a:cxn>
+              <a:cxn ang="0">
+                <a:pos x="connsiteX5" y="connsiteY5"/>
+              </a:cxn>
+              <a:cxn ang="0">
+                <a:pos x="connsiteX6" y="connsiteY6"/>
+              </a:cxn>
+              <a:cxn ang="0">
+                <a:pos x="connsiteX7" y="connsiteY7"/>
+              </a:cxn>
+            </a:cxnLst>
+            <a:rect l="l" t="t" r="r" b="b"/>
+            <a:pathLst>
+              <a:path w="1130722" h="185484">
+                <a:moveTo>
+                  <a:pt x="0" y="140040"/>
+                </a:moveTo>
+                <a:lnTo>
+                  <a:pt x="1037980" y="46371"/>
+                </a:lnTo>
+                <a:lnTo>
+                  <a:pt x="1037980" y="0"/>
+                </a:lnTo>
+                <a:lnTo>
+                  <a:pt x="1130722" y="92742"/>
+                </a:lnTo>
+                <a:lnTo>
+                  <a:pt x="1037980" y="185484"/>
+                </a:lnTo>
+                <a:lnTo>
+                  <a:pt x="1037980" y="139113"/>
+                </a:lnTo>
+                <a:lnTo>
+                  <a:pt x="520" y="139113"/>
+                </a:lnTo>
+                <a:lnTo>
+                  <a:pt x="0" y="140040"/>
+                </a:lnTo>
+                <a:close/>
+              </a:path>
+            </a:pathLst>
+          </a:custGeom>
+          <a:solidFill>
+            <a:schemeClr val="bg1"/>
+          </a:solidFill>
+          <a:ln>
+            <a:noFill/>
+          </a:ln>
+        </p:spPr>
+        <p:style>
+          <a:lnRef idx="2">
+            <a:schemeClr val="accent1">
+              <a:shade val="50000"/>
+            </a:schemeClr>
+          </a:lnRef>
+          <a:fillRef idx="1">
+            <a:schemeClr val="accent1"/>
+          </a:fillRef>
+          <a:effectRef idx="0">
+            <a:schemeClr val="accent1"/>
+          </a:effectRef>
+          <a:fontRef idx="minor">
+            <a:schemeClr val="lt1"/>
+          </a:fontRef>
+        </p:style>
+        <p:txBody>
+          <a:bodyPr rtlCol="0" anchor="ctr"/>
+          <a:lstStyle/>
+          <a:p>
+            <a:pPr algn="ctr"/>
+            <a:endParaRPr lang="en-US"/>
+          </a:p>
+        </p:txBody>
+      </p:sp>
+      <p:sp>
+        <p:nvSpPr>
+          <p:cNvPr id="25" name="Right Arrow 11"/>
+          <p:cNvSpPr/>
+          <p:nvPr/>
+        </p:nvSpPr>
+        <p:spPr>
+          <a:xfrm rot="3510458">
+            <a:off x="6543850" y="3822440"/>
+            <a:ext cx="1130722" cy="185484"/>
+          </a:xfrm>
+          <a:custGeom>
+            <a:avLst/>
+            <a:gdLst>
+              <a:gd name="connsiteX0" fmla="*/ 0 w 1130202"/>
+              <a:gd name="connsiteY0" fmla="*/ 46371 h 185484"/>
+              <a:gd name="connsiteX1" fmla="*/ 1037460 w 1130202"/>
+              <a:gd name="connsiteY1" fmla="*/ 46371 h 185484"/>
+              <a:gd name="connsiteX2" fmla="*/ 1037460 w 1130202"/>
+              <a:gd name="connsiteY2" fmla="*/ 0 h 185484"/>
+              <a:gd name="connsiteX3" fmla="*/ 1130202 w 1130202"/>
+              <a:gd name="connsiteY3" fmla="*/ 92742 h 185484"/>
+              <a:gd name="connsiteX4" fmla="*/ 1037460 w 1130202"/>
+              <a:gd name="connsiteY4" fmla="*/ 185484 h 185484"/>
+              <a:gd name="connsiteX5" fmla="*/ 1037460 w 1130202"/>
+              <a:gd name="connsiteY5" fmla="*/ 139113 h 185484"/>
+              <a:gd name="connsiteX6" fmla="*/ 0 w 1130202"/>
+              <a:gd name="connsiteY6" fmla="*/ 139113 h 185484"/>
+              <a:gd name="connsiteX7" fmla="*/ 0 w 1130202"/>
+              <a:gd name="connsiteY7" fmla="*/ 46371 h 185484"/>
+              <a:gd name="connsiteX0" fmla="*/ 0 w 1130722"/>
+              <a:gd name="connsiteY0" fmla="*/ 140040 h 185484"/>
+              <a:gd name="connsiteX1" fmla="*/ 1037980 w 1130722"/>
+              <a:gd name="connsiteY1" fmla="*/ 46371 h 185484"/>
+              <a:gd name="connsiteX2" fmla="*/ 1037980 w 1130722"/>
+              <a:gd name="connsiteY2" fmla="*/ 0 h 185484"/>
+              <a:gd name="connsiteX3" fmla="*/ 1130722 w 1130722"/>
+              <a:gd name="connsiteY3" fmla="*/ 92742 h 185484"/>
+              <a:gd name="connsiteX4" fmla="*/ 1037980 w 1130722"/>
+              <a:gd name="connsiteY4" fmla="*/ 185484 h 185484"/>
+              <a:gd name="connsiteX5" fmla="*/ 1037980 w 1130722"/>
+              <a:gd name="connsiteY5" fmla="*/ 139113 h 185484"/>
+              <a:gd name="connsiteX6" fmla="*/ 520 w 1130722"/>
+              <a:gd name="connsiteY6" fmla="*/ 139113 h 185484"/>
+              <a:gd name="connsiteX7" fmla="*/ 0 w 1130722"/>
+              <a:gd name="connsiteY7" fmla="*/ 140040 h 185484"/>
+            </a:gdLst>
+            <a:ahLst/>
+            <a:cxnLst>
+              <a:cxn ang="0">
+                <a:pos x="connsiteX0" y="connsiteY0"/>
+              </a:cxn>
+              <a:cxn ang="0">
+                <a:pos x="connsiteX1" y="connsiteY1"/>
+              </a:cxn>
+              <a:cxn ang="0">
+                <a:pos x="connsiteX2" y="connsiteY2"/>
+              </a:cxn>
+              <a:cxn ang="0">
+                <a:pos x="connsiteX3" y="connsiteY3"/>
+              </a:cxn>
+              <a:cxn ang="0">
+                <a:pos x="connsiteX4" y="connsiteY4"/>
+              </a:cxn>
+              <a:cxn ang="0">
+                <a:pos x="connsiteX5" y="connsiteY5"/>
+              </a:cxn>
+              <a:cxn ang="0">
+                <a:pos x="connsiteX6" y="connsiteY6"/>
+              </a:cxn>
+              <a:cxn ang="0">
+                <a:pos x="connsiteX7" y="connsiteY7"/>
+              </a:cxn>
+            </a:cxnLst>
+            <a:rect l="l" t="t" r="r" b="b"/>
+            <a:pathLst>
+              <a:path w="1130722" h="185484">
+                <a:moveTo>
+                  <a:pt x="0" y="140040"/>
+                </a:moveTo>
+                <a:lnTo>
+                  <a:pt x="1037980" y="46371"/>
+                </a:lnTo>
+                <a:lnTo>
+                  <a:pt x="1037980" y="0"/>
+                </a:lnTo>
+                <a:lnTo>
+                  <a:pt x="1130722" y="92742"/>
+                </a:lnTo>
+                <a:lnTo>
+                  <a:pt x="1037980" y="185484"/>
+                </a:lnTo>
+                <a:lnTo>
+                  <a:pt x="1037980" y="139113"/>
+                </a:lnTo>
+                <a:lnTo>
+                  <a:pt x="520" y="139113"/>
+                </a:lnTo>
+                <a:lnTo>
+                  <a:pt x="0" y="140040"/>
+                </a:lnTo>
+                <a:close/>
+              </a:path>
+            </a:pathLst>
+          </a:custGeom>
+          <a:solidFill>
+            <a:schemeClr val="bg1"/>
+          </a:solidFill>
+          <a:ln>
+            <a:noFill/>
+          </a:ln>
+        </p:spPr>
+        <p:style>
+          <a:lnRef idx="2">
+            <a:schemeClr val="accent1">
+              <a:shade val="50000"/>
+            </a:schemeClr>
+          </a:lnRef>
+          <a:fillRef idx="1">
+            <a:schemeClr val="accent1"/>
+          </a:fillRef>
+          <a:effectRef idx="0">
+            <a:schemeClr val="accent1"/>
+          </a:effectRef>
+          <a:fontRef idx="minor">
+            <a:schemeClr val="lt1"/>
+          </a:fontRef>
+        </p:style>
+        <p:txBody>
+          <a:bodyPr rtlCol="0" anchor="ctr"/>
+          <a:lstStyle/>
+          <a:p>
+            <a:pPr algn="ctr"/>
+            <a:endParaRPr lang="en-US"/>
+          </a:p>
+        </p:txBody>
+      </p:sp>
+      <p:sp>
+        <p:nvSpPr>
+          <p:cNvPr id="26" name="TextBox 25"/>
+          <p:cNvSpPr txBox="1"/>
+          <p:nvPr/>
+        </p:nvSpPr>
+        <p:spPr>
+          <a:xfrm>
+            <a:off x="2874580" y="3987611"/>
+            <a:ext cx="1239521" cy="369332"/>
+          </a:xfrm>
+          <a:prstGeom prst="rect">
+            <a:avLst/>
+          </a:prstGeom>
+          <a:noFill/>
+        </p:spPr>
+        <p:txBody>
+          <a:bodyPr wrap="square" rtlCol="0">
+            <a:spAutoFit/>
+          </a:bodyPr>
+          <a:lstStyle/>
+          <a:p>
+            <a:r>
+              <a:rPr lang="en-US" dirty="0" smtClean="0">
+                <a:solidFill>
+                  <a:schemeClr val="accent6">
+                    <a:lumMod val="60000"/>
+                    <a:lumOff val="40000"/>
+                  </a:schemeClr>
+                </a:solidFill>
+              </a:rPr>
+              <a:t>Win! +10</a:t>
+            </a:r>
+            <a:endParaRPr lang="en-US" dirty="0">
+              <a:solidFill>
+                <a:schemeClr val="accent6">
+                  <a:lumMod val="60000"/>
+                  <a:lumOff val="40000"/>
+                </a:schemeClr>
+              </a:solidFill>
+            </a:endParaRPr>
+          </a:p>
+        </p:txBody>
+      </p:sp>
+      <p:sp>
+        <p:nvSpPr>
+          <p:cNvPr id="31" name="Oval 30"/>
+          <p:cNvSpPr/>
+          <p:nvPr/>
+        </p:nvSpPr>
+        <p:spPr>
+          <a:xfrm>
+            <a:off x="2397112" y="4307962"/>
+            <a:ext cx="1982494" cy="1979257"/>
+          </a:xfrm>
+          <a:prstGeom prst="ellipse">
+            <a:avLst/>
+          </a:prstGeom>
+          <a:noFill/>
+          <a:ln w="28575">
+            <a:solidFill>
+              <a:schemeClr val="bg1"/>
+            </a:solidFill>
+          </a:ln>
+        </p:spPr>
+        <p:style>
+          <a:lnRef idx="2">
+            <a:schemeClr val="accent1">
+              <a:shade val="50000"/>
+            </a:schemeClr>
+          </a:lnRef>
+          <a:fillRef idx="1">
+            <a:schemeClr val="accent1"/>
+          </a:fillRef>
+          <a:effectRef idx="0">
+            <a:schemeClr val="accent1"/>
+          </a:effectRef>
+          <a:fontRef idx="minor">
+            <a:schemeClr val="lt1"/>
+          </a:fontRef>
+        </p:style>
+        <p:txBody>
+          <a:bodyPr rtlCol="0" anchor="ctr"/>
+          <a:lstStyle/>
+          <a:p>
+            <a:pPr algn="ctr"/>
+            <a:endParaRPr lang="en-US"/>
+          </a:p>
+        </p:txBody>
+      </p:sp>
+      <p:sp>
+        <p:nvSpPr>
+          <p:cNvPr id="32" name="Oval 31"/>
+          <p:cNvSpPr/>
+          <p:nvPr/>
+        </p:nvSpPr>
+        <p:spPr>
+          <a:xfrm>
+            <a:off x="4794874" y="4307962"/>
+            <a:ext cx="1982494" cy="1979257"/>
+          </a:xfrm>
+          <a:prstGeom prst="ellipse">
+            <a:avLst/>
+          </a:prstGeom>
+          <a:noFill/>
+          <a:ln w="28575">
+            <a:solidFill>
+              <a:schemeClr val="bg1"/>
+            </a:solidFill>
+          </a:ln>
+        </p:spPr>
+        <p:style>
+          <a:lnRef idx="2">
+            <a:schemeClr val="accent1">
+              <a:shade val="50000"/>
+            </a:schemeClr>
+          </a:lnRef>
+          <a:fillRef idx="1">
+            <a:schemeClr val="accent1"/>
+          </a:fillRef>
+          <a:effectRef idx="0">
+            <a:schemeClr val="accent1"/>
+          </a:effectRef>
+          <a:fontRef idx="minor">
+            <a:schemeClr val="lt1"/>
+          </a:fontRef>
+        </p:style>
+        <p:txBody>
+          <a:bodyPr rtlCol="0" anchor="ctr"/>
+          <a:lstStyle/>
+          <a:p>
+            <a:pPr algn="ctr"/>
+            <a:endParaRPr lang="en-US"/>
+          </a:p>
+        </p:txBody>
+      </p:sp>
+      <p:sp>
+        <p:nvSpPr>
+          <p:cNvPr id="33" name="Oval 32"/>
+          <p:cNvSpPr/>
+          <p:nvPr/>
+        </p:nvSpPr>
+        <p:spPr>
+          <a:xfrm>
+            <a:off x="7189553" y="4307961"/>
+            <a:ext cx="1982494" cy="1979257"/>
+          </a:xfrm>
+          <a:prstGeom prst="ellipse">
+            <a:avLst/>
+          </a:prstGeom>
+          <a:noFill/>
+          <a:ln w="28575">
+            <a:solidFill>
+              <a:schemeClr val="bg1"/>
+            </a:solidFill>
+          </a:ln>
+        </p:spPr>
+        <p:style>
+          <a:lnRef idx="2">
+            <a:schemeClr val="accent1">
+              <a:shade val="50000"/>
+            </a:schemeClr>
+          </a:lnRef>
+          <a:fillRef idx="1">
+            <a:schemeClr val="accent1"/>
+          </a:fillRef>
+          <a:effectRef idx="0">
+            <a:schemeClr val="accent1"/>
+          </a:effectRef>
+          <a:fontRef idx="minor">
+            <a:schemeClr val="lt1"/>
+          </a:fontRef>
+        </p:style>
+        <p:txBody>
+          <a:bodyPr rtlCol="0" anchor="ctr"/>
+          <a:lstStyle/>
+          <a:p>
+            <a:pPr algn="ctr"/>
+            <a:endParaRPr lang="en-US"/>
+          </a:p>
+        </p:txBody>
+      </p:sp>
+      <p:sp>
+        <p:nvSpPr>
+          <p:cNvPr id="35" name="Oval 34"/>
+          <p:cNvSpPr/>
+          <p:nvPr/>
+        </p:nvSpPr>
+        <p:spPr>
+          <a:xfrm>
+            <a:off x="2397112" y="4307961"/>
+            <a:ext cx="1982494" cy="1979257"/>
+          </a:xfrm>
+          <a:prstGeom prst="ellipse">
+            <a:avLst/>
+          </a:prstGeom>
+          <a:noFill/>
+          <a:ln w="28575">
+            <a:solidFill>
+              <a:schemeClr val="accent6">
+                <a:lumMod val="60000"/>
+                <a:lumOff val="40000"/>
+              </a:schemeClr>
+            </a:solidFill>
+          </a:ln>
+        </p:spPr>
+        <p:style>
+          <a:lnRef idx="2">
+            <a:schemeClr val="accent1">
+              <a:shade val="50000"/>
+            </a:schemeClr>
+          </a:lnRef>
+          <a:fillRef idx="1">
+            <a:schemeClr val="accent1"/>
+          </a:fillRef>
+          <a:effectRef idx="0">
+            <a:schemeClr val="accent1"/>
+          </a:effectRef>
+          <a:fontRef idx="minor">
+            <a:schemeClr val="lt1"/>
+          </a:fontRef>
+        </p:style>
+        <p:txBody>
+          <a:bodyPr rtlCol="0" anchor="ctr"/>
+          <a:lstStyle/>
+          <a:p>
+            <a:pPr algn="ctr"/>
+            <a:endParaRPr lang="en-US"/>
+          </a:p>
+        </p:txBody>
+      </p:sp>
+    </p:spTree>
+    <p:extLst>
+      <p:ext uri="{BB962C8B-B14F-4D97-AF65-F5344CB8AC3E}">
+        <p14:creationId xmlns:p14="http://schemas.microsoft.com/office/powerpoint/2010/main" val="1424877152"/>
       </p:ext>
     </p:extLst>
   </p:cSld>
@@ -6148,9 +12342,9 @@
                             </p:stCondLst>
                             <p:childTnLst>
                               <p:par>
-                                <p:cTn id="5" presetID="10" presetClass="entr" presetSubtype="0" fill="hold" grpId="0" nodeType="withEffect">
+                                <p:cTn id="5" presetID="1" presetClass="entr" presetSubtype="0" fill="hold" grpId="0" nodeType="afterEffect">
                                   <p:stCondLst>
-                                    <p:cond delay="0"/>
+                                    <p:cond delay="500"/>
                                   </p:stCondLst>
                                   <p:childTnLst>
                                     <p:set>
@@ -6161,7 +12355,7 @@
                                           </p:stCondLst>
                                         </p:cTn>
                                         <p:tgtEl>
-                                          <p:spTgt spid="2"/>
+                                          <p:spTgt spid="31"/>
                                         </p:tgtEl>
                                         <p:attrNameLst>
                                           <p:attrName>style.visibility</p:attrName>
@@ -6171,14 +12365,385 @@
                                         <p:strVal val="visible"/>
                                       </p:to>
                                     </p:set>
-                                    <p:animEffect transition="in" filter="fade">
+                                  </p:childTnLst>
+                                </p:cTn>
+                              </p:par>
+                            </p:childTnLst>
+                          </p:cTn>
+                        </p:par>
+                        <p:par>
+                          <p:cTn id="7" fill="hold">
+                            <p:stCondLst>
+                              <p:cond delay="500"/>
+                            </p:stCondLst>
+                            <p:childTnLst>
+                              <p:par>
+                                <p:cTn id="8" presetID="1" presetClass="exit" presetSubtype="0" fill="hold" grpId="1" nodeType="afterEffect">
+                                  <p:stCondLst>
+                                    <p:cond delay="500"/>
+                                  </p:stCondLst>
+                                  <p:childTnLst>
+                                    <p:set>
                                       <p:cBhvr>
-                                        <p:cTn id="7" dur="2000"/>
+                                        <p:cTn id="9" dur="1" fill="hold">
+                                          <p:stCondLst>
+                                            <p:cond delay="0"/>
+                                          </p:stCondLst>
+                                        </p:cTn>
                                         <p:tgtEl>
-                                          <p:spTgt spid="2"/>
+                                          <p:spTgt spid="31"/>
                                         </p:tgtEl>
+                                        <p:attrNameLst>
+                                          <p:attrName>style.visibility</p:attrName>
+                                        </p:attrNameLst>
                                       </p:cBhvr>
-                                    </p:animEffect>
+                                      <p:to>
+                                        <p:strVal val="hidden"/>
+                                      </p:to>
+                                    </p:set>
+                                  </p:childTnLst>
+                                </p:cTn>
+                              </p:par>
+                            </p:childTnLst>
+                          </p:cTn>
+                        </p:par>
+                        <p:par>
+                          <p:cTn id="10" fill="hold">
+                            <p:stCondLst>
+                              <p:cond delay="1000"/>
+                            </p:stCondLst>
+                            <p:childTnLst>
+                              <p:par>
+                                <p:cTn id="11" presetID="1" presetClass="entr" presetSubtype="0" fill="hold" grpId="0" nodeType="afterEffect">
+                                  <p:stCondLst>
+                                    <p:cond delay="0"/>
+                                  </p:stCondLst>
+                                  <p:childTnLst>
+                                    <p:set>
+                                      <p:cBhvr>
+                                        <p:cTn id="12" dur="1" fill="hold">
+                                          <p:stCondLst>
+                                            <p:cond delay="0"/>
+                                          </p:stCondLst>
+                                        </p:cTn>
+                                        <p:tgtEl>
+                                          <p:spTgt spid="32"/>
+                                        </p:tgtEl>
+                                        <p:attrNameLst>
+                                          <p:attrName>style.visibility</p:attrName>
+                                        </p:attrNameLst>
+                                      </p:cBhvr>
+                                      <p:to>
+                                        <p:strVal val="visible"/>
+                                      </p:to>
+                                    </p:set>
+                                  </p:childTnLst>
+                                </p:cTn>
+                              </p:par>
+                            </p:childTnLst>
+                          </p:cTn>
+                        </p:par>
+                        <p:par>
+                          <p:cTn id="13" fill="hold">
+                            <p:stCondLst>
+                              <p:cond delay="1000"/>
+                            </p:stCondLst>
+                            <p:childTnLst>
+                              <p:par>
+                                <p:cTn id="14" presetID="1" presetClass="exit" presetSubtype="0" fill="hold" grpId="1" nodeType="afterEffect">
+                                  <p:stCondLst>
+                                    <p:cond delay="500"/>
+                                  </p:stCondLst>
+                                  <p:childTnLst>
+                                    <p:set>
+                                      <p:cBhvr>
+                                        <p:cTn id="15" dur="1" fill="hold">
+                                          <p:stCondLst>
+                                            <p:cond delay="0"/>
+                                          </p:stCondLst>
+                                        </p:cTn>
+                                        <p:tgtEl>
+                                          <p:spTgt spid="32"/>
+                                        </p:tgtEl>
+                                        <p:attrNameLst>
+                                          <p:attrName>style.visibility</p:attrName>
+                                        </p:attrNameLst>
+                                      </p:cBhvr>
+                                      <p:to>
+                                        <p:strVal val="hidden"/>
+                                      </p:to>
+                                    </p:set>
+                                  </p:childTnLst>
+                                </p:cTn>
+                              </p:par>
+                            </p:childTnLst>
+                          </p:cTn>
+                        </p:par>
+                        <p:par>
+                          <p:cTn id="16" fill="hold">
+                            <p:stCondLst>
+                              <p:cond delay="1500"/>
+                            </p:stCondLst>
+                            <p:childTnLst>
+                              <p:par>
+                                <p:cTn id="17" presetID="1" presetClass="entr" presetSubtype="0" fill="hold" grpId="0" nodeType="afterEffect">
+                                  <p:stCondLst>
+                                    <p:cond delay="0"/>
+                                  </p:stCondLst>
+                                  <p:childTnLst>
+                                    <p:set>
+                                      <p:cBhvr>
+                                        <p:cTn id="18" dur="1" fill="hold">
+                                          <p:stCondLst>
+                                            <p:cond delay="0"/>
+                                          </p:stCondLst>
+                                        </p:cTn>
+                                        <p:tgtEl>
+                                          <p:spTgt spid="33"/>
+                                        </p:tgtEl>
+                                        <p:attrNameLst>
+                                          <p:attrName>style.visibility</p:attrName>
+                                        </p:attrNameLst>
+                                      </p:cBhvr>
+                                      <p:to>
+                                        <p:strVal val="visible"/>
+                                      </p:to>
+                                    </p:set>
+                                  </p:childTnLst>
+                                </p:cTn>
+                              </p:par>
+                            </p:childTnLst>
+                          </p:cTn>
+                        </p:par>
+                        <p:par>
+                          <p:cTn id="19" fill="hold">
+                            <p:stCondLst>
+                              <p:cond delay="1500"/>
+                            </p:stCondLst>
+                            <p:childTnLst>
+                              <p:par>
+                                <p:cTn id="20" presetID="1" presetClass="exit" presetSubtype="0" fill="hold" grpId="1" nodeType="afterEffect">
+                                  <p:stCondLst>
+                                    <p:cond delay="500"/>
+                                  </p:stCondLst>
+                                  <p:childTnLst>
+                                    <p:set>
+                                      <p:cBhvr>
+                                        <p:cTn id="21" dur="1" fill="hold">
+                                          <p:stCondLst>
+                                            <p:cond delay="0"/>
+                                          </p:stCondLst>
+                                        </p:cTn>
+                                        <p:tgtEl>
+                                          <p:spTgt spid="33"/>
+                                        </p:tgtEl>
+                                        <p:attrNameLst>
+                                          <p:attrName>style.visibility</p:attrName>
+                                        </p:attrNameLst>
+                                      </p:cBhvr>
+                                      <p:to>
+                                        <p:strVal val="hidden"/>
+                                      </p:to>
+                                    </p:set>
+                                  </p:childTnLst>
+                                </p:cTn>
+                              </p:par>
+                            </p:childTnLst>
+                          </p:cTn>
+                        </p:par>
+                        <p:par>
+                          <p:cTn id="22" fill="hold">
+                            <p:stCondLst>
+                              <p:cond delay="2000"/>
+                            </p:stCondLst>
+                            <p:childTnLst>
+                              <p:par>
+                                <p:cTn id="23" presetID="1" presetClass="entr" presetSubtype="0" fill="hold" grpId="0" nodeType="afterEffect">
+                                  <p:stCondLst>
+                                    <p:cond delay="0"/>
+                                  </p:stCondLst>
+                                  <p:childTnLst>
+                                    <p:set>
+                                      <p:cBhvr>
+                                        <p:cTn id="24" dur="1" fill="hold">
+                                          <p:stCondLst>
+                                            <p:cond delay="0"/>
+                                          </p:stCondLst>
+                                        </p:cTn>
+                                        <p:tgtEl>
+                                          <p:spTgt spid="35"/>
+                                        </p:tgtEl>
+                                        <p:attrNameLst>
+                                          <p:attrName>style.visibility</p:attrName>
+                                        </p:attrNameLst>
+                                      </p:cBhvr>
+                                      <p:to>
+                                        <p:strVal val="visible"/>
+                                      </p:to>
+                                    </p:set>
+                                  </p:childTnLst>
+                                </p:cTn>
+                              </p:par>
+                            </p:childTnLst>
+                          </p:cTn>
+                        </p:par>
+                        <p:par>
+                          <p:cTn id="25" fill="hold">
+                            <p:stCondLst>
+                              <p:cond delay="2000"/>
+                            </p:stCondLst>
+                            <p:childTnLst>
+                              <p:par>
+                                <p:cTn id="26" presetID="1" presetClass="exit" presetSubtype="0" fill="hold" grpId="1" nodeType="afterEffect">
+                                  <p:stCondLst>
+                                    <p:cond delay="500"/>
+                                  </p:stCondLst>
+                                  <p:childTnLst>
+                                    <p:set>
+                                      <p:cBhvr>
+                                        <p:cTn id="27" dur="1" fill="hold">
+                                          <p:stCondLst>
+                                            <p:cond delay="0"/>
+                                          </p:stCondLst>
+                                        </p:cTn>
+                                        <p:tgtEl>
+                                          <p:spTgt spid="35"/>
+                                        </p:tgtEl>
+                                        <p:attrNameLst>
+                                          <p:attrName>style.visibility</p:attrName>
+                                        </p:attrNameLst>
+                                      </p:cBhvr>
+                                      <p:to>
+                                        <p:strVal val="hidden"/>
+                                      </p:to>
+                                    </p:set>
+                                  </p:childTnLst>
+                                </p:cTn>
+                              </p:par>
+                            </p:childTnLst>
+                          </p:cTn>
+                        </p:par>
+                        <p:par>
+                          <p:cTn id="28" fill="hold">
+                            <p:stCondLst>
+                              <p:cond delay="2500"/>
+                            </p:stCondLst>
+                            <p:childTnLst>
+                              <p:par>
+                                <p:cTn id="29" presetID="1" presetClass="entr" presetSubtype="0" fill="hold" grpId="2" nodeType="afterEffect">
+                                  <p:stCondLst>
+                                    <p:cond delay="0"/>
+                                  </p:stCondLst>
+                                  <p:childTnLst>
+                                    <p:set>
+                                      <p:cBhvr>
+                                        <p:cTn id="30" dur="1" fill="hold">
+                                          <p:stCondLst>
+                                            <p:cond delay="0"/>
+                                          </p:stCondLst>
+                                        </p:cTn>
+                                        <p:tgtEl>
+                                          <p:spTgt spid="35"/>
+                                        </p:tgtEl>
+                                        <p:attrNameLst>
+                                          <p:attrName>style.visibility</p:attrName>
+                                        </p:attrNameLst>
+                                      </p:cBhvr>
+                                      <p:to>
+                                        <p:strVal val="visible"/>
+                                      </p:to>
+                                    </p:set>
+                                  </p:childTnLst>
+                                </p:cTn>
+                              </p:par>
+                              <p:par>
+                                <p:cTn id="31" presetID="1" presetClass="entr" presetSubtype="0" fill="hold" grpId="0" nodeType="withEffect">
+                                  <p:stCondLst>
+                                    <p:cond delay="0"/>
+                                  </p:stCondLst>
+                                  <p:childTnLst>
+                                    <p:set>
+                                      <p:cBhvr>
+                                        <p:cTn id="32" dur="1" fill="hold">
+                                          <p:stCondLst>
+                                            <p:cond delay="0"/>
+                                          </p:stCondLst>
+                                        </p:cTn>
+                                        <p:tgtEl>
+                                          <p:spTgt spid="26"/>
+                                        </p:tgtEl>
+                                        <p:attrNameLst>
+                                          <p:attrName>style.visibility</p:attrName>
+                                        </p:attrNameLst>
+                                      </p:cBhvr>
+                                      <p:to>
+                                        <p:strVal val="visible"/>
+                                      </p:to>
+                                    </p:set>
+                                  </p:childTnLst>
+                                </p:cTn>
+                              </p:par>
+                              <p:par>
+                                <p:cTn id="33" presetID="35" presetClass="emph" presetSubtype="0" repeatCount="3000" fill="hold" grpId="3" nodeType="withEffect">
+                                  <p:stCondLst>
+                                    <p:cond delay="0"/>
+                                  </p:stCondLst>
+                                  <p:childTnLst>
+                                    <p:anim calcmode="discrete" valueType="str">
+                                      <p:cBhvr>
+                                        <p:cTn id="34" dur="1000" fill="hold"/>
+                                        <p:tgtEl>
+                                          <p:spTgt spid="35"/>
+                                        </p:tgtEl>
+                                        <p:attrNameLst>
+                                          <p:attrName>style.visibility</p:attrName>
+                                        </p:attrNameLst>
+                                      </p:cBhvr>
+                                      <p:tavLst>
+                                        <p:tav tm="0">
+                                          <p:val>
+                                            <p:strVal val="hidden"/>
+                                          </p:val>
+                                        </p:tav>
+                                        <p:tav tm="50000">
+                                          <p:val>
+                                            <p:strVal val="visible"/>
+                                          </p:val>
+                                        </p:tav>
+                                      </p:tavLst>
+                                    </p:anim>
+                                  </p:childTnLst>
+                                </p:cTn>
+                              </p:par>
+                              <p:par>
+                                <p:cTn id="35" presetID="35" presetClass="emph" presetSubtype="0" repeatCount="3000" fill="hold" grpId="1" nodeType="withEffect">
+                                  <p:stCondLst>
+                                    <p:cond delay="0"/>
+                                  </p:stCondLst>
+                                  <p:childTnLst>
+                                    <p:anim calcmode="discrete" valueType="str">
+                                      <p:cBhvr>
+                                        <p:cTn id="36" dur="1000" fill="hold"/>
+                                        <p:tgtEl>
+                                          <p:spTgt spid="26"/>
+                                        </p:tgtEl>
+                                        <p:attrNameLst>
+                                          <p:attrName>style.visibility</p:attrName>
+                                        </p:attrNameLst>
+                                      </p:cBhvr>
+                                      <p:tavLst>
+                                        <p:tav tm="0">
+                                          <p:val>
+                                            <p:strVal val="hidden"/>
+                                          </p:val>
+                                        </p:tav>
+                                        <p:tav tm="50000">
+                                          <p:val>
+                                            <p:strVal val="visible"/>
+                                          </p:val>
+                                        </p:tav>
+                                      </p:tavLst>
+                                    </p:anim>
                                   </p:childTnLst>
                                 </p:cTn>
                               </p:par>
@@ -6210,7 +12775,18 @@
       </p:par>
     </p:tnLst>
     <p:bldLst>
-      <p:bldP spid="2" grpId="0"/>
+      <p:bldP spid="26" grpId="0"/>
+      <p:bldP spid="26" grpId="1"/>
+      <p:bldP spid="31" grpId="0" animBg="1"/>
+      <p:bldP spid="31" grpId="1" animBg="1"/>
+      <p:bldP spid="32" grpId="0" animBg="1"/>
+      <p:bldP spid="32" grpId="1" animBg="1"/>
+      <p:bldP spid="33" grpId="0" animBg="1"/>
+      <p:bldP spid="33" grpId="1" animBg="1"/>
+      <p:bldP spid="35" grpId="0" animBg="1"/>
+      <p:bldP spid="35" grpId="1" animBg="1"/>
+      <p:bldP spid="35" grpId="2" animBg="1"/>
+      <p:bldP spid="35" grpId="3" animBg="1"/>
     </p:bldLst>
   </p:timing>
 </p:sld>

--- a/final/presentation.pptx
+++ b/final/presentation.pptx
@@ -5,7 +5,7 @@
     <p:sldMasterId id="2147483720" r:id="rId1"/>
   </p:sldMasterIdLst>
   <p:notesMasterIdLst>
-    <p:notesMasterId r:id="rId13"/>
+    <p:notesMasterId r:id="rId14"/>
   </p:notesMasterIdLst>
   <p:sldIdLst>
     <p:sldId id="256" r:id="rId2"/>
@@ -17,8 +17,9 @@
     <p:sldId id="265" r:id="rId8"/>
     <p:sldId id="259" r:id="rId9"/>
     <p:sldId id="262" r:id="rId10"/>
-    <p:sldId id="260" r:id="rId11"/>
-    <p:sldId id="266" r:id="rId12"/>
+    <p:sldId id="267" r:id="rId11"/>
+    <p:sldId id="260" r:id="rId12"/>
+    <p:sldId id="266" r:id="rId13"/>
   </p:sldIdLst>
   <p:sldSz cx="12192000" cy="6858000"/>
   <p:notesSz cx="6858000" cy="9144000"/>
@@ -33,7 +34,7 @@
         <p:sld r:id="rId7"/>
         <p:sld r:id="rId9"/>
         <p:sld r:id="rId10"/>
-        <p:sld r:id="rId11"/>
+        <p:sld r:id="rId12"/>
       </p:sldLst>
     </p:custShow>
   </p:custShowLst>
@@ -222,7 +223,7 @@
           <a:p>
             <a:fld id="{092F831F-234F-A64F-B43C-0A24AC974903}" type="datetimeFigureOut">
               <a:rPr lang="en-US" smtClean="0"/>
-              <a:t>2/14/18</a:t>
+              <a:t>2/15/18</a:t>
             </a:fld>
             <a:endParaRPr lang="en-US"/>
           </a:p>
@@ -621,7 +622,7 @@
           <a:p>
             <a:fld id="{FA14666F-C8D9-0D49-AE63-83FD9A2DA80E}" type="datetimeFigureOut">
               <a:rPr lang="en-US" smtClean="0"/>
-              <a:t>2/14/18</a:t>
+              <a:t>2/15/18</a:t>
             </a:fld>
             <a:endParaRPr lang="en-US"/>
           </a:p>
@@ -786,7 +787,7 @@
           <a:p>
             <a:fld id="{FA14666F-C8D9-0D49-AE63-83FD9A2DA80E}" type="datetimeFigureOut">
               <a:rPr lang="en-US" smtClean="0"/>
-              <a:t>2/14/18</a:t>
+              <a:t>2/15/18</a:t>
             </a:fld>
             <a:endParaRPr lang="en-US"/>
           </a:p>
@@ -961,7 +962,7 @@
           <a:p>
             <a:fld id="{FA14666F-C8D9-0D49-AE63-83FD9A2DA80E}" type="datetimeFigureOut">
               <a:rPr lang="en-US" smtClean="0"/>
-              <a:t>2/14/18</a:t>
+              <a:t>2/15/18</a:t>
             </a:fld>
             <a:endParaRPr lang="en-US"/>
           </a:p>
@@ -1126,7 +1127,7 @@
           <a:p>
             <a:fld id="{FA14666F-C8D9-0D49-AE63-83FD9A2DA80E}" type="datetimeFigureOut">
               <a:rPr lang="en-US" smtClean="0"/>
-              <a:t>2/14/18</a:t>
+              <a:t>2/15/18</a:t>
             </a:fld>
             <a:endParaRPr lang="en-US"/>
           </a:p>
@@ -1367,7 +1368,7 @@
           <a:p>
             <a:fld id="{FA14666F-C8D9-0D49-AE63-83FD9A2DA80E}" type="datetimeFigureOut">
               <a:rPr lang="en-US" smtClean="0"/>
-              <a:t>2/14/18</a:t>
+              <a:t>2/15/18</a:t>
             </a:fld>
             <a:endParaRPr lang="en-US"/>
           </a:p>
@@ -1594,7 +1595,7 @@
           <a:p>
             <a:fld id="{FA14666F-C8D9-0D49-AE63-83FD9A2DA80E}" type="datetimeFigureOut">
               <a:rPr lang="en-US" smtClean="0"/>
-              <a:t>2/14/18</a:t>
+              <a:t>2/15/18</a:t>
             </a:fld>
             <a:endParaRPr lang="en-US"/>
           </a:p>
@@ -1956,7 +1957,7 @@
           <a:p>
             <a:fld id="{FA14666F-C8D9-0D49-AE63-83FD9A2DA80E}" type="datetimeFigureOut">
               <a:rPr lang="en-US" smtClean="0"/>
-              <a:t>2/14/18</a:t>
+              <a:t>2/15/18</a:t>
             </a:fld>
             <a:endParaRPr lang="en-US"/>
           </a:p>
@@ -2069,7 +2070,7 @@
           <a:p>
             <a:fld id="{FA14666F-C8D9-0D49-AE63-83FD9A2DA80E}" type="datetimeFigureOut">
               <a:rPr lang="en-US" smtClean="0"/>
-              <a:t>2/14/18</a:t>
+              <a:t>2/15/18</a:t>
             </a:fld>
             <a:endParaRPr lang="en-US"/>
           </a:p>
@@ -2159,7 +2160,7 @@
           <a:p>
             <a:fld id="{FA14666F-C8D9-0D49-AE63-83FD9A2DA80E}" type="datetimeFigureOut">
               <a:rPr lang="en-US" smtClean="0"/>
-              <a:t>2/14/18</a:t>
+              <a:t>2/15/18</a:t>
             </a:fld>
             <a:endParaRPr lang="en-US"/>
           </a:p>
@@ -2431,7 +2432,7 @@
           <a:p>
             <a:fld id="{FA14666F-C8D9-0D49-AE63-83FD9A2DA80E}" type="datetimeFigureOut">
               <a:rPr lang="en-US" smtClean="0"/>
-              <a:t>2/14/18</a:t>
+              <a:t>2/15/18</a:t>
             </a:fld>
             <a:endParaRPr lang="en-US"/>
           </a:p>
@@ -2679,7 +2680,7 @@
           <a:p>
             <a:fld id="{FA14666F-C8D9-0D49-AE63-83FD9A2DA80E}" type="datetimeFigureOut">
               <a:rPr lang="en-US" smtClean="0"/>
-              <a:t>2/14/18</a:t>
+              <a:t>2/15/18</a:t>
             </a:fld>
             <a:endParaRPr lang="en-US"/>
           </a:p>
@@ -2901,7 +2902,7 @@
           <a:p>
             <a:fld id="{FA14666F-C8D9-0D49-AE63-83FD9A2DA80E}" type="datetimeFigureOut">
               <a:rPr lang="en-US" smtClean="0"/>
-              <a:t>2/14/18</a:t>
+              <a:t>2/15/18</a:t>
             </a:fld>
             <a:endParaRPr lang="en-US"/>
           </a:p>
@@ -3483,6 +3484,199 @@
         </p:nvSpPr>
         <p:spPr>
           <a:xfrm>
+            <a:off x="643794" y="326979"/>
+            <a:ext cx="8610599" cy="1325563"/>
+          </a:xfrm>
+        </p:spPr>
+        <p:txBody>
+          <a:bodyPr/>
+          <a:lstStyle/>
+          <a:p>
+            <a:r>
+              <a:rPr lang="en-US" dirty="0" smtClean="0">
+                <a:solidFill>
+                  <a:schemeClr val="bg1"/>
+                </a:solidFill>
+                <a:latin typeface="Arial" charset="0"/>
+                <a:ea typeface="Arial" charset="0"/>
+                <a:cs typeface="Arial" charset="0"/>
+              </a:rPr>
+              <a:t>Gantt chart</a:t>
+            </a:r>
+            <a:endParaRPr lang="en-US" dirty="0">
+              <a:solidFill>
+                <a:schemeClr val="bg1"/>
+              </a:solidFill>
+              <a:latin typeface="Arial" charset="0"/>
+              <a:ea typeface="Arial" charset="0"/>
+              <a:cs typeface="Arial" charset="0"/>
+            </a:endParaRPr>
+          </a:p>
+        </p:txBody>
+      </p:sp>
+      <p:cxnSp>
+        <p:nvCxnSpPr>
+          <p:cNvPr id="6" name="Straight Connector 5"/>
+          <p:cNvCxnSpPr/>
+          <p:nvPr/>
+        </p:nvCxnSpPr>
+        <p:spPr>
+          <a:xfrm>
+            <a:off x="496400" y="565028"/>
+            <a:ext cx="0" cy="785308"/>
+          </a:xfrm>
+          <a:prstGeom prst="line">
+            <a:avLst/>
+          </a:prstGeom>
+          <a:ln w="25400">
+            <a:solidFill>
+              <a:schemeClr val="bg1"/>
+            </a:solidFill>
+          </a:ln>
+        </p:spPr>
+        <p:style>
+          <a:lnRef idx="1">
+            <a:schemeClr val="accent1"/>
+          </a:lnRef>
+          <a:fillRef idx="0">
+            <a:schemeClr val="accent1"/>
+          </a:fillRef>
+          <a:effectRef idx="0">
+            <a:schemeClr val="accent1"/>
+          </a:effectRef>
+          <a:fontRef idx="minor">
+            <a:schemeClr val="tx1"/>
+          </a:fontRef>
+        </p:style>
+      </p:cxnSp>
+      <p:sp>
+        <p:nvSpPr>
+          <p:cNvPr id="7" name="AutoShape 2" descr="https://camo.githubusercontent.com/d18f4a7a64244f703efcb322bf298dcb4ca38856/68747470733a2f2f7765627061636b2e6a732e6f72672f6173736574732f69636f6e2d7371756172652d6269672e737667"/>
+          <p:cNvSpPr>
+            <a:spLocks noChangeAspect="1" noChangeArrowheads="1"/>
+          </p:cNvSpPr>
+          <p:nvPr/>
+        </p:nvSpPr>
+        <p:spPr bwMode="auto">
+          <a:xfrm>
+            <a:off x="1662546" y="1865745"/>
+            <a:ext cx="1905000" cy="1905000"/>
+          </a:xfrm>
+          <a:prstGeom prst="rect">
+            <a:avLst/>
+          </a:prstGeom>
+          <a:noFill/>
+          <a:extLst>
+            <a:ext uri="{909E8E84-426E-40DD-AFC4-6F175D3DCCD1}">
+              <a14:hiddenFill xmlns:a14="http://schemas.microsoft.com/office/drawing/2010/main">
+                <a:solidFill>
+                  <a:srgbClr val="FFFFFF"/>
+                </a:solidFill>
+              </a14:hiddenFill>
+            </a:ext>
+          </a:extLst>
+        </p:spPr>
+        <p:txBody>
+          <a:bodyPr vert="horz" wrap="square" lIns="91440" tIns="45720" rIns="91440" bIns="45720" numCol="1" anchor="t" anchorCtr="0" compatLnSpc="1">
+            <a:prstTxWarp prst="textNoShape">
+              <a:avLst/>
+            </a:prstTxWarp>
+          </a:bodyPr>
+          <a:lstStyle/>
+          <a:p>
+            <a:endParaRPr lang="en-US"/>
+          </a:p>
+        </p:txBody>
+      </p:sp>
+      <p:pic>
+        <p:nvPicPr>
+          <p:cNvPr id="4" name="Picture 3"/>
+          <p:cNvPicPr>
+            <a:picLocks noChangeAspect="1"/>
+          </p:cNvPicPr>
+          <p:nvPr/>
+        </p:nvPicPr>
+        <p:blipFill>
+          <a:blip r:embed="rId2">
+            <a:extLst>
+              <a:ext uri="{28A0092B-C50C-407E-A947-70E740481C1C}">
+                <a14:useLocalDpi xmlns:a14="http://schemas.microsoft.com/office/drawing/2010/main" val="0"/>
+              </a:ext>
+            </a:extLst>
+          </a:blip>
+          <a:stretch>
+            <a:fillRect/>
+          </a:stretch>
+        </p:blipFill>
+        <p:spPr>
+          <a:xfrm>
+            <a:off x="496400" y="1865745"/>
+            <a:ext cx="11201077" cy="3629048"/>
+          </a:xfrm>
+          <a:prstGeom prst="rect">
+            <a:avLst/>
+          </a:prstGeom>
+          <a:effectLst>
+            <a:outerShdw blurRad="50800" dist="38100" dir="5400000" algn="t" rotWithShape="0">
+              <a:prstClr val="black">
+                <a:alpha val="40000"/>
+              </a:prstClr>
+            </a:outerShdw>
+          </a:effectLst>
+        </p:spPr>
+      </p:pic>
+    </p:spTree>
+    <p:extLst>
+      <p:ext uri="{BB962C8B-B14F-4D97-AF65-F5344CB8AC3E}">
+        <p14:creationId xmlns:p14="http://schemas.microsoft.com/office/powerpoint/2010/main" val="506899648"/>
+      </p:ext>
+    </p:extLst>
+  </p:cSld>
+  <p:clrMapOvr>
+    <a:masterClrMapping/>
+  </p:clrMapOvr>
+  <p:transition spd="slow">
+    <p:push dir="u"/>
+  </p:transition>
+  <p:timing>
+    <p:tnLst>
+      <p:par>
+        <p:cTn id="1" dur="indefinite" restart="never" nodeType="tmRoot"/>
+      </p:par>
+    </p:tnLst>
+  </p:timing>
+</p:sld>
+</file>
+
+<file path=ppt/slides/slide11.xml><?xml version="1.0" encoding="utf-8"?>
+<p:sld xmlns:a="http://schemas.openxmlformats.org/drawingml/2006/main" xmlns:r="http://schemas.openxmlformats.org/officeDocument/2006/relationships" xmlns:p="http://schemas.openxmlformats.org/presentationml/2006/main">
+  <p:cSld>
+    <p:spTree>
+      <p:nvGrpSpPr>
+        <p:cNvPr id="1" name=""/>
+        <p:cNvGrpSpPr/>
+        <p:nvPr/>
+      </p:nvGrpSpPr>
+      <p:grpSpPr>
+        <a:xfrm>
+          <a:off x="0" y="0"/>
+          <a:ext cx="0" cy="0"/>
+          <a:chOff x="0" y="0"/>
+          <a:chExt cx="0" cy="0"/>
+        </a:xfrm>
+      </p:grpSpPr>
+      <p:sp>
+        <p:nvSpPr>
+          <p:cNvPr id="2" name="Title 1"/>
+          <p:cNvSpPr>
+            <a:spLocks noGrp="1"/>
+          </p:cNvSpPr>
+          <p:nvPr>
+            <p:ph type="title"/>
+          </p:nvPr>
+        </p:nvSpPr>
+        <p:spPr>
+          <a:xfrm>
             <a:off x="1662546" y="2445182"/>
             <a:ext cx="8610599" cy="1325563"/>
           </a:xfrm>
@@ -3659,7 +3853,7 @@
 </p:sld>
 </file>
 
-<file path=ppt/slides/slide11.xml><?xml version="1.0" encoding="utf-8"?>
+<file path=ppt/slides/slide12.xml><?xml version="1.0" encoding="utf-8"?>
 <p:sld xmlns:a="http://schemas.openxmlformats.org/drawingml/2006/main" xmlns:r="http://schemas.openxmlformats.org/officeDocument/2006/relationships" xmlns:p="http://schemas.openxmlformats.org/presentationml/2006/main">
   <p:cSld>
     <p:spTree>
@@ -4086,11 +4280,6 @@
               </a:rPr>
               <a:t>Connect4 will give the user an option to play against a human opponent or a computer AI. </a:t>
             </a:r>
-            <a:endParaRPr lang="en-US" dirty="0" smtClean="0">
-              <a:latin typeface="Arial" charset="0"/>
-              <a:ea typeface="Arial" charset="0"/>
-              <a:cs typeface="Arial" charset="0"/>
-            </a:endParaRPr>
           </a:p>
           <a:p>
             <a:r>
@@ -4620,6 +4809,36 @@
           </a:p>
         </p:txBody>
       </p:sp>
+      <p:pic>
+        <p:nvPicPr>
+          <p:cNvPr id="14" name="Picture 13"/>
+          <p:cNvPicPr>
+            <a:picLocks noChangeAspect="1"/>
+          </p:cNvPicPr>
+          <p:nvPr/>
+        </p:nvPicPr>
+        <p:blipFill>
+          <a:blip r:embed="rId5">
+            <a:extLst>
+              <a:ext uri="{28A0092B-C50C-407E-A947-70E740481C1C}">
+                <a14:useLocalDpi xmlns:a14="http://schemas.microsoft.com/office/drawing/2010/main" val="0"/>
+              </a:ext>
+            </a:extLst>
+          </a:blip>
+          <a:stretch>
+            <a:fillRect/>
+          </a:stretch>
+        </p:blipFill>
+        <p:spPr>
+          <a:xfrm>
+            <a:off x="4194033" y="1738365"/>
+            <a:ext cx="3661733" cy="4858378"/>
+          </a:xfrm>
+          <a:prstGeom prst="rect">
+            <a:avLst/>
+          </a:prstGeom>
+        </p:spPr>
+      </p:pic>
       <p:sp>
         <p:nvSpPr>
           <p:cNvPr id="12" name="Right Arrow 11"/>
@@ -4782,7 +5001,7 @@
           <p:nvPr/>
         </p:nvPicPr>
         <p:blipFill>
-          <a:blip r:embed="rId5">
+          <a:blip r:embed="rId6">
             <a:extLst>
               <a:ext uri="{28A0092B-C50C-407E-A947-70E740481C1C}">
                 <a14:useLocalDpi xmlns:a14="http://schemas.microsoft.com/office/drawing/2010/main" val="0"/>
@@ -4796,36 +5015,6 @@
         <p:spPr>
           <a:xfrm>
             <a:off x="374479" y="1739750"/>
-            <a:ext cx="3661733" cy="4858378"/>
-          </a:xfrm>
-          <a:prstGeom prst="rect">
-            <a:avLst/>
-          </a:prstGeom>
-        </p:spPr>
-      </p:pic>
-      <p:pic>
-        <p:nvPicPr>
-          <p:cNvPr id="14" name="Picture 13"/>
-          <p:cNvPicPr>
-            <a:picLocks noChangeAspect="1"/>
-          </p:cNvPicPr>
-          <p:nvPr/>
-        </p:nvPicPr>
-        <p:blipFill>
-          <a:blip r:embed="rId6">
-            <a:extLst>
-              <a:ext uri="{28A0092B-C50C-407E-A947-70E740481C1C}">
-                <a14:useLocalDpi xmlns:a14="http://schemas.microsoft.com/office/drawing/2010/main" val="0"/>
-              </a:ext>
-            </a:extLst>
-          </a:blip>
-          <a:stretch>
-            <a:fillRect/>
-          </a:stretch>
-        </p:blipFill>
-        <p:spPr>
-          <a:xfrm>
-            <a:off x="4194033" y="1738365"/>
             <a:ext cx="3661733" cy="4858378"/>
           </a:xfrm>
           <a:prstGeom prst="rect">
@@ -6489,11 +6678,11 @@
   <p:clrMapOvr>
     <a:masterClrMapping/>
   </p:clrMapOvr>
-  <mc:AlternateContent xmlns:mc="http://schemas.openxmlformats.org/markup-compatibility/2006">
-    <mc:Choice xmlns:p14="http://schemas.microsoft.com/office/powerpoint/2010/main" Requires="p14">
+  <mc:AlternateContent xmlns:mc="http://schemas.openxmlformats.org/markup-compatibility/2006" xmlns:p14="http://schemas.microsoft.com/office/powerpoint/2010/main">
+    <mc:Choice Requires="p14">
       <p:transition p14:dur="0"/>
     </mc:Choice>
-    <mc:Fallback>
+    <mc:Fallback xmlns="">
       <p:transition/>
     </mc:Fallback>
   </mc:AlternateContent>
@@ -7285,11 +7474,11 @@
   <p:clrMapOvr>
     <a:masterClrMapping/>
   </p:clrMapOvr>
-  <mc:AlternateContent xmlns:mc="http://schemas.openxmlformats.org/markup-compatibility/2006">
-    <mc:Choice xmlns:p14="http://schemas.microsoft.com/office/powerpoint/2010/main" Requires="p14">
+  <mc:AlternateContent xmlns:mc="http://schemas.openxmlformats.org/markup-compatibility/2006" xmlns:p14="http://schemas.microsoft.com/office/powerpoint/2010/main">
+    <mc:Choice Requires="p14">
       <p:transition p14:dur="0"/>
     </mc:Choice>
-    <mc:Fallback>
+    <mc:Fallback xmlns="">
       <p:transition/>
     </mc:Fallback>
   </mc:AlternateContent>
@@ -7714,11 +7903,11 @@
   <p:clrMapOvr>
     <a:masterClrMapping/>
   </p:clrMapOvr>
-  <mc:AlternateContent xmlns:mc="http://schemas.openxmlformats.org/markup-compatibility/2006">
-    <mc:Choice xmlns:p14="http://schemas.microsoft.com/office/powerpoint/2010/main" Requires="p14">
+  <mc:AlternateContent xmlns:mc="http://schemas.openxmlformats.org/markup-compatibility/2006" xmlns:p14="http://schemas.microsoft.com/office/powerpoint/2010/main">
+    <mc:Choice Requires="p14">
       <p:transition p14:dur="0"/>
     </mc:Choice>
-    <mc:Fallback>
+    <mc:Fallback xmlns="">
       <p:transition/>
     </mc:Fallback>
   </mc:AlternateContent>
